--- a/medicine/docs/研究文档/分子对接数据/成分数据获取.pptx
+++ b/medicine/docs/研究文档/分子对接数据/成分数据获取.pptx
@@ -4,8 +4,19 @@
   <p:sldMasterIdLst>
     <p:sldMasterId id="2147483648" r:id="rId1"/>
   </p:sldMasterIdLst>
+  <p:notesMasterIdLst>
+    <p:notesMasterId r:id="rId11"/>
+  </p:notesMasterIdLst>
   <p:sldIdLst>
-    <p:sldId id="256" r:id="rId2"/>
+    <p:sldId id="265" r:id="rId2"/>
+    <p:sldId id="266" r:id="rId3"/>
+    <p:sldId id="268" r:id="rId4"/>
+    <p:sldId id="256" r:id="rId5"/>
+    <p:sldId id="259" r:id="rId6"/>
+    <p:sldId id="258" r:id="rId7"/>
+    <p:sldId id="260" r:id="rId8"/>
+    <p:sldId id="257" r:id="rId9"/>
+    <p:sldId id="262" r:id="rId10"/>
   </p:sldIdLst>
   <p:sldSz cx="12192000" cy="6858000"/>
   <p:notesSz cx="6858000" cy="9144000"/>
@@ -104,7 +115,534 @@
       </a:defRPr>
     </a:lvl9pPr>
   </p:defaultTextStyle>
+  <p:extLst>
+    <p:ext uri="{EFAFB233-063F-42B5-8137-9DF3F51BA10A}">
+      <p15:sldGuideLst xmlns:p15="http://schemas.microsoft.com/office/powerpoint/2012/main"/>
+    </p:ext>
+  </p:extLst>
 </p:presentation>
+</file>
+
+<file path=ppt/notesMasters/notesMaster1.xml><?xml version="1.0" encoding="utf-8"?>
+<p:notesMaster xmlns:a="http://schemas.openxmlformats.org/drawingml/2006/main" xmlns:r="http://schemas.openxmlformats.org/officeDocument/2006/relationships" xmlns:p="http://schemas.openxmlformats.org/presentationml/2006/main">
+  <p:cSld>
+    <p:bg>
+      <p:bgRef idx="1001">
+        <a:schemeClr val="bg1"/>
+      </p:bgRef>
+    </p:bg>
+    <p:spTree>
+      <p:nvGrpSpPr>
+        <p:cNvPr id="1" name=""/>
+        <p:cNvGrpSpPr/>
+        <p:nvPr/>
+      </p:nvGrpSpPr>
+      <p:grpSpPr>
+        <a:xfrm>
+          <a:off x="0" y="0"/>
+          <a:ext cx="0" cy="0"/>
+          <a:chOff x="0" y="0"/>
+          <a:chExt cx="0" cy="0"/>
+        </a:xfrm>
+      </p:grpSpPr>
+      <p:sp>
+        <p:nvSpPr>
+          <p:cNvPr id="2" name="页眉占位符 1"/>
+          <p:cNvSpPr>
+            <a:spLocks noGrp="1"/>
+          </p:cNvSpPr>
+          <p:nvPr>
+            <p:ph type="hdr" sz="quarter"/>
+          </p:nvPr>
+        </p:nvSpPr>
+        <p:spPr>
+          <a:xfrm>
+            <a:off x="0" y="0"/>
+            <a:ext cx="2971800" cy="458788"/>
+          </a:xfrm>
+          <a:prstGeom prst="rect">
+            <a:avLst/>
+          </a:prstGeom>
+        </p:spPr>
+        <p:txBody>
+          <a:bodyPr vert="horz" lIns="91440" tIns="45720" rIns="91440" bIns="45720" rtlCol="0"/>
+          <a:lstStyle>
+            <a:lvl1pPr algn="l">
+              <a:defRPr sz="1200"/>
+            </a:lvl1pPr>
+          </a:lstStyle>
+          <a:p>
+            <a:endParaRPr lang="zh-CN" altLang="en-US"/>
+          </a:p>
+        </p:txBody>
+      </p:sp>
+      <p:sp>
+        <p:nvSpPr>
+          <p:cNvPr id="3" name="日期占位符 2"/>
+          <p:cNvSpPr>
+            <a:spLocks noGrp="1"/>
+          </p:cNvSpPr>
+          <p:nvPr>
+            <p:ph type="dt" idx="1"/>
+          </p:nvPr>
+        </p:nvSpPr>
+        <p:spPr>
+          <a:xfrm>
+            <a:off x="3884613" y="0"/>
+            <a:ext cx="2971800" cy="458788"/>
+          </a:xfrm>
+          <a:prstGeom prst="rect">
+            <a:avLst/>
+          </a:prstGeom>
+        </p:spPr>
+        <p:txBody>
+          <a:bodyPr vert="horz" lIns="91440" tIns="45720" rIns="91440" bIns="45720" rtlCol="0"/>
+          <a:lstStyle>
+            <a:lvl1pPr algn="r">
+              <a:defRPr sz="1200"/>
+            </a:lvl1pPr>
+          </a:lstStyle>
+          <a:p>
+            <a:fld id="{DA8157A2-A472-4E4C-B9CB-ABC554168FB3}" type="datetimeFigureOut">
+              <a:rPr lang="zh-CN" altLang="en-US" smtClean="0"/>
+              <a:t>2019/3/18</a:t>
+            </a:fld>
+            <a:endParaRPr lang="zh-CN" altLang="en-US"/>
+          </a:p>
+        </p:txBody>
+      </p:sp>
+      <p:sp>
+        <p:nvSpPr>
+          <p:cNvPr id="4" name="幻灯片图像占位符 3"/>
+          <p:cNvSpPr>
+            <a:spLocks noGrp="1" noRot="1" noChangeAspect="1"/>
+          </p:cNvSpPr>
+          <p:nvPr>
+            <p:ph type="sldImg" idx="2"/>
+          </p:nvPr>
+        </p:nvSpPr>
+        <p:spPr>
+          <a:xfrm>
+            <a:off x="685800" y="1143000"/>
+            <a:ext cx="5486400" cy="3086100"/>
+          </a:xfrm>
+          <a:prstGeom prst="rect">
+            <a:avLst/>
+          </a:prstGeom>
+          <a:noFill/>
+          <a:ln w="12700">
+            <a:solidFill>
+              <a:prstClr val="black"/>
+            </a:solidFill>
+          </a:ln>
+        </p:spPr>
+        <p:txBody>
+          <a:bodyPr vert="horz" lIns="91440" tIns="45720" rIns="91440" bIns="45720" rtlCol="0" anchor="ctr"/>
+          <a:lstStyle/>
+          <a:p>
+            <a:endParaRPr lang="zh-CN" altLang="en-US"/>
+          </a:p>
+        </p:txBody>
+      </p:sp>
+      <p:sp>
+        <p:nvSpPr>
+          <p:cNvPr id="5" name="备注占位符 4"/>
+          <p:cNvSpPr>
+            <a:spLocks noGrp="1"/>
+          </p:cNvSpPr>
+          <p:nvPr>
+            <p:ph type="body" sz="quarter" idx="3"/>
+          </p:nvPr>
+        </p:nvSpPr>
+        <p:spPr>
+          <a:xfrm>
+            <a:off x="685800" y="4400550"/>
+            <a:ext cx="5486400" cy="3600450"/>
+          </a:xfrm>
+          <a:prstGeom prst="rect">
+            <a:avLst/>
+          </a:prstGeom>
+        </p:spPr>
+        <p:txBody>
+          <a:bodyPr vert="horz" lIns="91440" tIns="45720" rIns="91440" bIns="45720" rtlCol="0"/>
+          <a:lstStyle/>
+          <a:p>
+            <a:pPr lvl="0"/>
+            <a:r>
+              <a:rPr lang="zh-CN" altLang="en-US" smtClean="0"/>
+              <a:t>编辑母版文本样式</a:t>
+            </a:r>
+          </a:p>
+          <a:p>
+            <a:pPr lvl="1"/>
+            <a:r>
+              <a:rPr lang="zh-CN" altLang="en-US" smtClean="0"/>
+              <a:t>第二级</a:t>
+            </a:r>
+          </a:p>
+          <a:p>
+            <a:pPr lvl="2"/>
+            <a:r>
+              <a:rPr lang="zh-CN" altLang="en-US" smtClean="0"/>
+              <a:t>第三级</a:t>
+            </a:r>
+          </a:p>
+          <a:p>
+            <a:pPr lvl="3"/>
+            <a:r>
+              <a:rPr lang="zh-CN" altLang="en-US" smtClean="0"/>
+              <a:t>第四级</a:t>
+            </a:r>
+          </a:p>
+          <a:p>
+            <a:pPr lvl="4"/>
+            <a:r>
+              <a:rPr lang="zh-CN" altLang="en-US" smtClean="0"/>
+              <a:t>第五级</a:t>
+            </a:r>
+            <a:endParaRPr lang="zh-CN" altLang="en-US"/>
+          </a:p>
+        </p:txBody>
+      </p:sp>
+      <p:sp>
+        <p:nvSpPr>
+          <p:cNvPr id="6" name="页脚占位符 5"/>
+          <p:cNvSpPr>
+            <a:spLocks noGrp="1"/>
+          </p:cNvSpPr>
+          <p:nvPr>
+            <p:ph type="ftr" sz="quarter" idx="4"/>
+          </p:nvPr>
+        </p:nvSpPr>
+        <p:spPr>
+          <a:xfrm>
+            <a:off x="0" y="8685213"/>
+            <a:ext cx="2971800" cy="458787"/>
+          </a:xfrm>
+          <a:prstGeom prst="rect">
+            <a:avLst/>
+          </a:prstGeom>
+        </p:spPr>
+        <p:txBody>
+          <a:bodyPr vert="horz" lIns="91440" tIns="45720" rIns="91440" bIns="45720" rtlCol="0" anchor="b"/>
+          <a:lstStyle>
+            <a:lvl1pPr algn="l">
+              <a:defRPr sz="1200"/>
+            </a:lvl1pPr>
+          </a:lstStyle>
+          <a:p>
+            <a:endParaRPr lang="zh-CN" altLang="en-US"/>
+          </a:p>
+        </p:txBody>
+      </p:sp>
+      <p:sp>
+        <p:nvSpPr>
+          <p:cNvPr id="7" name="灯片编号占位符 6"/>
+          <p:cNvSpPr>
+            <a:spLocks noGrp="1"/>
+          </p:cNvSpPr>
+          <p:nvPr>
+            <p:ph type="sldNum" sz="quarter" idx="5"/>
+          </p:nvPr>
+        </p:nvSpPr>
+        <p:spPr>
+          <a:xfrm>
+            <a:off x="3884613" y="8685213"/>
+            <a:ext cx="2971800" cy="458787"/>
+          </a:xfrm>
+          <a:prstGeom prst="rect">
+            <a:avLst/>
+          </a:prstGeom>
+        </p:spPr>
+        <p:txBody>
+          <a:bodyPr vert="horz" lIns="91440" tIns="45720" rIns="91440" bIns="45720" rtlCol="0" anchor="b"/>
+          <a:lstStyle>
+            <a:lvl1pPr algn="r">
+              <a:defRPr sz="1200"/>
+            </a:lvl1pPr>
+          </a:lstStyle>
+          <a:p>
+            <a:fld id="{B2E4CAD3-384B-481D-9E26-1BF08720336F}" type="slidenum">
+              <a:rPr lang="zh-CN" altLang="en-US" smtClean="0"/>
+              <a:t>‹#›</a:t>
+            </a:fld>
+            <a:endParaRPr lang="zh-CN" altLang="en-US"/>
+          </a:p>
+        </p:txBody>
+      </p:sp>
+    </p:spTree>
+    <p:extLst>
+      <p:ext uri="{BB962C8B-B14F-4D97-AF65-F5344CB8AC3E}">
+        <p14:creationId xmlns:p14="http://schemas.microsoft.com/office/powerpoint/2010/main" val="866238080"/>
+      </p:ext>
+    </p:extLst>
+  </p:cSld>
+  <p:clrMap bg1="lt1" tx1="dk1" bg2="lt2" tx2="dk2" accent1="accent1" accent2="accent2" accent3="accent3" accent4="accent4" accent5="accent5" accent6="accent6" hlink="hlink" folHlink="folHlink"/>
+  <p:notesStyle>
+    <a:lvl1pPr marL="0" algn="l" defTabSz="914400" rtl="0" eaLnBrk="1" latinLnBrk="0" hangingPunct="1">
+      <a:defRPr sz="1200" kern="1200">
+        <a:solidFill>
+          <a:schemeClr val="tx1"/>
+        </a:solidFill>
+        <a:latin typeface="+mn-lt"/>
+        <a:ea typeface="+mn-ea"/>
+        <a:cs typeface="+mn-cs"/>
+      </a:defRPr>
+    </a:lvl1pPr>
+    <a:lvl2pPr marL="457200" algn="l" defTabSz="914400" rtl="0" eaLnBrk="1" latinLnBrk="0" hangingPunct="1">
+      <a:defRPr sz="1200" kern="1200">
+        <a:solidFill>
+          <a:schemeClr val="tx1"/>
+        </a:solidFill>
+        <a:latin typeface="+mn-lt"/>
+        <a:ea typeface="+mn-ea"/>
+        <a:cs typeface="+mn-cs"/>
+      </a:defRPr>
+    </a:lvl2pPr>
+    <a:lvl3pPr marL="914400" algn="l" defTabSz="914400" rtl="0" eaLnBrk="1" latinLnBrk="0" hangingPunct="1">
+      <a:defRPr sz="1200" kern="1200">
+        <a:solidFill>
+          <a:schemeClr val="tx1"/>
+        </a:solidFill>
+        <a:latin typeface="+mn-lt"/>
+        <a:ea typeface="+mn-ea"/>
+        <a:cs typeface="+mn-cs"/>
+      </a:defRPr>
+    </a:lvl3pPr>
+    <a:lvl4pPr marL="1371600" algn="l" defTabSz="914400" rtl="0" eaLnBrk="1" latinLnBrk="0" hangingPunct="1">
+      <a:defRPr sz="1200" kern="1200">
+        <a:solidFill>
+          <a:schemeClr val="tx1"/>
+        </a:solidFill>
+        <a:latin typeface="+mn-lt"/>
+        <a:ea typeface="+mn-ea"/>
+        <a:cs typeface="+mn-cs"/>
+      </a:defRPr>
+    </a:lvl4pPr>
+    <a:lvl5pPr marL="1828800" algn="l" defTabSz="914400" rtl="0" eaLnBrk="1" latinLnBrk="0" hangingPunct="1">
+      <a:defRPr sz="1200" kern="1200">
+        <a:solidFill>
+          <a:schemeClr val="tx1"/>
+        </a:solidFill>
+        <a:latin typeface="+mn-lt"/>
+        <a:ea typeface="+mn-ea"/>
+        <a:cs typeface="+mn-cs"/>
+      </a:defRPr>
+    </a:lvl5pPr>
+    <a:lvl6pPr marL="2286000" algn="l" defTabSz="914400" rtl="0" eaLnBrk="1" latinLnBrk="0" hangingPunct="1">
+      <a:defRPr sz="1200" kern="1200">
+        <a:solidFill>
+          <a:schemeClr val="tx1"/>
+        </a:solidFill>
+        <a:latin typeface="+mn-lt"/>
+        <a:ea typeface="+mn-ea"/>
+        <a:cs typeface="+mn-cs"/>
+      </a:defRPr>
+    </a:lvl6pPr>
+    <a:lvl7pPr marL="2743200" algn="l" defTabSz="914400" rtl="0" eaLnBrk="1" latinLnBrk="0" hangingPunct="1">
+      <a:defRPr sz="1200" kern="1200">
+        <a:solidFill>
+          <a:schemeClr val="tx1"/>
+        </a:solidFill>
+        <a:latin typeface="+mn-lt"/>
+        <a:ea typeface="+mn-ea"/>
+        <a:cs typeface="+mn-cs"/>
+      </a:defRPr>
+    </a:lvl7pPr>
+    <a:lvl8pPr marL="3200400" algn="l" defTabSz="914400" rtl="0" eaLnBrk="1" latinLnBrk="0" hangingPunct="1">
+      <a:defRPr sz="1200" kern="1200">
+        <a:solidFill>
+          <a:schemeClr val="tx1"/>
+        </a:solidFill>
+        <a:latin typeface="+mn-lt"/>
+        <a:ea typeface="+mn-ea"/>
+        <a:cs typeface="+mn-cs"/>
+      </a:defRPr>
+    </a:lvl8pPr>
+    <a:lvl9pPr marL="3657600" algn="l" defTabSz="914400" rtl="0" eaLnBrk="1" latinLnBrk="0" hangingPunct="1">
+      <a:defRPr sz="1200" kern="1200">
+        <a:solidFill>
+          <a:schemeClr val="tx1"/>
+        </a:solidFill>
+        <a:latin typeface="+mn-lt"/>
+        <a:ea typeface="+mn-ea"/>
+        <a:cs typeface="+mn-cs"/>
+      </a:defRPr>
+    </a:lvl9pPr>
+  </p:notesStyle>
+</p:notesMaster>
+</file>
+
+<file path=ppt/notesSlides/notesSlide1.xml><?xml version="1.0" encoding="utf-8"?>
+<p:notes xmlns:a="http://schemas.openxmlformats.org/drawingml/2006/main" xmlns:r="http://schemas.openxmlformats.org/officeDocument/2006/relationships" xmlns:p="http://schemas.openxmlformats.org/presentationml/2006/main">
+  <p:cSld>
+    <p:spTree>
+      <p:nvGrpSpPr>
+        <p:cNvPr id="1" name=""/>
+        <p:cNvGrpSpPr/>
+        <p:nvPr/>
+      </p:nvGrpSpPr>
+      <p:grpSpPr>
+        <a:xfrm>
+          <a:off x="0" y="0"/>
+          <a:ext cx="0" cy="0"/>
+          <a:chOff x="0" y="0"/>
+          <a:chExt cx="0" cy="0"/>
+        </a:xfrm>
+      </p:grpSpPr>
+      <p:sp>
+        <p:nvSpPr>
+          <p:cNvPr id="2" name="幻灯片图像占位符 1"/>
+          <p:cNvSpPr>
+            <a:spLocks noGrp="1" noRot="1" noChangeAspect="1"/>
+          </p:cNvSpPr>
+          <p:nvPr>
+            <p:ph type="sldImg"/>
+          </p:nvPr>
+        </p:nvSpPr>
+        <p:spPr/>
+      </p:sp>
+      <p:sp>
+        <p:nvSpPr>
+          <p:cNvPr id="3" name="备注占位符 2"/>
+          <p:cNvSpPr>
+            <a:spLocks noGrp="1"/>
+          </p:cNvSpPr>
+          <p:nvPr>
+            <p:ph type="body" idx="1"/>
+          </p:nvPr>
+        </p:nvSpPr>
+        <p:spPr/>
+        <p:txBody>
+          <a:bodyPr/>
+          <a:lstStyle/>
+          <a:p>
+            <a:endParaRPr lang="zh-CN" altLang="en-US" dirty="0"/>
+          </a:p>
+        </p:txBody>
+      </p:sp>
+      <p:sp>
+        <p:nvSpPr>
+          <p:cNvPr id="4" name="灯片编号占位符 3"/>
+          <p:cNvSpPr>
+            <a:spLocks noGrp="1"/>
+          </p:cNvSpPr>
+          <p:nvPr>
+            <p:ph type="sldNum" sz="quarter" idx="10"/>
+          </p:nvPr>
+        </p:nvSpPr>
+        <p:spPr/>
+        <p:txBody>
+          <a:bodyPr/>
+          <a:lstStyle/>
+          <a:p>
+            <a:fld id="{B2E4CAD3-384B-481D-9E26-1BF08720336F}" type="slidenum">
+              <a:rPr lang="zh-CN" altLang="en-US" smtClean="0"/>
+              <a:t>2</a:t>
+            </a:fld>
+            <a:endParaRPr lang="zh-CN" altLang="en-US"/>
+          </a:p>
+        </p:txBody>
+      </p:sp>
+    </p:spTree>
+    <p:extLst>
+      <p:ext uri="{BB962C8B-B14F-4D97-AF65-F5344CB8AC3E}">
+        <p14:creationId xmlns:p14="http://schemas.microsoft.com/office/powerpoint/2010/main" val="4017254809"/>
+      </p:ext>
+    </p:extLst>
+  </p:cSld>
+  <p:clrMapOvr>
+    <a:masterClrMapping/>
+  </p:clrMapOvr>
+</p:notes>
+</file>
+
+<file path=ppt/notesSlides/notesSlide2.xml><?xml version="1.0" encoding="utf-8"?>
+<p:notes xmlns:a="http://schemas.openxmlformats.org/drawingml/2006/main" xmlns:r="http://schemas.openxmlformats.org/officeDocument/2006/relationships" xmlns:p="http://schemas.openxmlformats.org/presentationml/2006/main">
+  <p:cSld>
+    <p:spTree>
+      <p:nvGrpSpPr>
+        <p:cNvPr id="1" name=""/>
+        <p:cNvGrpSpPr/>
+        <p:nvPr/>
+      </p:nvGrpSpPr>
+      <p:grpSpPr>
+        <a:xfrm>
+          <a:off x="0" y="0"/>
+          <a:ext cx="0" cy="0"/>
+          <a:chOff x="0" y="0"/>
+          <a:chExt cx="0" cy="0"/>
+        </a:xfrm>
+      </p:grpSpPr>
+      <p:sp>
+        <p:nvSpPr>
+          <p:cNvPr id="2" name="幻灯片图像占位符 1"/>
+          <p:cNvSpPr>
+            <a:spLocks noGrp="1" noRot="1" noChangeAspect="1"/>
+          </p:cNvSpPr>
+          <p:nvPr>
+            <p:ph type="sldImg"/>
+          </p:nvPr>
+        </p:nvSpPr>
+        <p:spPr/>
+      </p:sp>
+      <p:sp>
+        <p:nvSpPr>
+          <p:cNvPr id="3" name="备注占位符 2"/>
+          <p:cNvSpPr>
+            <a:spLocks noGrp="1"/>
+          </p:cNvSpPr>
+          <p:nvPr>
+            <p:ph type="body" idx="1"/>
+          </p:nvPr>
+        </p:nvSpPr>
+        <p:spPr/>
+        <p:txBody>
+          <a:bodyPr/>
+          <a:lstStyle/>
+          <a:p>
+            <a:r>
+              <a:rPr lang="zh-CN" altLang="en-US" dirty="0" smtClean="0"/>
+              <a:t>这是第二个部分的靶点获取模块，该模块的主要任务是进行疾病靶点的准备，流程主要有两个部分，分别是根据疾病的名称从两个数据库中获取</a:t>
+            </a:r>
+            <a:endParaRPr lang="zh-CN" altLang="en-US" dirty="0"/>
+          </a:p>
+        </p:txBody>
+      </p:sp>
+      <p:sp>
+        <p:nvSpPr>
+          <p:cNvPr id="4" name="灯片编号占位符 3"/>
+          <p:cNvSpPr>
+            <a:spLocks noGrp="1"/>
+          </p:cNvSpPr>
+          <p:nvPr>
+            <p:ph type="sldNum" sz="quarter" idx="10"/>
+          </p:nvPr>
+        </p:nvSpPr>
+        <p:spPr/>
+        <p:txBody>
+          <a:bodyPr/>
+          <a:lstStyle/>
+          <a:p>
+            <a:fld id="{B2E4CAD3-384B-481D-9E26-1BF08720336F}" type="slidenum">
+              <a:rPr lang="zh-CN" altLang="en-US" smtClean="0"/>
+              <a:t>8</a:t>
+            </a:fld>
+            <a:endParaRPr lang="zh-CN" altLang="en-US"/>
+          </a:p>
+        </p:txBody>
+      </p:sp>
+    </p:spTree>
+    <p:extLst>
+      <p:ext uri="{BB962C8B-B14F-4D97-AF65-F5344CB8AC3E}">
+        <p14:creationId xmlns:p14="http://schemas.microsoft.com/office/powerpoint/2010/main" val="3353426964"/>
+      </p:ext>
+    </p:extLst>
+  </p:cSld>
+  <p:clrMapOvr>
+    <a:masterClrMapping/>
+  </p:clrMapOvr>
+</p:notes>
 </file>
 
 <file path=ppt/slideLayouts/slideLayout1.xml><?xml version="1.0" encoding="utf-8"?>
@@ -238,7 +776,7 @@
           <a:p>
             <a:fld id="{F5F2471B-111F-4017-AA4C-2D4C7EE12460}" type="datetimeFigureOut">
               <a:rPr lang="zh-CN" altLang="en-US" smtClean="0"/>
-              <a:t>2018/12/11</a:t>
+              <a:t>2019/3/18</a:t>
             </a:fld>
             <a:endParaRPr lang="zh-CN" altLang="en-US"/>
           </a:p>
@@ -408,7 +946,7 @@
           <a:p>
             <a:fld id="{F5F2471B-111F-4017-AA4C-2D4C7EE12460}" type="datetimeFigureOut">
               <a:rPr lang="zh-CN" altLang="en-US" smtClean="0"/>
-              <a:t>2018/12/11</a:t>
+              <a:t>2019/3/18</a:t>
             </a:fld>
             <a:endParaRPr lang="zh-CN" altLang="en-US"/>
           </a:p>
@@ -588,7 +1126,7 @@
           <a:p>
             <a:fld id="{F5F2471B-111F-4017-AA4C-2D4C7EE12460}" type="datetimeFigureOut">
               <a:rPr lang="zh-CN" altLang="en-US" smtClean="0"/>
-              <a:t>2018/12/11</a:t>
+              <a:t>2019/3/18</a:t>
             </a:fld>
             <a:endParaRPr lang="zh-CN" altLang="en-US"/>
           </a:p>
@@ -758,7 +1296,7 @@
           <a:p>
             <a:fld id="{F5F2471B-111F-4017-AA4C-2D4C7EE12460}" type="datetimeFigureOut">
               <a:rPr lang="zh-CN" altLang="en-US" smtClean="0"/>
-              <a:t>2018/12/11</a:t>
+              <a:t>2019/3/18</a:t>
             </a:fld>
             <a:endParaRPr lang="zh-CN" altLang="en-US"/>
           </a:p>
@@ -1004,7 +1542,7 @@
           <a:p>
             <a:fld id="{F5F2471B-111F-4017-AA4C-2D4C7EE12460}" type="datetimeFigureOut">
               <a:rPr lang="zh-CN" altLang="en-US" smtClean="0"/>
-              <a:t>2018/12/11</a:t>
+              <a:t>2019/3/18</a:t>
             </a:fld>
             <a:endParaRPr lang="zh-CN" altLang="en-US"/>
           </a:p>
@@ -1236,7 +1774,7 @@
           <a:p>
             <a:fld id="{F5F2471B-111F-4017-AA4C-2D4C7EE12460}" type="datetimeFigureOut">
               <a:rPr lang="zh-CN" altLang="en-US" smtClean="0"/>
-              <a:t>2018/12/11</a:t>
+              <a:t>2019/3/18</a:t>
             </a:fld>
             <a:endParaRPr lang="zh-CN" altLang="en-US"/>
           </a:p>
@@ -1603,7 +2141,7 @@
           <a:p>
             <a:fld id="{F5F2471B-111F-4017-AA4C-2D4C7EE12460}" type="datetimeFigureOut">
               <a:rPr lang="zh-CN" altLang="en-US" smtClean="0"/>
-              <a:t>2018/12/11</a:t>
+              <a:t>2019/3/18</a:t>
             </a:fld>
             <a:endParaRPr lang="zh-CN" altLang="en-US"/>
           </a:p>
@@ -1721,7 +2259,7 @@
           <a:p>
             <a:fld id="{F5F2471B-111F-4017-AA4C-2D4C7EE12460}" type="datetimeFigureOut">
               <a:rPr lang="zh-CN" altLang="en-US" smtClean="0"/>
-              <a:t>2018/12/11</a:t>
+              <a:t>2019/3/18</a:t>
             </a:fld>
             <a:endParaRPr lang="zh-CN" altLang="en-US"/>
           </a:p>
@@ -1816,7 +2354,7 @@
           <a:p>
             <a:fld id="{F5F2471B-111F-4017-AA4C-2D4C7EE12460}" type="datetimeFigureOut">
               <a:rPr lang="zh-CN" altLang="en-US" smtClean="0"/>
-              <a:t>2018/12/11</a:t>
+              <a:t>2019/3/18</a:t>
             </a:fld>
             <a:endParaRPr lang="zh-CN" altLang="en-US"/>
           </a:p>
@@ -2093,7 +2631,7 @@
           <a:p>
             <a:fld id="{F5F2471B-111F-4017-AA4C-2D4C7EE12460}" type="datetimeFigureOut">
               <a:rPr lang="zh-CN" altLang="en-US" smtClean="0"/>
-              <a:t>2018/12/11</a:t>
+              <a:t>2019/3/18</a:t>
             </a:fld>
             <a:endParaRPr lang="zh-CN" altLang="en-US"/>
           </a:p>
@@ -2346,7 +2884,7 @@
           <a:p>
             <a:fld id="{F5F2471B-111F-4017-AA4C-2D4C7EE12460}" type="datetimeFigureOut">
               <a:rPr lang="zh-CN" altLang="en-US" smtClean="0"/>
-              <a:t>2018/12/11</a:t>
+              <a:t>2019/3/18</a:t>
             </a:fld>
             <a:endParaRPr lang="zh-CN" altLang="en-US"/>
           </a:p>
@@ -2559,7 +3097,7 @@
           <a:p>
             <a:fld id="{F5F2471B-111F-4017-AA4C-2D4C7EE12460}" type="datetimeFigureOut">
               <a:rPr lang="zh-CN" altLang="en-US" smtClean="0"/>
-              <a:t>2018/12/11</a:t>
+              <a:t>2019/3/18</a:t>
             </a:fld>
             <a:endParaRPr lang="zh-CN" altLang="en-US"/>
           </a:p>
@@ -2966,13 +3504,3448 @@
       </p:grpSpPr>
       <p:grpSp>
         <p:nvGrpSpPr>
+          <p:cNvPr id="7" name="组合 6"/>
+          <p:cNvGrpSpPr/>
+          <p:nvPr/>
+        </p:nvGrpSpPr>
+        <p:grpSpPr>
+          <a:xfrm>
+            <a:off x="1348138" y="1233922"/>
+            <a:ext cx="9485967" cy="5323693"/>
+            <a:chOff x="1290265" y="435269"/>
+            <a:chExt cx="9485967" cy="5323693"/>
+          </a:xfrm>
+        </p:grpSpPr>
+        <p:grpSp>
+          <p:nvGrpSpPr>
+            <p:cNvPr id="58" name="组合 57"/>
+            <p:cNvGrpSpPr/>
+            <p:nvPr/>
+          </p:nvGrpSpPr>
+          <p:grpSpPr>
+            <a:xfrm>
+              <a:off x="8492707" y="2228973"/>
+              <a:ext cx="2283525" cy="1448025"/>
+              <a:chOff x="8492707" y="2228973"/>
+              <a:chExt cx="2283525" cy="1448025"/>
+            </a:xfrm>
+            <a:solidFill>
+              <a:schemeClr val="accent6">
+                <a:lumMod val="60000"/>
+                <a:lumOff val="40000"/>
+              </a:schemeClr>
+            </a:solidFill>
+          </p:grpSpPr>
+          <p:sp>
+            <p:nvSpPr>
+              <p:cNvPr id="25" name="圆角矩形 24"/>
+              <p:cNvSpPr/>
+              <p:nvPr/>
+            </p:nvSpPr>
+            <p:spPr>
+              <a:xfrm>
+                <a:off x="8492707" y="2228973"/>
+                <a:ext cx="2283525" cy="1448025"/>
+              </a:xfrm>
+              <a:prstGeom prst="roundRect">
+                <a:avLst/>
+              </a:prstGeom>
+              <a:grpFill/>
+            </p:spPr>
+            <p:style>
+              <a:lnRef idx="2">
+                <a:schemeClr val="dk1"/>
+              </a:lnRef>
+              <a:fillRef idx="1">
+                <a:schemeClr val="lt1"/>
+              </a:fillRef>
+              <a:effectRef idx="0">
+                <a:schemeClr val="dk1"/>
+              </a:effectRef>
+              <a:fontRef idx="minor">
+                <a:schemeClr val="dk1"/>
+              </a:fontRef>
+            </p:style>
+            <p:txBody>
+              <a:bodyPr rtlCol="0" anchor="ctr"/>
+              <a:lstStyle/>
+              <a:p>
+                <a:pPr algn="ctr"/>
+                <a:endParaRPr lang="zh-CN" altLang="en-US"/>
+              </a:p>
+            </p:txBody>
+          </p:sp>
+          <p:sp>
+            <p:nvSpPr>
+              <p:cNvPr id="11" name="圆角矩形 10"/>
+              <p:cNvSpPr/>
+              <p:nvPr/>
+            </p:nvSpPr>
+            <p:spPr>
+              <a:xfrm>
+                <a:off x="8589480" y="2450598"/>
+                <a:ext cx="2089978" cy="914400"/>
+              </a:xfrm>
+              <a:prstGeom prst="roundRect">
+                <a:avLst/>
+              </a:prstGeom>
+              <a:grpFill/>
+              <a:ln>
+                <a:noFill/>
+              </a:ln>
+            </p:spPr>
+            <p:style>
+              <a:lnRef idx="2">
+                <a:schemeClr val="accent1"/>
+              </a:lnRef>
+              <a:fillRef idx="1">
+                <a:schemeClr val="lt1"/>
+              </a:fillRef>
+              <a:effectRef idx="0">
+                <a:schemeClr val="accent1"/>
+              </a:effectRef>
+              <a:fontRef idx="minor">
+                <a:schemeClr val="dk1"/>
+              </a:fontRef>
+            </p:style>
+            <p:txBody>
+              <a:bodyPr rtlCol="0" anchor="ctr"/>
+              <a:lstStyle/>
+              <a:p>
+                <a:pPr algn="ctr"/>
+                <a:r>
+                  <a:rPr lang="en-US" altLang="zh-CN" dirty="0" smtClean="0">
+                    <a:latin typeface="Times New Roman" panose="02020603050405020304" pitchFamily="18" charset="0"/>
+                    <a:cs typeface="Times New Roman" panose="02020603050405020304" pitchFamily="18" charset="0"/>
+                  </a:rPr>
+                  <a:t>System Dock</a:t>
+                </a:r>
+                <a:r>
+                  <a:rPr lang="zh-CN" altLang="en-US" dirty="0" smtClean="0">
+                    <a:latin typeface="Times New Roman" panose="02020603050405020304" pitchFamily="18" charset="0"/>
+                    <a:cs typeface="Times New Roman" panose="02020603050405020304" pitchFamily="18" charset="0"/>
+                  </a:rPr>
+                  <a:t>对接</a:t>
+                </a:r>
+                <a:endParaRPr lang="zh-CN" altLang="en-US" dirty="0">
+                  <a:latin typeface="Times New Roman" panose="02020603050405020304" pitchFamily="18" charset="0"/>
+                  <a:cs typeface="Times New Roman" panose="02020603050405020304" pitchFamily="18" charset="0"/>
+                </a:endParaRPr>
+              </a:p>
+            </p:txBody>
+          </p:sp>
+        </p:grpSp>
+        <p:sp>
+          <p:nvSpPr>
+            <p:cNvPr id="26" name="圆角矩形 25"/>
+            <p:cNvSpPr/>
+            <p:nvPr/>
+          </p:nvSpPr>
+          <p:spPr>
+            <a:xfrm>
+              <a:off x="1290265" y="477578"/>
+              <a:ext cx="2839916" cy="4369777"/>
+            </a:xfrm>
+            <a:prstGeom prst="roundRect">
+              <a:avLst/>
+            </a:prstGeom>
+            <a:solidFill>
+              <a:schemeClr val="accent4">
+                <a:lumMod val="40000"/>
+                <a:lumOff val="60000"/>
+              </a:schemeClr>
+            </a:solidFill>
+            <a:ln>
+              <a:solidFill>
+                <a:schemeClr val="tx1"/>
+              </a:solidFill>
+            </a:ln>
+          </p:spPr>
+          <p:style>
+            <a:lnRef idx="2">
+              <a:schemeClr val="accent1"/>
+            </a:lnRef>
+            <a:fillRef idx="1">
+              <a:schemeClr val="lt1"/>
+            </a:fillRef>
+            <a:effectRef idx="0">
+              <a:schemeClr val="accent1"/>
+            </a:effectRef>
+            <a:fontRef idx="minor">
+              <a:schemeClr val="dk1"/>
+            </a:fontRef>
+          </p:style>
+          <p:txBody>
+            <a:bodyPr rtlCol="0" anchor="ctr"/>
+            <a:lstStyle/>
+            <a:p>
+              <a:pPr algn="ctr"/>
+              <a:endParaRPr lang="zh-CN" altLang="en-US"/>
+            </a:p>
+          </p:txBody>
+        </p:sp>
+        <p:sp>
+          <p:nvSpPr>
+            <p:cNvPr id="13" name="圆角矩形 12"/>
+            <p:cNvSpPr/>
+            <p:nvPr/>
+          </p:nvSpPr>
+          <p:spPr>
+            <a:xfrm>
+              <a:off x="1556080" y="3525715"/>
+              <a:ext cx="2283525" cy="1014010"/>
+            </a:xfrm>
+            <a:prstGeom prst="roundRect">
+              <a:avLst/>
+            </a:prstGeom>
+          </p:spPr>
+          <p:style>
+            <a:lnRef idx="2">
+              <a:schemeClr val="dk1"/>
+            </a:lnRef>
+            <a:fillRef idx="1">
+              <a:schemeClr val="lt1"/>
+            </a:fillRef>
+            <a:effectRef idx="0">
+              <a:schemeClr val="dk1"/>
+            </a:effectRef>
+            <a:fontRef idx="minor">
+              <a:schemeClr val="dk1"/>
+            </a:fontRef>
+          </p:style>
+          <p:txBody>
+            <a:bodyPr rtlCol="0" anchor="ctr"/>
+            <a:lstStyle/>
+            <a:p>
+              <a:pPr algn="ctr"/>
+              <a:endParaRPr lang="zh-CN" altLang="en-US"/>
+            </a:p>
+          </p:txBody>
+        </p:sp>
+        <p:sp>
+          <p:nvSpPr>
+            <p:cNvPr id="2" name="圆角矩形 1"/>
+            <p:cNvSpPr/>
+            <p:nvPr/>
+          </p:nvSpPr>
+          <p:spPr>
+            <a:xfrm>
+              <a:off x="1582844" y="1087004"/>
+              <a:ext cx="2283525" cy="1448025"/>
+            </a:xfrm>
+            <a:prstGeom prst="roundRect">
+              <a:avLst/>
+            </a:prstGeom>
+          </p:spPr>
+          <p:style>
+            <a:lnRef idx="2">
+              <a:schemeClr val="dk1"/>
+            </a:lnRef>
+            <a:fillRef idx="1">
+              <a:schemeClr val="lt1"/>
+            </a:fillRef>
+            <a:effectRef idx="0">
+              <a:schemeClr val="dk1"/>
+            </a:effectRef>
+            <a:fontRef idx="minor">
+              <a:schemeClr val="dk1"/>
+            </a:fontRef>
+          </p:style>
+          <p:txBody>
+            <a:bodyPr rtlCol="0" anchor="ctr"/>
+            <a:lstStyle/>
+            <a:p>
+              <a:pPr algn="ctr"/>
+              <a:endParaRPr lang="zh-CN" altLang="en-US"/>
+            </a:p>
+          </p:txBody>
+        </p:sp>
+        <p:pic>
+          <p:nvPicPr>
+            <p:cNvPr id="14" name="图片 13"/>
+            <p:cNvPicPr>
+              <a:picLocks noChangeAspect="1"/>
+            </p:cNvPicPr>
+            <p:nvPr/>
+          </p:nvPicPr>
+          <p:blipFill>
+            <a:blip r:embed="rId2"/>
+            <a:stretch>
+              <a:fillRect/>
+            </a:stretch>
+          </p:blipFill>
+          <p:spPr>
+            <a:xfrm>
+              <a:off x="2628642" y="2080647"/>
+              <a:ext cx="1103630" cy="276882"/>
+            </a:xfrm>
+            <a:prstGeom prst="rect">
+              <a:avLst/>
+            </a:prstGeom>
+          </p:spPr>
+        </p:pic>
+        <p:pic>
+          <p:nvPicPr>
+            <p:cNvPr id="15" name="图片 14"/>
+            <p:cNvPicPr>
+              <a:picLocks noChangeAspect="1"/>
+            </p:cNvPicPr>
+            <p:nvPr/>
+          </p:nvPicPr>
+          <p:blipFill>
+            <a:blip r:embed="rId3"/>
+            <a:stretch>
+              <a:fillRect/>
+            </a:stretch>
+          </p:blipFill>
+          <p:spPr>
+            <a:xfrm>
+              <a:off x="2628642" y="1619651"/>
+              <a:ext cx="1103631" cy="191366"/>
+            </a:xfrm>
+            <a:prstGeom prst="rect">
+              <a:avLst/>
+            </a:prstGeom>
+          </p:spPr>
+        </p:pic>
+        <p:sp>
+          <p:nvSpPr>
+            <p:cNvPr id="16" name="矩形 15"/>
+            <p:cNvSpPr/>
+            <p:nvPr/>
+          </p:nvSpPr>
+          <p:spPr>
+            <a:xfrm>
+              <a:off x="1716972" y="1416661"/>
+              <a:ext cx="914400" cy="808354"/>
+            </a:xfrm>
+            <a:prstGeom prst="rect">
+              <a:avLst/>
+            </a:prstGeom>
+            <a:ln>
+              <a:noFill/>
+            </a:ln>
+          </p:spPr>
+          <p:style>
+            <a:lnRef idx="2">
+              <a:schemeClr val="accent1"/>
+            </a:lnRef>
+            <a:fillRef idx="1">
+              <a:schemeClr val="lt1"/>
+            </a:fillRef>
+            <a:effectRef idx="0">
+              <a:schemeClr val="accent1"/>
+            </a:effectRef>
+            <a:fontRef idx="minor">
+              <a:schemeClr val="dk1"/>
+            </a:fontRef>
+          </p:style>
+          <p:txBody>
+            <a:bodyPr rtlCol="0" anchor="ctr"/>
+            <a:lstStyle/>
+            <a:p>
+              <a:pPr algn="ctr"/>
+              <a:r>
+                <a:rPr lang="zh-CN" altLang="en-US" dirty="0" smtClean="0"/>
+                <a:t>成分名称获取</a:t>
+              </a:r>
+            </a:p>
+          </p:txBody>
+        </p:sp>
+        <p:pic>
+          <p:nvPicPr>
+            <p:cNvPr id="12" name="图片 11"/>
+            <p:cNvPicPr>
+              <a:picLocks noChangeAspect="1"/>
+            </p:cNvPicPr>
+            <p:nvPr/>
+          </p:nvPicPr>
+          <p:blipFill>
+            <a:blip r:embed="rId4"/>
+            <a:stretch>
+              <a:fillRect/>
+            </a:stretch>
+          </p:blipFill>
+          <p:spPr>
+            <a:xfrm>
+              <a:off x="2631372" y="1172441"/>
+              <a:ext cx="1102729" cy="316524"/>
+            </a:xfrm>
+            <a:prstGeom prst="rect">
+              <a:avLst/>
+            </a:prstGeom>
+          </p:spPr>
+        </p:pic>
+        <p:sp>
+          <p:nvSpPr>
+            <p:cNvPr id="18" name="文本框 17"/>
+            <p:cNvSpPr txBox="1"/>
+            <p:nvPr/>
+          </p:nvSpPr>
+          <p:spPr>
+            <a:xfrm>
+              <a:off x="2628642" y="1765453"/>
+              <a:ext cx="1008973" cy="369332"/>
+            </a:xfrm>
+            <a:prstGeom prst="rect">
+              <a:avLst/>
+            </a:prstGeom>
+            <a:noFill/>
+          </p:spPr>
+          <p:txBody>
+            <a:bodyPr wrap="square" rtlCol="0">
+              <a:spAutoFit/>
+            </a:bodyPr>
+            <a:lstStyle/>
+            <a:p>
+              <a:r>
+                <a:rPr lang="en-US" altLang="zh-CN" dirty="0" smtClean="0"/>
+                <a:t>.....</a:t>
+              </a:r>
+              <a:endParaRPr lang="zh-CN" altLang="en-US" dirty="0"/>
+            </a:p>
+          </p:txBody>
+        </p:sp>
+        <p:sp>
+          <p:nvSpPr>
+            <p:cNvPr id="20" name="圆角矩形 19"/>
+            <p:cNvSpPr/>
+            <p:nvPr/>
+          </p:nvSpPr>
+          <p:spPr>
+            <a:xfrm>
+              <a:off x="1614366" y="3614837"/>
+              <a:ext cx="1213782" cy="811290"/>
+            </a:xfrm>
+            <a:prstGeom prst="roundRect">
+              <a:avLst/>
+            </a:prstGeom>
+            <a:ln>
+              <a:noFill/>
+            </a:ln>
+          </p:spPr>
+          <p:style>
+            <a:lnRef idx="2">
+              <a:schemeClr val="accent1"/>
+            </a:lnRef>
+            <a:fillRef idx="1">
+              <a:schemeClr val="lt1"/>
+            </a:fillRef>
+            <a:effectRef idx="0">
+              <a:schemeClr val="accent1"/>
+            </a:effectRef>
+            <a:fontRef idx="minor">
+              <a:schemeClr val="dk1"/>
+            </a:fontRef>
+          </p:style>
+          <p:txBody>
+            <a:bodyPr rtlCol="0" anchor="ctr"/>
+            <a:lstStyle/>
+            <a:p>
+              <a:pPr algn="ctr"/>
+              <a:r>
+                <a:rPr lang="zh-CN" altLang="en-US" dirty="0" smtClean="0"/>
+                <a:t>成分</a:t>
+              </a:r>
+              <a:r>
+                <a:rPr lang="en-US" altLang="zh-CN" dirty="0" smtClean="0"/>
+                <a:t>3D</a:t>
+              </a:r>
+              <a:r>
+                <a:rPr lang="zh-CN" altLang="en-US" dirty="0" smtClean="0"/>
+                <a:t>文件下载</a:t>
+              </a:r>
+              <a:endParaRPr lang="zh-CN" altLang="en-US" dirty="0"/>
+            </a:p>
+          </p:txBody>
+        </p:sp>
+        <p:pic>
+          <p:nvPicPr>
+            <p:cNvPr id="23" name="图片 22"/>
+            <p:cNvPicPr>
+              <a:picLocks noChangeAspect="1"/>
+            </p:cNvPicPr>
+            <p:nvPr/>
+          </p:nvPicPr>
+          <p:blipFill>
+            <a:blip r:embed="rId5"/>
+            <a:stretch>
+              <a:fillRect/>
+            </a:stretch>
+          </p:blipFill>
+          <p:spPr>
+            <a:xfrm>
+              <a:off x="2773624" y="3788283"/>
+              <a:ext cx="978061" cy="457200"/>
+            </a:xfrm>
+            <a:prstGeom prst="rect">
+              <a:avLst/>
+            </a:prstGeom>
+          </p:spPr>
+        </p:pic>
+        <p:sp>
+          <p:nvSpPr>
+            <p:cNvPr id="32" name="圆角矩形 31"/>
+            <p:cNvSpPr/>
+            <p:nvPr/>
+          </p:nvSpPr>
+          <p:spPr>
+            <a:xfrm>
+              <a:off x="1661466" y="649949"/>
+              <a:ext cx="2126279" cy="371712"/>
+            </a:xfrm>
+            <a:prstGeom prst="roundRect">
+              <a:avLst/>
+            </a:prstGeom>
+            <a:solidFill>
+              <a:schemeClr val="accent4">
+                <a:lumMod val="40000"/>
+                <a:lumOff val="60000"/>
+              </a:schemeClr>
+            </a:solidFill>
+            <a:ln>
+              <a:noFill/>
+            </a:ln>
+          </p:spPr>
+          <p:style>
+            <a:lnRef idx="2">
+              <a:schemeClr val="accent1"/>
+            </a:lnRef>
+            <a:fillRef idx="1">
+              <a:schemeClr val="lt1"/>
+            </a:fillRef>
+            <a:effectRef idx="0">
+              <a:schemeClr val="accent1"/>
+            </a:effectRef>
+            <a:fontRef idx="minor">
+              <a:schemeClr val="dk1"/>
+            </a:fontRef>
+          </p:style>
+          <p:txBody>
+            <a:bodyPr rtlCol="0" anchor="ctr"/>
+            <a:lstStyle/>
+            <a:p>
+              <a:pPr algn="ctr"/>
+              <a:r>
+                <a:rPr lang="zh-CN" altLang="en-US" dirty="0" smtClean="0"/>
+                <a:t>药物成分</a:t>
+              </a:r>
+              <a:r>
+                <a:rPr lang="zh-CN" altLang="zh-CN" dirty="0" smtClean="0"/>
+                <a:t>获取</a:t>
+              </a:r>
+              <a:r>
+                <a:rPr lang="zh-CN" altLang="zh-CN" dirty="0"/>
+                <a:t>模块 </a:t>
+              </a:r>
+              <a:endParaRPr lang="zh-CN" altLang="en-US" dirty="0"/>
+            </a:p>
+          </p:txBody>
+        </p:sp>
+        <p:grpSp>
+          <p:nvGrpSpPr>
+            <p:cNvPr id="34" name="组合 33"/>
+            <p:cNvGrpSpPr/>
+            <p:nvPr/>
+          </p:nvGrpSpPr>
+          <p:grpSpPr>
+            <a:xfrm>
+              <a:off x="4784205" y="435269"/>
+              <a:ext cx="2839916" cy="4369777"/>
+              <a:chOff x="4784205" y="426477"/>
+              <a:chExt cx="2839916" cy="4369777"/>
+            </a:xfrm>
+          </p:grpSpPr>
+          <p:sp>
+            <p:nvSpPr>
+              <p:cNvPr id="27" name="圆角矩形 26"/>
+              <p:cNvSpPr/>
+              <p:nvPr/>
+            </p:nvSpPr>
+            <p:spPr>
+              <a:xfrm>
+                <a:off x="4784205" y="426477"/>
+                <a:ext cx="2839916" cy="4369777"/>
+              </a:xfrm>
+              <a:prstGeom prst="roundRect">
+                <a:avLst/>
+              </a:prstGeom>
+              <a:solidFill>
+                <a:schemeClr val="accent4">
+                  <a:lumMod val="40000"/>
+                  <a:lumOff val="60000"/>
+                </a:schemeClr>
+              </a:solidFill>
+              <a:ln>
+                <a:solidFill>
+                  <a:srgbClr val="000000"/>
+                </a:solidFill>
+              </a:ln>
+            </p:spPr>
+            <p:style>
+              <a:lnRef idx="2">
+                <a:schemeClr val="accent1"/>
+              </a:lnRef>
+              <a:fillRef idx="1">
+                <a:schemeClr val="lt1"/>
+              </a:fillRef>
+              <a:effectRef idx="0">
+                <a:schemeClr val="accent1"/>
+              </a:effectRef>
+              <a:fontRef idx="minor">
+                <a:schemeClr val="dk1"/>
+              </a:fontRef>
+            </p:style>
+            <p:txBody>
+              <a:bodyPr rtlCol="0" anchor="ctr"/>
+              <a:lstStyle/>
+              <a:p>
+                <a:pPr algn="ctr"/>
+                <a:endParaRPr lang="zh-CN" altLang="en-US" dirty="0"/>
+              </a:p>
+            </p:txBody>
+          </p:sp>
+          <p:grpSp>
+            <p:nvGrpSpPr>
+              <p:cNvPr id="31" name="组合 30"/>
+              <p:cNvGrpSpPr/>
+              <p:nvPr/>
+            </p:nvGrpSpPr>
+            <p:grpSpPr>
+              <a:xfrm>
+                <a:off x="5118308" y="1110856"/>
+                <a:ext cx="2283525" cy="1015138"/>
+                <a:chOff x="5320468" y="1087005"/>
+                <a:chExt cx="2283525" cy="1015138"/>
+              </a:xfrm>
+            </p:grpSpPr>
+            <p:sp>
+              <p:nvSpPr>
+                <p:cNvPr id="19" name="圆角矩形 18"/>
+                <p:cNvSpPr/>
+                <p:nvPr/>
+              </p:nvSpPr>
+              <p:spPr>
+                <a:xfrm>
+                  <a:off x="5320468" y="1087005"/>
+                  <a:ext cx="2283525" cy="1015138"/>
+                </a:xfrm>
+                <a:prstGeom prst="roundRect">
+                  <a:avLst/>
+                </a:prstGeom>
+              </p:spPr>
+              <p:style>
+                <a:lnRef idx="2">
+                  <a:schemeClr val="dk1"/>
+                </a:lnRef>
+                <a:fillRef idx="1">
+                  <a:schemeClr val="lt1"/>
+                </a:fillRef>
+                <a:effectRef idx="0">
+                  <a:schemeClr val="dk1"/>
+                </a:effectRef>
+                <a:fontRef idx="minor">
+                  <a:schemeClr val="dk1"/>
+                </a:fontRef>
+              </p:style>
+              <p:txBody>
+                <a:bodyPr rtlCol="0" anchor="ctr"/>
+                <a:lstStyle/>
+                <a:p>
+                  <a:pPr algn="ctr"/>
+                  <a:endParaRPr lang="zh-CN" altLang="en-US"/>
+                </a:p>
+              </p:txBody>
+            </p:sp>
+            <p:sp>
+              <p:nvSpPr>
+                <p:cNvPr id="4" name="圆角矩形 3"/>
+                <p:cNvSpPr/>
+                <p:nvPr/>
+              </p:nvSpPr>
+              <p:spPr>
+                <a:xfrm>
+                  <a:off x="5529353" y="1091277"/>
+                  <a:ext cx="1839162" cy="586099"/>
+                </a:xfrm>
+                <a:prstGeom prst="roundRect">
+                  <a:avLst/>
+                </a:prstGeom>
+                <a:ln>
+                  <a:noFill/>
+                </a:ln>
+              </p:spPr>
+              <p:style>
+                <a:lnRef idx="2">
+                  <a:schemeClr val="accent1"/>
+                </a:lnRef>
+                <a:fillRef idx="1">
+                  <a:schemeClr val="lt1"/>
+                </a:fillRef>
+                <a:effectRef idx="0">
+                  <a:schemeClr val="accent1"/>
+                </a:effectRef>
+                <a:fontRef idx="minor">
+                  <a:schemeClr val="dk1"/>
+                </a:fontRef>
+              </p:style>
+              <p:txBody>
+                <a:bodyPr rtlCol="0" anchor="ctr"/>
+                <a:lstStyle/>
+                <a:p>
+                  <a:pPr algn="ctr"/>
+                  <a:r>
+                    <a:rPr lang="zh-CN" altLang="en-US" dirty="0" smtClean="0"/>
+                    <a:t>靶点基因获取</a:t>
+                  </a:r>
+                  <a:endParaRPr lang="zh-CN" altLang="en-US" dirty="0"/>
+                </a:p>
+              </p:txBody>
+            </p:sp>
+            <p:pic>
+              <p:nvPicPr>
+                <p:cNvPr id="24" name="图片 23"/>
+                <p:cNvPicPr>
+                  <a:picLocks noChangeAspect="1"/>
+                </p:cNvPicPr>
+                <p:nvPr/>
+              </p:nvPicPr>
+              <p:blipFill>
+                <a:blip r:embed="rId5"/>
+                <a:stretch>
+                  <a:fillRect/>
+                </a:stretch>
+              </p:blipFill>
+              <p:spPr>
+                <a:xfrm>
+                  <a:off x="5944474" y="1549004"/>
+                  <a:ext cx="978061" cy="457200"/>
+                </a:xfrm>
+                <a:prstGeom prst="rect">
+                  <a:avLst/>
+                </a:prstGeom>
+              </p:spPr>
+            </p:pic>
+          </p:grpSp>
+          <p:grpSp>
+            <p:nvGrpSpPr>
+              <p:cNvPr id="30" name="组合 29"/>
+              <p:cNvGrpSpPr/>
+              <p:nvPr/>
+            </p:nvGrpSpPr>
+            <p:grpSpPr>
+              <a:xfrm>
+                <a:off x="5153476" y="3516923"/>
+                <a:ext cx="2283525" cy="1014010"/>
+                <a:chOff x="5329260" y="3465771"/>
+                <a:chExt cx="2283525" cy="1014010"/>
+              </a:xfrm>
+            </p:grpSpPr>
+            <p:sp>
+              <p:nvSpPr>
+                <p:cNvPr id="22" name="圆角矩形 21"/>
+                <p:cNvSpPr/>
+                <p:nvPr/>
+              </p:nvSpPr>
+              <p:spPr>
+                <a:xfrm>
+                  <a:off x="5329260" y="3465771"/>
+                  <a:ext cx="2283525" cy="1014010"/>
+                </a:xfrm>
+                <a:prstGeom prst="roundRect">
+                  <a:avLst/>
+                </a:prstGeom>
+              </p:spPr>
+              <p:style>
+                <a:lnRef idx="2">
+                  <a:schemeClr val="dk1"/>
+                </a:lnRef>
+                <a:fillRef idx="1">
+                  <a:schemeClr val="lt1"/>
+                </a:fillRef>
+                <a:effectRef idx="0">
+                  <a:schemeClr val="dk1"/>
+                </a:effectRef>
+                <a:fontRef idx="minor">
+                  <a:schemeClr val="dk1"/>
+                </a:fontRef>
+              </p:style>
+              <p:txBody>
+                <a:bodyPr rtlCol="0" anchor="ctr"/>
+                <a:lstStyle/>
+                <a:p>
+                  <a:pPr algn="ctr"/>
+                  <a:endParaRPr lang="zh-CN" altLang="en-US"/>
+                </a:p>
+              </p:txBody>
+            </p:sp>
+            <p:sp>
+              <p:nvSpPr>
+                <p:cNvPr id="5" name="圆角矩形 4"/>
+                <p:cNvSpPr/>
+                <p:nvPr/>
+              </p:nvSpPr>
+              <p:spPr>
+                <a:xfrm>
+                  <a:off x="5476392" y="3651600"/>
+                  <a:ext cx="946166" cy="685800"/>
+                </a:xfrm>
+                <a:prstGeom prst="roundRect">
+                  <a:avLst/>
+                </a:prstGeom>
+                <a:ln>
+                  <a:noFill/>
+                </a:ln>
+              </p:spPr>
+              <p:style>
+                <a:lnRef idx="2">
+                  <a:schemeClr val="accent1"/>
+                </a:lnRef>
+                <a:fillRef idx="1">
+                  <a:schemeClr val="lt1"/>
+                </a:fillRef>
+                <a:effectRef idx="0">
+                  <a:schemeClr val="accent1"/>
+                </a:effectRef>
+                <a:fontRef idx="minor">
+                  <a:schemeClr val="dk1"/>
+                </a:fontRef>
+              </p:style>
+              <p:txBody>
+                <a:bodyPr rtlCol="0" anchor="ctr"/>
+                <a:lstStyle/>
+                <a:p>
+                  <a:pPr algn="ctr"/>
+                  <a:r>
+                    <a:rPr lang="zh-CN" altLang="en-US" dirty="0" smtClean="0"/>
+                    <a:t>靶点蛋白获取</a:t>
+                  </a:r>
+                  <a:endParaRPr lang="zh-CN" altLang="en-US" dirty="0"/>
+                </a:p>
+              </p:txBody>
+            </p:sp>
+            <p:pic>
+              <p:nvPicPr>
+                <p:cNvPr id="9" name="图片 8"/>
+                <p:cNvPicPr>
+                  <a:picLocks noChangeAspect="1"/>
+                </p:cNvPicPr>
+                <p:nvPr/>
+              </p:nvPicPr>
+              <p:blipFill>
+                <a:blip r:embed="rId6"/>
+                <a:stretch>
+                  <a:fillRect/>
+                </a:stretch>
+              </p:blipFill>
+              <p:spPr>
+                <a:xfrm>
+                  <a:off x="6381502" y="3726362"/>
+                  <a:ext cx="1152525" cy="561975"/>
+                </a:xfrm>
+                <a:prstGeom prst="rect">
+                  <a:avLst/>
+                </a:prstGeom>
+              </p:spPr>
+            </p:pic>
+          </p:grpSp>
+          <p:sp>
+            <p:nvSpPr>
+              <p:cNvPr id="33" name="圆角矩形 32"/>
+              <p:cNvSpPr/>
+              <p:nvPr/>
+            </p:nvSpPr>
+            <p:spPr>
+              <a:xfrm>
+                <a:off x="5144684" y="597321"/>
+                <a:ext cx="2283525" cy="445018"/>
+              </a:xfrm>
+              <a:prstGeom prst="roundRect">
+                <a:avLst/>
+              </a:prstGeom>
+              <a:solidFill>
+                <a:schemeClr val="accent4">
+                  <a:lumMod val="40000"/>
+                  <a:lumOff val="60000"/>
+                </a:schemeClr>
+              </a:solidFill>
+              <a:ln>
+                <a:noFill/>
+              </a:ln>
+            </p:spPr>
+            <p:style>
+              <a:lnRef idx="2">
+                <a:schemeClr val="accent1"/>
+              </a:lnRef>
+              <a:fillRef idx="1">
+                <a:schemeClr val="lt1"/>
+              </a:fillRef>
+              <a:effectRef idx="0">
+                <a:schemeClr val="accent1"/>
+              </a:effectRef>
+              <a:fontRef idx="minor">
+                <a:schemeClr val="dk1"/>
+              </a:fontRef>
+            </p:style>
+            <p:txBody>
+              <a:bodyPr rtlCol="0" anchor="ctr"/>
+              <a:lstStyle/>
+              <a:p>
+                <a:pPr algn="ctr"/>
+                <a:r>
+                  <a:rPr lang="zh-CN" altLang="en-US" dirty="0"/>
+                  <a:t>疾病靶点</a:t>
+                </a:r>
+                <a:r>
+                  <a:rPr lang="zh-CN" altLang="zh-CN" dirty="0"/>
+                  <a:t>获取模块 </a:t>
+                </a:r>
+                <a:endParaRPr lang="zh-CN" altLang="en-US" dirty="0"/>
+              </a:p>
+            </p:txBody>
+          </p:sp>
+        </p:grpSp>
+        <p:sp>
+          <p:nvSpPr>
+            <p:cNvPr id="38" name="圆角矩形 37"/>
+            <p:cNvSpPr/>
+            <p:nvPr/>
+          </p:nvSpPr>
+          <p:spPr>
+            <a:xfrm>
+              <a:off x="1358184" y="2718551"/>
+              <a:ext cx="6234936" cy="584638"/>
+            </a:xfrm>
+            <a:prstGeom prst="roundRect">
+              <a:avLst/>
+            </a:prstGeom>
+            <a:solidFill>
+              <a:schemeClr val="accent5">
+                <a:lumMod val="40000"/>
+                <a:lumOff val="60000"/>
+              </a:schemeClr>
+            </a:solidFill>
+          </p:spPr>
+          <p:style>
+            <a:lnRef idx="2">
+              <a:schemeClr val="accent1"/>
+            </a:lnRef>
+            <a:fillRef idx="1">
+              <a:schemeClr val="lt1"/>
+            </a:fillRef>
+            <a:effectRef idx="0">
+              <a:schemeClr val="accent1"/>
+            </a:effectRef>
+            <a:fontRef idx="minor">
+              <a:schemeClr val="dk1"/>
+            </a:fontRef>
+          </p:style>
+          <p:txBody>
+            <a:bodyPr rtlCol="0" anchor="ctr"/>
+            <a:lstStyle/>
+            <a:p>
+              <a:r>
+                <a:rPr lang="en-US" altLang="zh-CN" dirty="0" smtClean="0">
+                  <a:latin typeface="Times New Roman" panose="02020603050405020304" pitchFamily="18" charset="0"/>
+                  <a:ea typeface="宋体" panose="02010600030101010101" pitchFamily="2" charset="-122"/>
+                  <a:cs typeface="Times New Roman" panose="02020603050405020304" pitchFamily="18" charset="0"/>
+                </a:rPr>
+                <a:t>                </a:t>
+              </a:r>
+              <a:r>
+                <a:rPr lang="en-US" altLang="zh-CN" dirty="0" err="1" smtClean="0">
+                  <a:latin typeface="Times New Roman" panose="02020603050405020304" pitchFamily="18" charset="0"/>
+                  <a:ea typeface="宋体" panose="02010600030101010101" pitchFamily="2" charset="-122"/>
+                  <a:cs typeface="Times New Roman" panose="02020603050405020304" pitchFamily="18" charset="0"/>
+                </a:rPr>
+                <a:t>Selenium+Python</a:t>
+              </a:r>
+              <a:r>
+                <a:rPr lang="en-US" altLang="zh-CN" dirty="0" smtClean="0">
+                  <a:latin typeface="Times New Roman" panose="02020603050405020304" pitchFamily="18" charset="0"/>
+                  <a:ea typeface="宋体" panose="02010600030101010101" pitchFamily="2" charset="-122"/>
+                  <a:cs typeface="Times New Roman" panose="02020603050405020304" pitchFamily="18" charset="0"/>
+                </a:rPr>
+                <a:t>   </a:t>
+              </a:r>
+              <a:r>
+                <a:rPr lang="zh-CN" altLang="en-US" dirty="0" smtClean="0">
+                  <a:latin typeface="Times New Roman" panose="02020603050405020304" pitchFamily="18" charset="0"/>
+                  <a:ea typeface="宋体" panose="02010600030101010101" pitchFamily="2" charset="-122"/>
+                  <a:cs typeface="Times New Roman" panose="02020603050405020304" pitchFamily="18" charset="0"/>
+                </a:rPr>
+                <a:t>自动化</a:t>
+              </a:r>
+              <a:r>
+                <a:rPr lang="zh-CN" altLang="en-US" dirty="0">
+                  <a:latin typeface="Times New Roman" panose="02020603050405020304" pitchFamily="18" charset="0"/>
+                  <a:ea typeface="宋体" panose="02010600030101010101" pitchFamily="2" charset="-122"/>
+                  <a:cs typeface="Times New Roman" panose="02020603050405020304" pitchFamily="18" charset="0"/>
+                </a:rPr>
+                <a:t>框架</a:t>
+              </a:r>
+            </a:p>
+          </p:txBody>
+        </p:sp>
+        <p:sp>
+          <p:nvSpPr>
+            <p:cNvPr id="49" name="上箭头 48"/>
+            <p:cNvSpPr/>
+            <p:nvPr/>
+          </p:nvSpPr>
+          <p:spPr>
+            <a:xfrm>
+              <a:off x="2634511" y="3268137"/>
+              <a:ext cx="161829" cy="309687"/>
+            </a:xfrm>
+            <a:prstGeom prst="upArrow">
+              <a:avLst/>
+            </a:prstGeom>
+          </p:spPr>
+          <p:style>
+            <a:lnRef idx="2">
+              <a:schemeClr val="accent1">
+                <a:shade val="50000"/>
+              </a:schemeClr>
+            </a:lnRef>
+            <a:fillRef idx="1">
+              <a:schemeClr val="accent1"/>
+            </a:fillRef>
+            <a:effectRef idx="0">
+              <a:schemeClr val="accent1"/>
+            </a:effectRef>
+            <a:fontRef idx="minor">
+              <a:schemeClr val="lt1"/>
+            </a:fontRef>
+          </p:style>
+          <p:txBody>
+            <a:bodyPr rtlCol="0" anchor="ctr"/>
+            <a:lstStyle/>
+            <a:p>
+              <a:pPr algn="ctr"/>
+              <a:endParaRPr lang="zh-CN" altLang="en-US"/>
+            </a:p>
+          </p:txBody>
+        </p:sp>
+        <p:sp>
+          <p:nvSpPr>
+            <p:cNvPr id="51" name="上箭头 50"/>
+            <p:cNvSpPr/>
+            <p:nvPr/>
+          </p:nvSpPr>
+          <p:spPr>
+            <a:xfrm>
+              <a:off x="3147351" y="3281403"/>
+              <a:ext cx="161829" cy="309687"/>
+            </a:xfrm>
+            <a:prstGeom prst="upArrow">
+              <a:avLst/>
+            </a:prstGeom>
+          </p:spPr>
+          <p:style>
+            <a:lnRef idx="2">
+              <a:schemeClr val="accent1">
+                <a:shade val="50000"/>
+              </a:schemeClr>
+            </a:lnRef>
+            <a:fillRef idx="1">
+              <a:schemeClr val="accent1"/>
+            </a:fillRef>
+            <a:effectRef idx="0">
+              <a:schemeClr val="accent1"/>
+            </a:effectRef>
+            <a:fontRef idx="minor">
+              <a:schemeClr val="lt1"/>
+            </a:fontRef>
+          </p:style>
+          <p:txBody>
+            <a:bodyPr rtlCol="0" anchor="ctr"/>
+            <a:lstStyle/>
+            <a:p>
+              <a:pPr algn="ctr"/>
+              <a:endParaRPr lang="zh-CN" altLang="en-US"/>
+            </a:p>
+          </p:txBody>
+        </p:sp>
+        <p:sp>
+          <p:nvSpPr>
+            <p:cNvPr id="52" name="上箭头 51"/>
+            <p:cNvSpPr/>
+            <p:nvPr/>
+          </p:nvSpPr>
+          <p:spPr>
+            <a:xfrm>
+              <a:off x="2078798" y="3274252"/>
+              <a:ext cx="161829" cy="309687"/>
+            </a:xfrm>
+            <a:prstGeom prst="upArrow">
+              <a:avLst/>
+            </a:prstGeom>
+          </p:spPr>
+          <p:style>
+            <a:lnRef idx="2">
+              <a:schemeClr val="accent1">
+                <a:shade val="50000"/>
+              </a:schemeClr>
+            </a:lnRef>
+            <a:fillRef idx="1">
+              <a:schemeClr val="accent1"/>
+            </a:fillRef>
+            <a:effectRef idx="0">
+              <a:schemeClr val="accent1"/>
+            </a:effectRef>
+            <a:fontRef idx="minor">
+              <a:schemeClr val="lt1"/>
+            </a:fontRef>
+          </p:style>
+          <p:txBody>
+            <a:bodyPr rtlCol="0" anchor="ctr"/>
+            <a:lstStyle/>
+            <a:p>
+              <a:pPr algn="ctr"/>
+              <a:endParaRPr lang="zh-CN" altLang="en-US"/>
+            </a:p>
+          </p:txBody>
+        </p:sp>
+        <p:sp>
+          <p:nvSpPr>
+            <p:cNvPr id="53" name="上箭头 52"/>
+            <p:cNvSpPr/>
+            <p:nvPr/>
+          </p:nvSpPr>
+          <p:spPr>
+            <a:xfrm>
+              <a:off x="5543309" y="3303189"/>
+              <a:ext cx="161829" cy="309687"/>
+            </a:xfrm>
+            <a:prstGeom prst="upArrow">
+              <a:avLst/>
+            </a:prstGeom>
+          </p:spPr>
+          <p:style>
+            <a:lnRef idx="2">
+              <a:schemeClr val="accent1">
+                <a:shade val="50000"/>
+              </a:schemeClr>
+            </a:lnRef>
+            <a:fillRef idx="1">
+              <a:schemeClr val="accent1"/>
+            </a:fillRef>
+            <a:effectRef idx="0">
+              <a:schemeClr val="accent1"/>
+            </a:effectRef>
+            <a:fontRef idx="minor">
+              <a:schemeClr val="lt1"/>
+            </a:fontRef>
+          </p:style>
+          <p:txBody>
+            <a:bodyPr rtlCol="0" anchor="ctr"/>
+            <a:lstStyle/>
+            <a:p>
+              <a:pPr algn="ctr"/>
+              <a:endParaRPr lang="zh-CN" altLang="en-US"/>
+            </a:p>
+          </p:txBody>
+        </p:sp>
+        <p:sp>
+          <p:nvSpPr>
+            <p:cNvPr id="54" name="上箭头 53"/>
+            <p:cNvSpPr/>
+            <p:nvPr/>
+          </p:nvSpPr>
+          <p:spPr>
+            <a:xfrm>
+              <a:off x="6150431" y="3286270"/>
+              <a:ext cx="161829" cy="309687"/>
+            </a:xfrm>
+            <a:prstGeom prst="upArrow">
+              <a:avLst/>
+            </a:prstGeom>
+          </p:spPr>
+          <p:style>
+            <a:lnRef idx="2">
+              <a:schemeClr val="accent1">
+                <a:shade val="50000"/>
+              </a:schemeClr>
+            </a:lnRef>
+            <a:fillRef idx="1">
+              <a:schemeClr val="accent1"/>
+            </a:fillRef>
+            <a:effectRef idx="0">
+              <a:schemeClr val="accent1"/>
+            </a:effectRef>
+            <a:fontRef idx="minor">
+              <a:schemeClr val="lt1"/>
+            </a:fontRef>
+          </p:style>
+          <p:txBody>
+            <a:bodyPr rtlCol="0" anchor="ctr"/>
+            <a:lstStyle/>
+            <a:p>
+              <a:pPr algn="ctr"/>
+              <a:endParaRPr lang="zh-CN" altLang="en-US"/>
+            </a:p>
+          </p:txBody>
+        </p:sp>
+        <p:sp>
+          <p:nvSpPr>
+            <p:cNvPr id="55" name="上箭头 54"/>
+            <p:cNvSpPr/>
+            <p:nvPr/>
+          </p:nvSpPr>
+          <p:spPr>
+            <a:xfrm>
+              <a:off x="6781981" y="3290942"/>
+              <a:ext cx="161829" cy="309687"/>
+            </a:xfrm>
+            <a:prstGeom prst="upArrow">
+              <a:avLst/>
+            </a:prstGeom>
+          </p:spPr>
+          <p:style>
+            <a:lnRef idx="2">
+              <a:schemeClr val="accent1">
+                <a:shade val="50000"/>
+              </a:schemeClr>
+            </a:lnRef>
+            <a:fillRef idx="1">
+              <a:schemeClr val="accent1"/>
+            </a:fillRef>
+            <a:effectRef idx="0">
+              <a:schemeClr val="accent1"/>
+            </a:effectRef>
+            <a:fontRef idx="minor">
+              <a:schemeClr val="lt1"/>
+            </a:fontRef>
+          </p:style>
+          <p:txBody>
+            <a:bodyPr rtlCol="0" anchor="ctr"/>
+            <a:lstStyle/>
+            <a:p>
+              <a:pPr algn="ctr"/>
+              <a:endParaRPr lang="zh-CN" altLang="en-US"/>
+            </a:p>
+          </p:txBody>
+        </p:sp>
+        <p:sp>
+          <p:nvSpPr>
+            <p:cNvPr id="56" name="圆角矩形 55"/>
+            <p:cNvSpPr/>
+            <p:nvPr/>
+          </p:nvSpPr>
+          <p:spPr>
+            <a:xfrm>
+              <a:off x="1290265" y="5222716"/>
+              <a:ext cx="6333856" cy="536246"/>
+            </a:xfrm>
+            <a:prstGeom prst="roundRect">
+              <a:avLst/>
+            </a:prstGeom>
+            <a:solidFill>
+              <a:schemeClr val="accent6">
+                <a:lumMod val="60000"/>
+                <a:lumOff val="40000"/>
+              </a:schemeClr>
+            </a:solidFill>
+            <a:ln>
+              <a:solidFill>
+                <a:schemeClr val="tx1"/>
+              </a:solidFill>
+            </a:ln>
+          </p:spPr>
+          <p:style>
+            <a:lnRef idx="2">
+              <a:schemeClr val="accent1"/>
+            </a:lnRef>
+            <a:fillRef idx="1">
+              <a:schemeClr val="lt1"/>
+            </a:fillRef>
+            <a:effectRef idx="0">
+              <a:schemeClr val="accent1"/>
+            </a:effectRef>
+            <a:fontRef idx="minor">
+              <a:schemeClr val="dk1"/>
+            </a:fontRef>
+          </p:style>
+          <p:txBody>
+            <a:bodyPr rtlCol="0" anchor="ctr"/>
+            <a:lstStyle/>
+            <a:p>
+              <a:pPr algn="ctr"/>
+              <a:r>
+                <a:rPr lang="zh-CN" altLang="en-US" dirty="0" smtClean="0"/>
+                <a:t>数据存储模块</a:t>
+              </a:r>
+              <a:r>
+                <a:rPr lang="en-US" altLang="zh-CN" dirty="0" smtClean="0"/>
+                <a:t>(MySQL)</a:t>
+              </a:r>
+            </a:p>
+          </p:txBody>
+        </p:sp>
+        <p:pic>
+          <p:nvPicPr>
+            <p:cNvPr id="57" name="图片 56"/>
+            <p:cNvPicPr>
+              <a:picLocks noChangeAspect="1"/>
+            </p:cNvPicPr>
+            <p:nvPr/>
+          </p:nvPicPr>
+          <p:blipFill>
+            <a:blip r:embed="rId7"/>
+            <a:stretch>
+              <a:fillRect/>
+            </a:stretch>
+          </p:blipFill>
+          <p:spPr>
+            <a:xfrm>
+              <a:off x="5435255" y="2815585"/>
+              <a:ext cx="1754010" cy="451239"/>
+            </a:xfrm>
+            <a:prstGeom prst="rect">
+              <a:avLst/>
+            </a:prstGeom>
+          </p:spPr>
+        </p:pic>
+        <p:sp>
+          <p:nvSpPr>
+            <p:cNvPr id="59" name="下箭头 58"/>
+            <p:cNvSpPr/>
+            <p:nvPr/>
+          </p:nvSpPr>
+          <p:spPr>
+            <a:xfrm>
+              <a:off x="4291014" y="3286270"/>
+              <a:ext cx="184638" cy="1919527"/>
+            </a:xfrm>
+            <a:prstGeom prst="downArrow">
+              <a:avLst/>
+            </a:prstGeom>
+          </p:spPr>
+          <p:style>
+            <a:lnRef idx="2">
+              <a:schemeClr val="accent1">
+                <a:shade val="50000"/>
+              </a:schemeClr>
+            </a:lnRef>
+            <a:fillRef idx="1">
+              <a:schemeClr val="accent1"/>
+            </a:fillRef>
+            <a:effectRef idx="0">
+              <a:schemeClr val="accent1"/>
+            </a:effectRef>
+            <a:fontRef idx="minor">
+              <a:schemeClr val="lt1"/>
+            </a:fontRef>
+          </p:style>
+          <p:txBody>
+            <a:bodyPr rtlCol="0" anchor="ctr"/>
+            <a:lstStyle/>
+            <a:p>
+              <a:pPr algn="ctr"/>
+              <a:endParaRPr lang="zh-CN" altLang="en-US"/>
+            </a:p>
+          </p:txBody>
+        </p:sp>
+        <p:cxnSp>
+          <p:nvCxnSpPr>
+            <p:cNvPr id="72" name="肘形连接符 71"/>
+            <p:cNvCxnSpPr>
+              <a:stCxn id="56" idx="3"/>
+              <a:endCxn id="25" idx="2"/>
+            </p:cNvCxnSpPr>
+            <p:nvPr/>
+          </p:nvCxnSpPr>
+          <p:spPr>
+            <a:xfrm flipV="1">
+              <a:off x="7624121" y="3676998"/>
+              <a:ext cx="2010349" cy="1813841"/>
+            </a:xfrm>
+            <a:prstGeom prst="bentConnector2">
+              <a:avLst/>
+            </a:prstGeom>
+            <a:ln w="19050">
+              <a:solidFill>
+                <a:schemeClr val="tx1"/>
+              </a:solidFill>
+              <a:headEnd type="triangle" w="med" len="med"/>
+              <a:tailEnd type="triangle" w="med" len="med"/>
+            </a:ln>
+          </p:spPr>
+          <p:style>
+            <a:lnRef idx="1">
+              <a:schemeClr val="accent1"/>
+            </a:lnRef>
+            <a:fillRef idx="0">
+              <a:schemeClr val="accent1"/>
+            </a:fillRef>
+            <a:effectRef idx="0">
+              <a:schemeClr val="accent1"/>
+            </a:effectRef>
+            <a:fontRef idx="minor">
+              <a:schemeClr val="tx1"/>
+            </a:fontRef>
+          </p:style>
+        </p:cxnSp>
+        <p:sp>
+          <p:nvSpPr>
+            <p:cNvPr id="74" name="圆角矩形 73"/>
+            <p:cNvSpPr/>
+            <p:nvPr/>
+          </p:nvSpPr>
+          <p:spPr>
+            <a:xfrm>
+              <a:off x="5125862" y="2182464"/>
+              <a:ext cx="2268415" cy="468304"/>
+            </a:xfrm>
+            <a:prstGeom prst="roundRect">
+              <a:avLst/>
+            </a:prstGeom>
+          </p:spPr>
+          <p:style>
+            <a:lnRef idx="2">
+              <a:schemeClr val="accent1"/>
+            </a:lnRef>
+            <a:fillRef idx="1">
+              <a:schemeClr val="lt1"/>
+            </a:fillRef>
+            <a:effectRef idx="0">
+              <a:schemeClr val="accent1"/>
+            </a:effectRef>
+            <a:fontRef idx="minor">
+              <a:schemeClr val="dk1"/>
+            </a:fontRef>
+          </p:style>
+          <p:txBody>
+            <a:bodyPr rtlCol="0" anchor="ctr"/>
+            <a:lstStyle/>
+            <a:p>
+              <a:pPr algn="ctr"/>
+              <a:r>
+                <a:rPr lang="zh-CN" altLang="en-US" dirty="0"/>
+                <a:t>靶点</a:t>
+              </a:r>
+              <a:r>
+                <a:rPr lang="zh-CN" altLang="en-US" dirty="0" smtClean="0"/>
+                <a:t>基因筛选</a:t>
+              </a:r>
+              <a:endParaRPr lang="zh-CN" altLang="en-US" dirty="0"/>
+            </a:p>
+          </p:txBody>
+        </p:sp>
+        <p:sp>
+          <p:nvSpPr>
+            <p:cNvPr id="77" name="上箭头 76"/>
+            <p:cNvSpPr/>
+            <p:nvPr/>
+          </p:nvSpPr>
+          <p:spPr>
+            <a:xfrm flipV="1">
+              <a:off x="2625719" y="2480696"/>
+              <a:ext cx="161829" cy="309687"/>
+            </a:xfrm>
+            <a:prstGeom prst="upArrow">
+              <a:avLst/>
+            </a:prstGeom>
+          </p:spPr>
+          <p:style>
+            <a:lnRef idx="2">
+              <a:schemeClr val="accent1">
+                <a:shade val="50000"/>
+              </a:schemeClr>
+            </a:lnRef>
+            <a:fillRef idx="1">
+              <a:schemeClr val="accent1"/>
+            </a:fillRef>
+            <a:effectRef idx="0">
+              <a:schemeClr val="accent1"/>
+            </a:effectRef>
+            <a:fontRef idx="minor">
+              <a:schemeClr val="lt1"/>
+            </a:fontRef>
+          </p:style>
+          <p:txBody>
+            <a:bodyPr rtlCol="0" anchor="ctr"/>
+            <a:lstStyle/>
+            <a:p>
+              <a:pPr algn="ctr"/>
+              <a:endParaRPr lang="zh-CN" altLang="en-US"/>
+            </a:p>
+          </p:txBody>
+        </p:sp>
+        <p:sp>
+          <p:nvSpPr>
+            <p:cNvPr id="79" name="上箭头 78"/>
+            <p:cNvSpPr/>
+            <p:nvPr/>
+          </p:nvSpPr>
+          <p:spPr>
+            <a:xfrm flipV="1">
+              <a:off x="3147351" y="2476937"/>
+              <a:ext cx="161829" cy="309687"/>
+            </a:xfrm>
+            <a:prstGeom prst="upArrow">
+              <a:avLst/>
+            </a:prstGeom>
+          </p:spPr>
+          <p:style>
+            <a:lnRef idx="2">
+              <a:schemeClr val="accent1">
+                <a:shade val="50000"/>
+              </a:schemeClr>
+            </a:lnRef>
+            <a:fillRef idx="1">
+              <a:schemeClr val="accent1"/>
+            </a:fillRef>
+            <a:effectRef idx="0">
+              <a:schemeClr val="accent1"/>
+            </a:effectRef>
+            <a:fontRef idx="minor">
+              <a:schemeClr val="lt1"/>
+            </a:fontRef>
+          </p:style>
+          <p:txBody>
+            <a:bodyPr rtlCol="0" anchor="ctr"/>
+            <a:lstStyle/>
+            <a:p>
+              <a:pPr algn="ctr"/>
+              <a:endParaRPr lang="zh-CN" altLang="en-US"/>
+            </a:p>
+          </p:txBody>
+        </p:sp>
+        <p:sp>
+          <p:nvSpPr>
+            <p:cNvPr id="80" name="上箭头 79"/>
+            <p:cNvSpPr/>
+            <p:nvPr/>
+          </p:nvSpPr>
+          <p:spPr>
+            <a:xfrm flipV="1">
+              <a:off x="2100819" y="2480696"/>
+              <a:ext cx="161829" cy="309687"/>
+            </a:xfrm>
+            <a:prstGeom prst="upArrow">
+              <a:avLst/>
+            </a:prstGeom>
+          </p:spPr>
+          <p:style>
+            <a:lnRef idx="2">
+              <a:schemeClr val="accent1">
+                <a:shade val="50000"/>
+              </a:schemeClr>
+            </a:lnRef>
+            <a:fillRef idx="1">
+              <a:schemeClr val="accent1"/>
+            </a:fillRef>
+            <a:effectRef idx="0">
+              <a:schemeClr val="accent1"/>
+            </a:effectRef>
+            <a:fontRef idx="minor">
+              <a:schemeClr val="lt1"/>
+            </a:fontRef>
+          </p:style>
+          <p:txBody>
+            <a:bodyPr rtlCol="0" anchor="ctr"/>
+            <a:lstStyle/>
+            <a:p>
+              <a:pPr algn="ctr"/>
+              <a:endParaRPr lang="zh-CN" altLang="en-US"/>
+            </a:p>
+          </p:txBody>
+        </p:sp>
+        <p:sp>
+          <p:nvSpPr>
+            <p:cNvPr id="6" name="圆角矩形 5"/>
+            <p:cNvSpPr/>
+            <p:nvPr/>
+          </p:nvSpPr>
+          <p:spPr>
+            <a:xfrm>
+              <a:off x="7932674" y="4583918"/>
+              <a:ext cx="1626576" cy="776742"/>
+            </a:xfrm>
+            <a:prstGeom prst="roundRect">
+              <a:avLst/>
+            </a:prstGeom>
+            <a:solidFill>
+              <a:schemeClr val="accent5">
+                <a:lumMod val="60000"/>
+                <a:lumOff val="40000"/>
+              </a:schemeClr>
+            </a:solidFill>
+            <a:ln>
+              <a:solidFill>
+                <a:schemeClr val="tx1"/>
+              </a:solidFill>
+            </a:ln>
+          </p:spPr>
+          <p:style>
+            <a:lnRef idx="2">
+              <a:schemeClr val="accent1">
+                <a:shade val="50000"/>
+              </a:schemeClr>
+            </a:lnRef>
+            <a:fillRef idx="1">
+              <a:schemeClr val="accent1"/>
+            </a:fillRef>
+            <a:effectRef idx="0">
+              <a:schemeClr val="accent1"/>
+            </a:effectRef>
+            <a:fontRef idx="minor">
+              <a:schemeClr val="lt1"/>
+            </a:fontRef>
+          </p:style>
+          <p:txBody>
+            <a:bodyPr rtlCol="0" anchor="ctr"/>
+            <a:lstStyle/>
+            <a:p>
+              <a:endParaRPr lang="en-US" altLang="zh-CN" sz="1400" dirty="0" smtClean="0">
+                <a:solidFill>
+                  <a:schemeClr val="tx1"/>
+                </a:solidFill>
+                <a:latin typeface="Times New Roman" panose="02020603050405020304" pitchFamily="18" charset="0"/>
+                <a:ea typeface="宋体" panose="02010600030101010101" pitchFamily="2" charset="-122"/>
+                <a:cs typeface="Times New Roman" panose="02020603050405020304" pitchFamily="18" charset="0"/>
+              </a:endParaRPr>
+            </a:p>
+            <a:p>
+              <a:r>
+                <a:rPr lang="zh-CN" altLang="en-US" sz="1400" dirty="0">
+                  <a:solidFill>
+                    <a:schemeClr val="tx1"/>
+                  </a:solidFill>
+                  <a:latin typeface="Times New Roman" panose="02020603050405020304" pitchFamily="18" charset="0"/>
+                  <a:ea typeface="宋体" panose="02010600030101010101" pitchFamily="2" charset="-122"/>
+                  <a:cs typeface="Times New Roman" panose="02020603050405020304" pitchFamily="18" charset="0"/>
+                </a:rPr>
+                <a:t>中药</a:t>
+              </a:r>
+              <a:r>
+                <a:rPr lang="zh-CN" altLang="en-US" sz="1400" dirty="0" smtClean="0">
+                  <a:solidFill>
+                    <a:schemeClr val="tx1"/>
+                  </a:solidFill>
+                  <a:latin typeface="Times New Roman" panose="02020603050405020304" pitchFamily="18" charset="0"/>
+                  <a:ea typeface="宋体" panose="02010600030101010101" pitchFamily="2" charset="-122"/>
+                  <a:cs typeface="Times New Roman" panose="02020603050405020304" pitchFamily="18" charset="0"/>
+                </a:rPr>
+                <a:t>化合物</a:t>
+              </a:r>
+              <a:r>
+                <a:rPr lang="zh-CN" altLang="en-US" sz="1400" dirty="0">
+                  <a:solidFill>
+                    <a:schemeClr val="tx1"/>
+                  </a:solidFill>
+                  <a:latin typeface="Times New Roman" panose="02020603050405020304" pitchFamily="18" charset="0"/>
+                  <a:ea typeface="宋体" panose="02010600030101010101" pitchFamily="2" charset="-122"/>
+                  <a:cs typeface="Times New Roman" panose="02020603050405020304" pitchFamily="18" charset="0"/>
+                </a:rPr>
+                <a:t>成分、靶点数据</a:t>
+              </a:r>
+              <a:r>
+                <a:rPr lang="zh-CN" altLang="en-US" sz="1400" dirty="0" smtClean="0">
+                  <a:solidFill>
+                    <a:schemeClr val="tx1"/>
+                  </a:solidFill>
+                  <a:latin typeface="Times New Roman" panose="02020603050405020304" pitchFamily="18" charset="0"/>
+                  <a:ea typeface="宋体" panose="02010600030101010101" pitchFamily="2" charset="-122"/>
+                  <a:cs typeface="Times New Roman" panose="02020603050405020304" pitchFamily="18" charset="0"/>
+                </a:rPr>
+                <a:t>、对接</a:t>
+              </a:r>
+              <a:r>
+                <a:rPr lang="zh-CN" altLang="en-US" sz="1400" dirty="0">
+                  <a:solidFill>
+                    <a:schemeClr val="tx1"/>
+                  </a:solidFill>
+                  <a:latin typeface="Times New Roman" panose="02020603050405020304" pitchFamily="18" charset="0"/>
+                  <a:ea typeface="宋体" panose="02010600030101010101" pitchFamily="2" charset="-122"/>
+                  <a:cs typeface="Times New Roman" panose="02020603050405020304" pitchFamily="18" charset="0"/>
+                </a:rPr>
+                <a:t>结果数据</a:t>
+              </a:r>
+              <a:endParaRPr lang="en-US" altLang="zh-CN" sz="1400" dirty="0">
+                <a:solidFill>
+                  <a:schemeClr val="tx1"/>
+                </a:solidFill>
+                <a:latin typeface="Times New Roman" panose="02020603050405020304" pitchFamily="18" charset="0"/>
+                <a:ea typeface="宋体" panose="02010600030101010101" pitchFamily="2" charset="-122"/>
+                <a:cs typeface="Times New Roman" panose="02020603050405020304" pitchFamily="18" charset="0"/>
+              </a:endParaRPr>
+            </a:p>
+            <a:p>
+              <a:pPr algn="ctr"/>
+              <a:endParaRPr lang="zh-CN" altLang="en-US" dirty="0"/>
+            </a:p>
+          </p:txBody>
+        </p:sp>
+      </p:grpSp>
+      <p:sp>
+        <p:nvSpPr>
+          <p:cNvPr id="3" name="文本框 2"/>
+          <p:cNvSpPr txBox="1"/>
+          <p:nvPr/>
+        </p:nvSpPr>
+        <p:spPr>
+          <a:xfrm>
+            <a:off x="1304519" y="248082"/>
+            <a:ext cx="9321040" cy="769441"/>
+          </a:xfrm>
+          <a:prstGeom prst="rect">
+            <a:avLst/>
+          </a:prstGeom>
+          <a:noFill/>
+        </p:spPr>
+        <p:txBody>
+          <a:bodyPr wrap="square" rtlCol="0">
+            <a:spAutoFit/>
+          </a:bodyPr>
+          <a:lstStyle/>
+          <a:p>
+            <a:pPr algn="ctr"/>
+            <a:r>
+              <a:rPr lang="zh-CN" altLang="en-US" sz="4400" dirty="0" smtClean="0"/>
+              <a:t>中药成分分析系统</a:t>
+            </a:r>
+            <a:endParaRPr lang="zh-CN" altLang="en-US" sz="4400" dirty="0"/>
+          </a:p>
+        </p:txBody>
+      </p:sp>
+    </p:spTree>
+    <p:extLst>
+      <p:ext uri="{BB962C8B-B14F-4D97-AF65-F5344CB8AC3E}">
+        <p14:creationId xmlns:p14="http://schemas.microsoft.com/office/powerpoint/2010/main" val="2830409244"/>
+      </p:ext>
+    </p:extLst>
+  </p:cSld>
+  <p:clrMapOvr>
+    <a:masterClrMapping/>
+  </p:clrMapOvr>
+  <p:timing>
+    <p:tnLst>
+      <p:par>
+        <p:cTn id="1" dur="indefinite" restart="never" nodeType="tmRoot"/>
+      </p:par>
+    </p:tnLst>
+  </p:timing>
+</p:sld>
+</file>
+
+<file path=ppt/slides/slide2.xml><?xml version="1.0" encoding="utf-8"?>
+<p:sld xmlns:a="http://schemas.openxmlformats.org/drawingml/2006/main" xmlns:r="http://schemas.openxmlformats.org/officeDocument/2006/relationships" xmlns:p="http://schemas.openxmlformats.org/presentationml/2006/main">
+  <p:cSld>
+    <p:spTree>
+      <p:nvGrpSpPr>
+        <p:cNvPr id="1" name=""/>
+        <p:cNvGrpSpPr/>
+        <p:nvPr/>
+      </p:nvGrpSpPr>
+      <p:grpSpPr>
+        <a:xfrm>
+          <a:off x="0" y="0"/>
+          <a:ext cx="0" cy="0"/>
+          <a:chOff x="0" y="0"/>
+          <a:chExt cx="0" cy="0"/>
+        </a:xfrm>
+      </p:grpSpPr>
+      <p:grpSp>
+        <p:nvGrpSpPr>
+          <p:cNvPr id="4" name="组合 3"/>
+          <p:cNvGrpSpPr/>
+          <p:nvPr/>
+        </p:nvGrpSpPr>
+        <p:grpSpPr>
+          <a:xfrm>
+            <a:off x="1313415" y="1187624"/>
+            <a:ext cx="9485967" cy="5323693"/>
+            <a:chOff x="1290265" y="435269"/>
+            <a:chExt cx="9485967" cy="5323693"/>
+          </a:xfrm>
+        </p:grpSpPr>
+        <p:grpSp>
+          <p:nvGrpSpPr>
+            <p:cNvPr id="5" name="组合 4"/>
+            <p:cNvGrpSpPr/>
+            <p:nvPr/>
+          </p:nvGrpSpPr>
+          <p:grpSpPr>
+            <a:xfrm>
+              <a:off x="8492707" y="2228973"/>
+              <a:ext cx="2283525" cy="1448025"/>
+              <a:chOff x="8492707" y="2228973"/>
+              <a:chExt cx="2283525" cy="1448025"/>
+            </a:xfrm>
+            <a:solidFill>
+              <a:schemeClr val="accent6">
+                <a:lumMod val="60000"/>
+                <a:lumOff val="40000"/>
+              </a:schemeClr>
+            </a:solidFill>
+          </p:grpSpPr>
+          <p:sp>
+            <p:nvSpPr>
+              <p:cNvPr id="44" name="圆角矩形 43"/>
+              <p:cNvSpPr/>
+              <p:nvPr/>
+            </p:nvSpPr>
+            <p:spPr>
+              <a:xfrm>
+                <a:off x="8492707" y="2228973"/>
+                <a:ext cx="2283525" cy="1448025"/>
+              </a:xfrm>
+              <a:prstGeom prst="roundRect">
+                <a:avLst/>
+              </a:prstGeom>
+              <a:grpFill/>
+            </p:spPr>
+            <p:style>
+              <a:lnRef idx="2">
+                <a:schemeClr val="dk1"/>
+              </a:lnRef>
+              <a:fillRef idx="1">
+                <a:schemeClr val="lt1"/>
+              </a:fillRef>
+              <a:effectRef idx="0">
+                <a:schemeClr val="dk1"/>
+              </a:effectRef>
+              <a:fontRef idx="minor">
+                <a:schemeClr val="dk1"/>
+              </a:fontRef>
+            </p:style>
+            <p:txBody>
+              <a:bodyPr rtlCol="0" anchor="ctr"/>
+              <a:lstStyle/>
+              <a:p>
+                <a:pPr algn="ctr"/>
+                <a:endParaRPr lang="zh-CN" altLang="en-US"/>
+              </a:p>
+            </p:txBody>
+          </p:sp>
+          <p:sp>
+            <p:nvSpPr>
+              <p:cNvPr id="45" name="圆角矩形 44"/>
+              <p:cNvSpPr/>
+              <p:nvPr/>
+            </p:nvSpPr>
+            <p:spPr>
+              <a:xfrm>
+                <a:off x="8589480" y="2450598"/>
+                <a:ext cx="2089978" cy="914400"/>
+              </a:xfrm>
+              <a:prstGeom prst="roundRect">
+                <a:avLst/>
+              </a:prstGeom>
+              <a:grpFill/>
+              <a:ln>
+                <a:noFill/>
+              </a:ln>
+            </p:spPr>
+            <p:style>
+              <a:lnRef idx="2">
+                <a:schemeClr val="accent1"/>
+              </a:lnRef>
+              <a:fillRef idx="1">
+                <a:schemeClr val="lt1"/>
+              </a:fillRef>
+              <a:effectRef idx="0">
+                <a:schemeClr val="accent1"/>
+              </a:effectRef>
+              <a:fontRef idx="minor">
+                <a:schemeClr val="dk1"/>
+              </a:fontRef>
+            </p:style>
+            <p:txBody>
+              <a:bodyPr rtlCol="0" anchor="ctr"/>
+              <a:lstStyle/>
+              <a:p>
+                <a:pPr algn="ctr"/>
+                <a:r>
+                  <a:rPr lang="en-US" altLang="zh-CN" dirty="0" smtClean="0">
+                    <a:latin typeface="Times New Roman" panose="02020603050405020304" pitchFamily="18" charset="0"/>
+                    <a:cs typeface="Times New Roman" panose="02020603050405020304" pitchFamily="18" charset="0"/>
+                  </a:rPr>
+                  <a:t>System Dock</a:t>
+                </a:r>
+                <a:endParaRPr lang="zh-CN" altLang="en-US" dirty="0">
+                  <a:latin typeface="Times New Roman" panose="02020603050405020304" pitchFamily="18" charset="0"/>
+                  <a:cs typeface="Times New Roman" panose="02020603050405020304" pitchFamily="18" charset="0"/>
+                </a:endParaRPr>
+              </a:p>
+            </p:txBody>
+          </p:sp>
+        </p:grpSp>
+        <p:sp>
+          <p:nvSpPr>
+            <p:cNvPr id="6" name="圆角矩形 5"/>
+            <p:cNvSpPr/>
+            <p:nvPr/>
+          </p:nvSpPr>
+          <p:spPr>
+            <a:xfrm>
+              <a:off x="1290265" y="477578"/>
+              <a:ext cx="2839916" cy="4369777"/>
+            </a:xfrm>
+            <a:prstGeom prst="roundRect">
+              <a:avLst/>
+            </a:prstGeom>
+            <a:solidFill>
+              <a:schemeClr val="accent4">
+                <a:lumMod val="40000"/>
+                <a:lumOff val="60000"/>
+              </a:schemeClr>
+            </a:solidFill>
+            <a:ln>
+              <a:solidFill>
+                <a:schemeClr val="tx1"/>
+              </a:solidFill>
+            </a:ln>
+          </p:spPr>
+          <p:style>
+            <a:lnRef idx="2">
+              <a:schemeClr val="accent1"/>
+            </a:lnRef>
+            <a:fillRef idx="1">
+              <a:schemeClr val="lt1"/>
+            </a:fillRef>
+            <a:effectRef idx="0">
+              <a:schemeClr val="accent1"/>
+            </a:effectRef>
+            <a:fontRef idx="minor">
+              <a:schemeClr val="dk1"/>
+            </a:fontRef>
+          </p:style>
+          <p:txBody>
+            <a:bodyPr rtlCol="0" anchor="ctr"/>
+            <a:lstStyle/>
+            <a:p>
+              <a:pPr algn="ctr"/>
+              <a:endParaRPr lang="zh-CN" altLang="en-US"/>
+            </a:p>
+          </p:txBody>
+        </p:sp>
+        <p:sp>
+          <p:nvSpPr>
+            <p:cNvPr id="7" name="圆角矩形 6"/>
+            <p:cNvSpPr/>
+            <p:nvPr/>
+          </p:nvSpPr>
+          <p:spPr>
+            <a:xfrm>
+              <a:off x="1556080" y="3525715"/>
+              <a:ext cx="2283525" cy="1014010"/>
+            </a:xfrm>
+            <a:prstGeom prst="roundRect">
+              <a:avLst/>
+            </a:prstGeom>
+          </p:spPr>
+          <p:style>
+            <a:lnRef idx="2">
+              <a:schemeClr val="dk1"/>
+            </a:lnRef>
+            <a:fillRef idx="1">
+              <a:schemeClr val="lt1"/>
+            </a:fillRef>
+            <a:effectRef idx="0">
+              <a:schemeClr val="dk1"/>
+            </a:effectRef>
+            <a:fontRef idx="minor">
+              <a:schemeClr val="dk1"/>
+            </a:fontRef>
+          </p:style>
+          <p:txBody>
+            <a:bodyPr rtlCol="0" anchor="ctr"/>
+            <a:lstStyle/>
+            <a:p>
+              <a:pPr algn="ctr"/>
+              <a:endParaRPr lang="zh-CN" altLang="en-US"/>
+            </a:p>
+          </p:txBody>
+        </p:sp>
+        <p:sp>
+          <p:nvSpPr>
+            <p:cNvPr id="8" name="圆角矩形 7"/>
+            <p:cNvSpPr/>
+            <p:nvPr/>
+          </p:nvSpPr>
+          <p:spPr>
+            <a:xfrm>
+              <a:off x="1582844" y="1087004"/>
+              <a:ext cx="2283525" cy="1448025"/>
+            </a:xfrm>
+            <a:prstGeom prst="roundRect">
+              <a:avLst/>
+            </a:prstGeom>
+          </p:spPr>
+          <p:style>
+            <a:lnRef idx="2">
+              <a:schemeClr val="dk1"/>
+            </a:lnRef>
+            <a:fillRef idx="1">
+              <a:schemeClr val="lt1"/>
+            </a:fillRef>
+            <a:effectRef idx="0">
+              <a:schemeClr val="dk1"/>
+            </a:effectRef>
+            <a:fontRef idx="minor">
+              <a:schemeClr val="dk1"/>
+            </a:fontRef>
+          </p:style>
+          <p:txBody>
+            <a:bodyPr rtlCol="0" anchor="ctr"/>
+            <a:lstStyle/>
+            <a:p>
+              <a:pPr algn="ctr"/>
+              <a:endParaRPr lang="zh-CN" altLang="en-US"/>
+            </a:p>
+          </p:txBody>
+        </p:sp>
+        <p:pic>
+          <p:nvPicPr>
+            <p:cNvPr id="9" name="图片 8"/>
+            <p:cNvPicPr>
+              <a:picLocks noChangeAspect="1"/>
+            </p:cNvPicPr>
+            <p:nvPr/>
+          </p:nvPicPr>
+          <p:blipFill>
+            <a:blip r:embed="rId3"/>
+            <a:stretch>
+              <a:fillRect/>
+            </a:stretch>
+          </p:blipFill>
+          <p:spPr>
+            <a:xfrm>
+              <a:off x="2628642" y="2080647"/>
+              <a:ext cx="1103630" cy="276882"/>
+            </a:xfrm>
+            <a:prstGeom prst="rect">
+              <a:avLst/>
+            </a:prstGeom>
+          </p:spPr>
+        </p:pic>
+        <p:pic>
+          <p:nvPicPr>
+            <p:cNvPr id="10" name="图片 9"/>
+            <p:cNvPicPr>
+              <a:picLocks noChangeAspect="1"/>
+            </p:cNvPicPr>
+            <p:nvPr/>
+          </p:nvPicPr>
+          <p:blipFill>
+            <a:blip r:embed="rId4"/>
+            <a:stretch>
+              <a:fillRect/>
+            </a:stretch>
+          </p:blipFill>
+          <p:spPr>
+            <a:xfrm>
+              <a:off x="2628642" y="1619651"/>
+              <a:ext cx="1103631" cy="191366"/>
+            </a:xfrm>
+            <a:prstGeom prst="rect">
+              <a:avLst/>
+            </a:prstGeom>
+          </p:spPr>
+        </p:pic>
+        <p:sp>
+          <p:nvSpPr>
+            <p:cNvPr id="11" name="矩形 10"/>
+            <p:cNvSpPr/>
+            <p:nvPr/>
+          </p:nvSpPr>
+          <p:spPr>
+            <a:xfrm>
+              <a:off x="1582843" y="1439331"/>
+              <a:ext cx="1051667" cy="785684"/>
+            </a:xfrm>
+            <a:prstGeom prst="rect">
+              <a:avLst/>
+            </a:prstGeom>
+            <a:ln>
+              <a:noFill/>
+            </a:ln>
+          </p:spPr>
+          <p:style>
+            <a:lnRef idx="2">
+              <a:schemeClr val="accent1"/>
+            </a:lnRef>
+            <a:fillRef idx="1">
+              <a:schemeClr val="lt1"/>
+            </a:fillRef>
+            <a:effectRef idx="0">
+              <a:schemeClr val="accent1"/>
+            </a:effectRef>
+            <a:fontRef idx="minor">
+              <a:schemeClr val="dk1"/>
+            </a:fontRef>
+          </p:style>
+          <p:txBody>
+            <a:bodyPr rtlCol="0" anchor="ctr"/>
+            <a:lstStyle/>
+            <a:p>
+              <a:pPr algn="ctr"/>
+              <a:r>
+                <a:rPr lang="en-US" altLang="zh-CN" sz="1400" dirty="0">
+                  <a:latin typeface="Times New Roman" panose="02020603050405020304" pitchFamily="18" charset="0"/>
+                  <a:cs typeface="Times New Roman" panose="02020603050405020304" pitchFamily="18" charset="0"/>
+                </a:rPr>
+                <a:t>Ingredient name acquisition</a:t>
+              </a:r>
+            </a:p>
+          </p:txBody>
+        </p:sp>
+        <p:pic>
+          <p:nvPicPr>
+            <p:cNvPr id="12" name="图片 11"/>
+            <p:cNvPicPr>
+              <a:picLocks noChangeAspect="1"/>
+            </p:cNvPicPr>
+            <p:nvPr/>
+          </p:nvPicPr>
+          <p:blipFill>
+            <a:blip r:embed="rId5"/>
+            <a:stretch>
+              <a:fillRect/>
+            </a:stretch>
+          </p:blipFill>
+          <p:spPr>
+            <a:xfrm>
+              <a:off x="2631372" y="1172441"/>
+              <a:ext cx="1102729" cy="316524"/>
+            </a:xfrm>
+            <a:prstGeom prst="rect">
+              <a:avLst/>
+            </a:prstGeom>
+          </p:spPr>
+        </p:pic>
+        <p:sp>
+          <p:nvSpPr>
+            <p:cNvPr id="13" name="文本框 12"/>
+            <p:cNvSpPr txBox="1"/>
+            <p:nvPr/>
+          </p:nvSpPr>
+          <p:spPr>
+            <a:xfrm>
+              <a:off x="2628642" y="1765453"/>
+              <a:ext cx="1008973" cy="369332"/>
+            </a:xfrm>
+            <a:prstGeom prst="rect">
+              <a:avLst/>
+            </a:prstGeom>
+            <a:noFill/>
+          </p:spPr>
+          <p:txBody>
+            <a:bodyPr wrap="square" rtlCol="0">
+              <a:spAutoFit/>
+            </a:bodyPr>
+            <a:lstStyle/>
+            <a:p>
+              <a:r>
+                <a:rPr lang="en-US" altLang="zh-CN" dirty="0" smtClean="0"/>
+                <a:t>.....</a:t>
+              </a:r>
+              <a:endParaRPr lang="zh-CN" altLang="en-US" dirty="0"/>
+            </a:p>
+          </p:txBody>
+        </p:sp>
+        <p:sp>
+          <p:nvSpPr>
+            <p:cNvPr id="14" name="圆角矩形 13"/>
+            <p:cNvSpPr/>
+            <p:nvPr/>
+          </p:nvSpPr>
+          <p:spPr>
+            <a:xfrm>
+              <a:off x="1614366" y="3614837"/>
+              <a:ext cx="1213782" cy="811290"/>
+            </a:xfrm>
+            <a:prstGeom prst="roundRect">
+              <a:avLst/>
+            </a:prstGeom>
+            <a:ln>
+              <a:noFill/>
+            </a:ln>
+          </p:spPr>
+          <p:style>
+            <a:lnRef idx="2">
+              <a:schemeClr val="accent1"/>
+            </a:lnRef>
+            <a:fillRef idx="1">
+              <a:schemeClr val="lt1"/>
+            </a:fillRef>
+            <a:effectRef idx="0">
+              <a:schemeClr val="accent1"/>
+            </a:effectRef>
+            <a:fontRef idx="minor">
+              <a:schemeClr val="dk1"/>
+            </a:fontRef>
+          </p:style>
+          <p:txBody>
+            <a:bodyPr rtlCol="0" anchor="ctr"/>
+            <a:lstStyle/>
+            <a:p>
+              <a:pPr algn="ctr"/>
+              <a:r>
+                <a:rPr lang="en-US" altLang="zh-CN" sz="1600" dirty="0">
+                  <a:latin typeface="Times New Roman" panose="02020603050405020304" pitchFamily="18" charset="0"/>
+                  <a:cs typeface="Times New Roman" panose="02020603050405020304" pitchFamily="18" charset="0"/>
+                </a:rPr>
+                <a:t>Ingredient 3D file download</a:t>
+              </a:r>
+            </a:p>
+          </p:txBody>
+        </p:sp>
+        <p:pic>
+          <p:nvPicPr>
+            <p:cNvPr id="15" name="图片 14"/>
+            <p:cNvPicPr>
+              <a:picLocks noChangeAspect="1"/>
+            </p:cNvPicPr>
+            <p:nvPr/>
+          </p:nvPicPr>
+          <p:blipFill>
+            <a:blip r:embed="rId6"/>
+            <a:stretch>
+              <a:fillRect/>
+            </a:stretch>
+          </p:blipFill>
+          <p:spPr>
+            <a:xfrm>
+              <a:off x="2773624" y="3788283"/>
+              <a:ext cx="978061" cy="457200"/>
+            </a:xfrm>
+            <a:prstGeom prst="rect">
+              <a:avLst/>
+            </a:prstGeom>
+          </p:spPr>
+        </p:pic>
+        <p:sp>
+          <p:nvSpPr>
+            <p:cNvPr id="16" name="圆角矩形 15"/>
+            <p:cNvSpPr/>
+            <p:nvPr/>
+          </p:nvSpPr>
+          <p:spPr>
+            <a:xfrm>
+              <a:off x="1375768" y="649949"/>
+              <a:ext cx="2668693" cy="371712"/>
+            </a:xfrm>
+            <a:prstGeom prst="roundRect">
+              <a:avLst/>
+            </a:prstGeom>
+            <a:solidFill>
+              <a:schemeClr val="accent4">
+                <a:lumMod val="40000"/>
+                <a:lumOff val="60000"/>
+              </a:schemeClr>
+            </a:solidFill>
+            <a:ln>
+              <a:noFill/>
+            </a:ln>
+          </p:spPr>
+          <p:style>
+            <a:lnRef idx="2">
+              <a:schemeClr val="accent1"/>
+            </a:lnRef>
+            <a:fillRef idx="1">
+              <a:schemeClr val="lt1"/>
+            </a:fillRef>
+            <a:effectRef idx="0">
+              <a:schemeClr val="accent1"/>
+            </a:effectRef>
+            <a:fontRef idx="minor">
+              <a:schemeClr val="dk1"/>
+            </a:fontRef>
+          </p:style>
+          <p:txBody>
+            <a:bodyPr rtlCol="0" anchor="ctr"/>
+            <a:lstStyle/>
+            <a:p>
+              <a:pPr algn="ctr"/>
+              <a:r>
+                <a:rPr lang="en-US" altLang="zh-CN" sz="1600" dirty="0">
+                  <a:latin typeface="Times New Roman" panose="02020603050405020304" pitchFamily="18" charset="0"/>
+                  <a:cs typeface="Times New Roman" panose="02020603050405020304" pitchFamily="18" charset="0"/>
+                </a:rPr>
+                <a:t>Pharmaceutical ingredient acquisition module</a:t>
+              </a:r>
+              <a:endParaRPr lang="zh-CN" altLang="en-US" sz="1600" dirty="0">
+                <a:latin typeface="Times New Roman" panose="02020603050405020304" pitchFamily="18" charset="0"/>
+                <a:cs typeface="Times New Roman" panose="02020603050405020304" pitchFamily="18" charset="0"/>
+              </a:endParaRPr>
+            </a:p>
+          </p:txBody>
+        </p:sp>
+        <p:grpSp>
+          <p:nvGrpSpPr>
+            <p:cNvPr id="17" name="组合 16"/>
+            <p:cNvGrpSpPr/>
+            <p:nvPr/>
+          </p:nvGrpSpPr>
+          <p:grpSpPr>
+            <a:xfrm>
+              <a:off x="4784205" y="435269"/>
+              <a:ext cx="2839916" cy="4369777"/>
+              <a:chOff x="4784205" y="426477"/>
+              <a:chExt cx="2839916" cy="4369777"/>
+            </a:xfrm>
+          </p:grpSpPr>
+          <p:sp>
+            <p:nvSpPr>
+              <p:cNvPr id="34" name="圆角矩形 33"/>
+              <p:cNvSpPr/>
+              <p:nvPr/>
+            </p:nvSpPr>
+            <p:spPr>
+              <a:xfrm>
+                <a:off x="4784205" y="426477"/>
+                <a:ext cx="2839916" cy="4369777"/>
+              </a:xfrm>
+              <a:prstGeom prst="roundRect">
+                <a:avLst/>
+              </a:prstGeom>
+              <a:solidFill>
+                <a:schemeClr val="accent4">
+                  <a:lumMod val="40000"/>
+                  <a:lumOff val="60000"/>
+                </a:schemeClr>
+              </a:solidFill>
+              <a:ln>
+                <a:solidFill>
+                  <a:srgbClr val="000000"/>
+                </a:solidFill>
+              </a:ln>
+            </p:spPr>
+            <p:style>
+              <a:lnRef idx="2">
+                <a:schemeClr val="accent1"/>
+              </a:lnRef>
+              <a:fillRef idx="1">
+                <a:schemeClr val="lt1"/>
+              </a:fillRef>
+              <a:effectRef idx="0">
+                <a:schemeClr val="accent1"/>
+              </a:effectRef>
+              <a:fontRef idx="minor">
+                <a:schemeClr val="dk1"/>
+              </a:fontRef>
+            </p:style>
+            <p:txBody>
+              <a:bodyPr rtlCol="0" anchor="ctr"/>
+              <a:lstStyle/>
+              <a:p>
+                <a:pPr algn="ctr"/>
+                <a:endParaRPr lang="zh-CN" altLang="en-US" dirty="0"/>
+              </a:p>
+            </p:txBody>
+          </p:sp>
+          <p:grpSp>
+            <p:nvGrpSpPr>
+              <p:cNvPr id="35" name="组合 34"/>
+              <p:cNvGrpSpPr/>
+              <p:nvPr/>
+            </p:nvGrpSpPr>
+            <p:grpSpPr>
+              <a:xfrm>
+                <a:off x="5118308" y="1110856"/>
+                <a:ext cx="2283525" cy="1015138"/>
+                <a:chOff x="5320468" y="1087005"/>
+                <a:chExt cx="2283525" cy="1015138"/>
+              </a:xfrm>
+            </p:grpSpPr>
+            <p:sp>
+              <p:nvSpPr>
+                <p:cNvPr id="41" name="圆角矩形 40"/>
+                <p:cNvSpPr/>
+                <p:nvPr/>
+              </p:nvSpPr>
+              <p:spPr>
+                <a:xfrm>
+                  <a:off x="5320468" y="1087005"/>
+                  <a:ext cx="2283525" cy="1015138"/>
+                </a:xfrm>
+                <a:prstGeom prst="roundRect">
+                  <a:avLst/>
+                </a:prstGeom>
+              </p:spPr>
+              <p:style>
+                <a:lnRef idx="2">
+                  <a:schemeClr val="dk1"/>
+                </a:lnRef>
+                <a:fillRef idx="1">
+                  <a:schemeClr val="lt1"/>
+                </a:fillRef>
+                <a:effectRef idx="0">
+                  <a:schemeClr val="dk1"/>
+                </a:effectRef>
+                <a:fontRef idx="minor">
+                  <a:schemeClr val="dk1"/>
+                </a:fontRef>
+              </p:style>
+              <p:txBody>
+                <a:bodyPr rtlCol="0" anchor="ctr"/>
+                <a:lstStyle/>
+                <a:p>
+                  <a:pPr algn="ctr"/>
+                  <a:endParaRPr lang="zh-CN" altLang="en-US"/>
+                </a:p>
+              </p:txBody>
+            </p:sp>
+            <p:sp>
+              <p:nvSpPr>
+                <p:cNvPr id="42" name="圆角矩形 41"/>
+                <p:cNvSpPr/>
+                <p:nvPr/>
+              </p:nvSpPr>
+              <p:spPr>
+                <a:xfrm>
+                  <a:off x="5502769" y="1091277"/>
+                  <a:ext cx="1953046" cy="586099"/>
+                </a:xfrm>
+                <a:prstGeom prst="roundRect">
+                  <a:avLst/>
+                </a:prstGeom>
+                <a:ln>
+                  <a:noFill/>
+                </a:ln>
+              </p:spPr>
+              <p:style>
+                <a:lnRef idx="2">
+                  <a:schemeClr val="accent1"/>
+                </a:lnRef>
+                <a:fillRef idx="1">
+                  <a:schemeClr val="lt1"/>
+                </a:fillRef>
+                <a:effectRef idx="0">
+                  <a:schemeClr val="accent1"/>
+                </a:effectRef>
+                <a:fontRef idx="minor">
+                  <a:schemeClr val="dk1"/>
+                </a:fontRef>
+              </p:style>
+              <p:txBody>
+                <a:bodyPr rtlCol="0" anchor="ctr"/>
+                <a:lstStyle/>
+                <a:p>
+                  <a:pPr algn="ctr"/>
+                  <a:r>
+                    <a:rPr lang="en-US" altLang="zh-CN" sz="1400" dirty="0">
+                      <a:latin typeface="Times New Roman" panose="02020603050405020304" pitchFamily="18" charset="0"/>
+                      <a:cs typeface="Times New Roman" panose="02020603050405020304" pitchFamily="18" charset="0"/>
+                    </a:rPr>
+                    <a:t>Target gene acquisition</a:t>
+                  </a:r>
+                </a:p>
+              </p:txBody>
+            </p:sp>
+            <p:pic>
+              <p:nvPicPr>
+                <p:cNvPr id="43" name="图片 42"/>
+                <p:cNvPicPr>
+                  <a:picLocks noChangeAspect="1"/>
+                </p:cNvPicPr>
+                <p:nvPr/>
+              </p:nvPicPr>
+              <p:blipFill>
+                <a:blip r:embed="rId6"/>
+                <a:stretch>
+                  <a:fillRect/>
+                </a:stretch>
+              </p:blipFill>
+              <p:spPr>
+                <a:xfrm>
+                  <a:off x="5944474" y="1549004"/>
+                  <a:ext cx="978061" cy="457200"/>
+                </a:xfrm>
+                <a:prstGeom prst="rect">
+                  <a:avLst/>
+                </a:prstGeom>
+              </p:spPr>
+            </p:pic>
+          </p:grpSp>
+          <p:grpSp>
+            <p:nvGrpSpPr>
+              <p:cNvPr id="36" name="组合 35"/>
+              <p:cNvGrpSpPr/>
+              <p:nvPr/>
+            </p:nvGrpSpPr>
+            <p:grpSpPr>
+              <a:xfrm>
+                <a:off x="5153476" y="3516923"/>
+                <a:ext cx="2283525" cy="1014010"/>
+                <a:chOff x="5329260" y="3465771"/>
+                <a:chExt cx="2283525" cy="1014010"/>
+              </a:xfrm>
+            </p:grpSpPr>
+            <p:sp>
+              <p:nvSpPr>
+                <p:cNvPr id="38" name="圆角矩形 37"/>
+                <p:cNvSpPr/>
+                <p:nvPr/>
+              </p:nvSpPr>
+              <p:spPr>
+                <a:xfrm>
+                  <a:off x="5329260" y="3465771"/>
+                  <a:ext cx="2283525" cy="1014010"/>
+                </a:xfrm>
+                <a:prstGeom prst="roundRect">
+                  <a:avLst/>
+                </a:prstGeom>
+              </p:spPr>
+              <p:style>
+                <a:lnRef idx="2">
+                  <a:schemeClr val="dk1"/>
+                </a:lnRef>
+                <a:fillRef idx="1">
+                  <a:schemeClr val="lt1"/>
+                </a:fillRef>
+                <a:effectRef idx="0">
+                  <a:schemeClr val="dk1"/>
+                </a:effectRef>
+                <a:fontRef idx="minor">
+                  <a:schemeClr val="dk1"/>
+                </a:fontRef>
+              </p:style>
+              <p:txBody>
+                <a:bodyPr rtlCol="0" anchor="ctr"/>
+                <a:lstStyle/>
+                <a:p>
+                  <a:pPr algn="ctr"/>
+                  <a:endParaRPr lang="zh-CN" altLang="en-US"/>
+                </a:p>
+              </p:txBody>
+            </p:sp>
+            <p:sp>
+              <p:nvSpPr>
+                <p:cNvPr id="39" name="圆角矩形 38"/>
+                <p:cNvSpPr/>
+                <p:nvPr/>
+              </p:nvSpPr>
+              <p:spPr>
+                <a:xfrm>
+                  <a:off x="5338052" y="3651600"/>
+                  <a:ext cx="1102090" cy="685800"/>
+                </a:xfrm>
+                <a:prstGeom prst="roundRect">
+                  <a:avLst/>
+                </a:prstGeom>
+                <a:ln>
+                  <a:noFill/>
+                </a:ln>
+              </p:spPr>
+              <p:style>
+                <a:lnRef idx="2">
+                  <a:schemeClr val="accent1"/>
+                </a:lnRef>
+                <a:fillRef idx="1">
+                  <a:schemeClr val="lt1"/>
+                </a:fillRef>
+                <a:effectRef idx="0">
+                  <a:schemeClr val="accent1"/>
+                </a:effectRef>
+                <a:fontRef idx="minor">
+                  <a:schemeClr val="dk1"/>
+                </a:fontRef>
+              </p:style>
+              <p:txBody>
+                <a:bodyPr rtlCol="0" anchor="ctr"/>
+                <a:lstStyle/>
+                <a:p>
+                  <a:pPr algn="ctr"/>
+                  <a:r>
+                    <a:rPr lang="en-US" altLang="zh-CN" sz="1400" dirty="0">
+                      <a:latin typeface="Times New Roman" panose="02020603050405020304" pitchFamily="18" charset="0"/>
+                      <a:cs typeface="Times New Roman" panose="02020603050405020304" pitchFamily="18" charset="0"/>
+                    </a:rPr>
+                    <a:t>Target protein acquisition</a:t>
+                  </a:r>
+                </a:p>
+              </p:txBody>
+            </p:sp>
+            <p:pic>
+              <p:nvPicPr>
+                <p:cNvPr id="40" name="图片 39"/>
+                <p:cNvPicPr>
+                  <a:picLocks noChangeAspect="1"/>
+                </p:cNvPicPr>
+                <p:nvPr/>
+              </p:nvPicPr>
+              <p:blipFill>
+                <a:blip r:embed="rId7"/>
+                <a:stretch>
+                  <a:fillRect/>
+                </a:stretch>
+              </p:blipFill>
+              <p:spPr>
+                <a:xfrm>
+                  <a:off x="6381502" y="3726362"/>
+                  <a:ext cx="1152525" cy="561975"/>
+                </a:xfrm>
+                <a:prstGeom prst="rect">
+                  <a:avLst/>
+                </a:prstGeom>
+              </p:spPr>
+            </p:pic>
+          </p:grpSp>
+          <p:sp>
+            <p:nvSpPr>
+              <p:cNvPr id="37" name="圆角矩形 36"/>
+              <p:cNvSpPr/>
+              <p:nvPr/>
+            </p:nvSpPr>
+            <p:spPr>
+              <a:xfrm>
+                <a:off x="5144684" y="597321"/>
+                <a:ext cx="2283525" cy="445018"/>
+              </a:xfrm>
+              <a:prstGeom prst="roundRect">
+                <a:avLst/>
+              </a:prstGeom>
+              <a:solidFill>
+                <a:schemeClr val="accent4">
+                  <a:lumMod val="40000"/>
+                  <a:lumOff val="60000"/>
+                </a:schemeClr>
+              </a:solidFill>
+              <a:ln>
+                <a:noFill/>
+              </a:ln>
+            </p:spPr>
+            <p:style>
+              <a:lnRef idx="2">
+                <a:schemeClr val="accent1"/>
+              </a:lnRef>
+              <a:fillRef idx="1">
+                <a:schemeClr val="lt1"/>
+              </a:fillRef>
+              <a:effectRef idx="0">
+                <a:schemeClr val="accent1"/>
+              </a:effectRef>
+              <a:fontRef idx="minor">
+                <a:schemeClr val="dk1"/>
+              </a:fontRef>
+            </p:style>
+            <p:txBody>
+              <a:bodyPr rtlCol="0" anchor="ctr"/>
+              <a:lstStyle/>
+              <a:p>
+                <a:pPr algn="ctr"/>
+                <a:r>
+                  <a:rPr lang="en-US" altLang="zh-CN" sz="1600" dirty="0">
+                    <a:latin typeface="Times New Roman" panose="02020603050405020304" pitchFamily="18" charset="0"/>
+                    <a:cs typeface="Times New Roman" panose="02020603050405020304" pitchFamily="18" charset="0"/>
+                  </a:rPr>
+                  <a:t>Disease target acquisition module</a:t>
+                </a:r>
+              </a:p>
+            </p:txBody>
+          </p:sp>
+        </p:grpSp>
+        <p:sp>
+          <p:nvSpPr>
+            <p:cNvPr id="18" name="圆角矩形 17"/>
+            <p:cNvSpPr/>
+            <p:nvPr/>
+          </p:nvSpPr>
+          <p:spPr>
+            <a:xfrm>
+              <a:off x="1358184" y="2718551"/>
+              <a:ext cx="6234936" cy="584638"/>
+            </a:xfrm>
+            <a:prstGeom prst="roundRect">
+              <a:avLst/>
+            </a:prstGeom>
+            <a:solidFill>
+              <a:schemeClr val="accent5">
+                <a:lumMod val="40000"/>
+                <a:lumOff val="60000"/>
+              </a:schemeClr>
+            </a:solidFill>
+          </p:spPr>
+          <p:style>
+            <a:lnRef idx="2">
+              <a:schemeClr val="accent1"/>
+            </a:lnRef>
+            <a:fillRef idx="1">
+              <a:schemeClr val="lt1"/>
+            </a:fillRef>
+            <a:effectRef idx="0">
+              <a:schemeClr val="accent1"/>
+            </a:effectRef>
+            <a:fontRef idx="minor">
+              <a:schemeClr val="dk1"/>
+            </a:fontRef>
+          </p:style>
+          <p:txBody>
+            <a:bodyPr rtlCol="0" anchor="ctr"/>
+            <a:lstStyle/>
+            <a:p>
+              <a:r>
+                <a:rPr lang="en-US" altLang="zh-CN" dirty="0" err="1" smtClean="0">
+                  <a:latin typeface="Times New Roman" panose="02020603050405020304" pitchFamily="18" charset="0"/>
+                  <a:ea typeface="宋体" panose="02010600030101010101" pitchFamily="2" charset="-122"/>
+                  <a:cs typeface="Times New Roman" panose="02020603050405020304" pitchFamily="18" charset="0"/>
+                </a:rPr>
+                <a:t>Selenium+Python</a:t>
+              </a:r>
+              <a:r>
+                <a:rPr lang="en-US" altLang="zh-CN" dirty="0" smtClean="0">
+                  <a:latin typeface="Times New Roman" panose="02020603050405020304" pitchFamily="18" charset="0"/>
+                  <a:ea typeface="宋体" panose="02010600030101010101" pitchFamily="2" charset="-122"/>
+                  <a:cs typeface="Times New Roman" panose="02020603050405020304" pitchFamily="18" charset="0"/>
+                </a:rPr>
+                <a:t>   </a:t>
+              </a:r>
+              <a:r>
+                <a:rPr lang="en-US" altLang="zh-CN" dirty="0">
+                  <a:latin typeface="Times New Roman" panose="02020603050405020304" pitchFamily="18" charset="0"/>
+                  <a:ea typeface="宋体" panose="02010600030101010101" pitchFamily="2" charset="-122"/>
+                  <a:cs typeface="Times New Roman" panose="02020603050405020304" pitchFamily="18" charset="0"/>
+                </a:rPr>
+                <a:t>Automation framework</a:t>
+              </a:r>
+            </a:p>
+          </p:txBody>
+        </p:sp>
+        <p:sp>
+          <p:nvSpPr>
+            <p:cNvPr id="19" name="上箭头 18"/>
+            <p:cNvSpPr/>
+            <p:nvPr/>
+          </p:nvSpPr>
+          <p:spPr>
+            <a:xfrm>
+              <a:off x="2634511" y="3268137"/>
+              <a:ext cx="161829" cy="309687"/>
+            </a:xfrm>
+            <a:prstGeom prst="upArrow">
+              <a:avLst/>
+            </a:prstGeom>
+          </p:spPr>
+          <p:style>
+            <a:lnRef idx="2">
+              <a:schemeClr val="accent1">
+                <a:shade val="50000"/>
+              </a:schemeClr>
+            </a:lnRef>
+            <a:fillRef idx="1">
+              <a:schemeClr val="accent1"/>
+            </a:fillRef>
+            <a:effectRef idx="0">
+              <a:schemeClr val="accent1"/>
+            </a:effectRef>
+            <a:fontRef idx="minor">
+              <a:schemeClr val="lt1"/>
+            </a:fontRef>
+          </p:style>
+          <p:txBody>
+            <a:bodyPr rtlCol="0" anchor="ctr"/>
+            <a:lstStyle/>
+            <a:p>
+              <a:pPr algn="ctr"/>
+              <a:endParaRPr lang="zh-CN" altLang="en-US"/>
+            </a:p>
+          </p:txBody>
+        </p:sp>
+        <p:sp>
+          <p:nvSpPr>
+            <p:cNvPr id="20" name="上箭头 19"/>
+            <p:cNvSpPr/>
+            <p:nvPr/>
+          </p:nvSpPr>
+          <p:spPr>
+            <a:xfrm>
+              <a:off x="3147351" y="3281403"/>
+              <a:ext cx="161829" cy="309687"/>
+            </a:xfrm>
+            <a:prstGeom prst="upArrow">
+              <a:avLst/>
+            </a:prstGeom>
+          </p:spPr>
+          <p:style>
+            <a:lnRef idx="2">
+              <a:schemeClr val="accent1">
+                <a:shade val="50000"/>
+              </a:schemeClr>
+            </a:lnRef>
+            <a:fillRef idx="1">
+              <a:schemeClr val="accent1"/>
+            </a:fillRef>
+            <a:effectRef idx="0">
+              <a:schemeClr val="accent1"/>
+            </a:effectRef>
+            <a:fontRef idx="minor">
+              <a:schemeClr val="lt1"/>
+            </a:fontRef>
+          </p:style>
+          <p:txBody>
+            <a:bodyPr rtlCol="0" anchor="ctr"/>
+            <a:lstStyle/>
+            <a:p>
+              <a:pPr algn="ctr"/>
+              <a:endParaRPr lang="zh-CN" altLang="en-US"/>
+            </a:p>
+          </p:txBody>
+        </p:sp>
+        <p:sp>
+          <p:nvSpPr>
+            <p:cNvPr id="21" name="上箭头 20"/>
+            <p:cNvSpPr/>
+            <p:nvPr/>
+          </p:nvSpPr>
+          <p:spPr>
+            <a:xfrm>
+              <a:off x="2078798" y="3274252"/>
+              <a:ext cx="161829" cy="309687"/>
+            </a:xfrm>
+            <a:prstGeom prst="upArrow">
+              <a:avLst/>
+            </a:prstGeom>
+          </p:spPr>
+          <p:style>
+            <a:lnRef idx="2">
+              <a:schemeClr val="accent1">
+                <a:shade val="50000"/>
+              </a:schemeClr>
+            </a:lnRef>
+            <a:fillRef idx="1">
+              <a:schemeClr val="accent1"/>
+            </a:fillRef>
+            <a:effectRef idx="0">
+              <a:schemeClr val="accent1"/>
+            </a:effectRef>
+            <a:fontRef idx="minor">
+              <a:schemeClr val="lt1"/>
+            </a:fontRef>
+          </p:style>
+          <p:txBody>
+            <a:bodyPr rtlCol="0" anchor="ctr"/>
+            <a:lstStyle/>
+            <a:p>
+              <a:pPr algn="ctr"/>
+              <a:endParaRPr lang="zh-CN" altLang="en-US"/>
+            </a:p>
+          </p:txBody>
+        </p:sp>
+        <p:sp>
+          <p:nvSpPr>
+            <p:cNvPr id="22" name="上箭头 21"/>
+            <p:cNvSpPr/>
+            <p:nvPr/>
+          </p:nvSpPr>
+          <p:spPr>
+            <a:xfrm>
+              <a:off x="5543309" y="3303189"/>
+              <a:ext cx="161829" cy="309687"/>
+            </a:xfrm>
+            <a:prstGeom prst="upArrow">
+              <a:avLst/>
+            </a:prstGeom>
+          </p:spPr>
+          <p:style>
+            <a:lnRef idx="2">
+              <a:schemeClr val="accent1">
+                <a:shade val="50000"/>
+              </a:schemeClr>
+            </a:lnRef>
+            <a:fillRef idx="1">
+              <a:schemeClr val="accent1"/>
+            </a:fillRef>
+            <a:effectRef idx="0">
+              <a:schemeClr val="accent1"/>
+            </a:effectRef>
+            <a:fontRef idx="minor">
+              <a:schemeClr val="lt1"/>
+            </a:fontRef>
+          </p:style>
+          <p:txBody>
+            <a:bodyPr rtlCol="0" anchor="ctr"/>
+            <a:lstStyle/>
+            <a:p>
+              <a:pPr algn="ctr"/>
+              <a:endParaRPr lang="zh-CN" altLang="en-US"/>
+            </a:p>
+          </p:txBody>
+        </p:sp>
+        <p:sp>
+          <p:nvSpPr>
+            <p:cNvPr id="23" name="上箭头 22"/>
+            <p:cNvSpPr/>
+            <p:nvPr/>
+          </p:nvSpPr>
+          <p:spPr>
+            <a:xfrm>
+              <a:off x="6150431" y="3286270"/>
+              <a:ext cx="161829" cy="309687"/>
+            </a:xfrm>
+            <a:prstGeom prst="upArrow">
+              <a:avLst/>
+            </a:prstGeom>
+          </p:spPr>
+          <p:style>
+            <a:lnRef idx="2">
+              <a:schemeClr val="accent1">
+                <a:shade val="50000"/>
+              </a:schemeClr>
+            </a:lnRef>
+            <a:fillRef idx="1">
+              <a:schemeClr val="accent1"/>
+            </a:fillRef>
+            <a:effectRef idx="0">
+              <a:schemeClr val="accent1"/>
+            </a:effectRef>
+            <a:fontRef idx="minor">
+              <a:schemeClr val="lt1"/>
+            </a:fontRef>
+          </p:style>
+          <p:txBody>
+            <a:bodyPr rtlCol="0" anchor="ctr"/>
+            <a:lstStyle/>
+            <a:p>
+              <a:pPr algn="ctr"/>
+              <a:endParaRPr lang="zh-CN" altLang="en-US"/>
+            </a:p>
+          </p:txBody>
+        </p:sp>
+        <p:sp>
+          <p:nvSpPr>
+            <p:cNvPr id="24" name="上箭头 23"/>
+            <p:cNvSpPr/>
+            <p:nvPr/>
+          </p:nvSpPr>
+          <p:spPr>
+            <a:xfrm>
+              <a:off x="6781981" y="3290942"/>
+              <a:ext cx="161829" cy="309687"/>
+            </a:xfrm>
+            <a:prstGeom prst="upArrow">
+              <a:avLst/>
+            </a:prstGeom>
+          </p:spPr>
+          <p:style>
+            <a:lnRef idx="2">
+              <a:schemeClr val="accent1">
+                <a:shade val="50000"/>
+              </a:schemeClr>
+            </a:lnRef>
+            <a:fillRef idx="1">
+              <a:schemeClr val="accent1"/>
+            </a:fillRef>
+            <a:effectRef idx="0">
+              <a:schemeClr val="accent1"/>
+            </a:effectRef>
+            <a:fontRef idx="minor">
+              <a:schemeClr val="lt1"/>
+            </a:fontRef>
+          </p:style>
+          <p:txBody>
+            <a:bodyPr rtlCol="0" anchor="ctr"/>
+            <a:lstStyle/>
+            <a:p>
+              <a:pPr algn="ctr"/>
+              <a:endParaRPr lang="zh-CN" altLang="en-US"/>
+            </a:p>
+          </p:txBody>
+        </p:sp>
+        <p:sp>
+          <p:nvSpPr>
+            <p:cNvPr id="25" name="圆角矩形 24"/>
+            <p:cNvSpPr/>
+            <p:nvPr/>
+          </p:nvSpPr>
+          <p:spPr>
+            <a:xfrm>
+              <a:off x="1290265" y="5222716"/>
+              <a:ext cx="6333856" cy="536246"/>
+            </a:xfrm>
+            <a:prstGeom prst="roundRect">
+              <a:avLst/>
+            </a:prstGeom>
+            <a:solidFill>
+              <a:schemeClr val="accent6">
+                <a:lumMod val="60000"/>
+                <a:lumOff val="40000"/>
+              </a:schemeClr>
+            </a:solidFill>
+            <a:ln>
+              <a:solidFill>
+                <a:schemeClr val="tx1"/>
+              </a:solidFill>
+            </a:ln>
+          </p:spPr>
+          <p:style>
+            <a:lnRef idx="2">
+              <a:schemeClr val="accent1"/>
+            </a:lnRef>
+            <a:fillRef idx="1">
+              <a:schemeClr val="lt1"/>
+            </a:fillRef>
+            <a:effectRef idx="0">
+              <a:schemeClr val="accent1"/>
+            </a:effectRef>
+            <a:fontRef idx="minor">
+              <a:schemeClr val="dk1"/>
+            </a:fontRef>
+          </p:style>
+          <p:txBody>
+            <a:bodyPr rtlCol="0" anchor="ctr"/>
+            <a:lstStyle/>
+            <a:p>
+              <a:pPr algn="ctr"/>
+              <a:r>
+                <a:rPr lang="en-US" altLang="zh-CN" dirty="0">
+                  <a:latin typeface="Times New Roman" panose="02020603050405020304" pitchFamily="18" charset="0"/>
+                  <a:cs typeface="Times New Roman" panose="02020603050405020304" pitchFamily="18" charset="0"/>
+                </a:rPr>
+                <a:t>Data </a:t>
+              </a:r>
+              <a:r>
+                <a:rPr lang="en-US" altLang="zh-CN" dirty="0" smtClean="0">
+                  <a:latin typeface="Times New Roman" panose="02020603050405020304" pitchFamily="18" charset="0"/>
+                  <a:cs typeface="Times New Roman" panose="02020603050405020304" pitchFamily="18" charset="0"/>
+                </a:rPr>
+                <a:t>Storage Module(MySQL)</a:t>
+              </a:r>
+            </a:p>
+          </p:txBody>
+        </p:sp>
+        <p:pic>
+          <p:nvPicPr>
+            <p:cNvPr id="26" name="图片 25"/>
+            <p:cNvPicPr>
+              <a:picLocks noChangeAspect="1"/>
+            </p:cNvPicPr>
+            <p:nvPr/>
+          </p:nvPicPr>
+          <p:blipFill>
+            <a:blip r:embed="rId8"/>
+            <a:stretch>
+              <a:fillRect/>
+            </a:stretch>
+          </p:blipFill>
+          <p:spPr>
+            <a:xfrm>
+              <a:off x="5600671" y="2790640"/>
+              <a:ext cx="1754010" cy="451239"/>
+            </a:xfrm>
+            <a:prstGeom prst="rect">
+              <a:avLst/>
+            </a:prstGeom>
+          </p:spPr>
+        </p:pic>
+        <p:sp>
+          <p:nvSpPr>
+            <p:cNvPr id="27" name="下箭头 26"/>
+            <p:cNvSpPr/>
+            <p:nvPr/>
+          </p:nvSpPr>
+          <p:spPr>
+            <a:xfrm>
+              <a:off x="4291014" y="3286270"/>
+              <a:ext cx="184638" cy="1919527"/>
+            </a:xfrm>
+            <a:prstGeom prst="downArrow">
+              <a:avLst/>
+            </a:prstGeom>
+          </p:spPr>
+          <p:style>
+            <a:lnRef idx="2">
+              <a:schemeClr val="accent1">
+                <a:shade val="50000"/>
+              </a:schemeClr>
+            </a:lnRef>
+            <a:fillRef idx="1">
+              <a:schemeClr val="accent1"/>
+            </a:fillRef>
+            <a:effectRef idx="0">
+              <a:schemeClr val="accent1"/>
+            </a:effectRef>
+            <a:fontRef idx="minor">
+              <a:schemeClr val="lt1"/>
+            </a:fontRef>
+          </p:style>
+          <p:txBody>
+            <a:bodyPr rtlCol="0" anchor="ctr"/>
+            <a:lstStyle/>
+            <a:p>
+              <a:pPr algn="ctr"/>
+              <a:endParaRPr lang="zh-CN" altLang="en-US"/>
+            </a:p>
+          </p:txBody>
+        </p:sp>
+        <p:cxnSp>
+          <p:nvCxnSpPr>
+            <p:cNvPr id="28" name="肘形连接符 27"/>
+            <p:cNvCxnSpPr>
+              <a:stCxn id="25" idx="3"/>
+              <a:endCxn id="44" idx="2"/>
+            </p:cNvCxnSpPr>
+            <p:nvPr/>
+          </p:nvCxnSpPr>
+          <p:spPr>
+            <a:xfrm flipV="1">
+              <a:off x="7624121" y="3676998"/>
+              <a:ext cx="2010349" cy="1813841"/>
+            </a:xfrm>
+            <a:prstGeom prst="bentConnector2">
+              <a:avLst/>
+            </a:prstGeom>
+            <a:ln w="19050">
+              <a:solidFill>
+                <a:schemeClr val="tx1"/>
+              </a:solidFill>
+              <a:headEnd type="triangle" w="med" len="med"/>
+              <a:tailEnd type="triangle" w="med" len="med"/>
+            </a:ln>
+          </p:spPr>
+          <p:style>
+            <a:lnRef idx="1">
+              <a:schemeClr val="accent1"/>
+            </a:lnRef>
+            <a:fillRef idx="0">
+              <a:schemeClr val="accent1"/>
+            </a:fillRef>
+            <a:effectRef idx="0">
+              <a:schemeClr val="accent1"/>
+            </a:effectRef>
+            <a:fontRef idx="minor">
+              <a:schemeClr val="tx1"/>
+            </a:fontRef>
+          </p:style>
+        </p:cxnSp>
+        <p:sp>
+          <p:nvSpPr>
+            <p:cNvPr id="29" name="圆角矩形 28"/>
+            <p:cNvSpPr/>
+            <p:nvPr/>
+          </p:nvSpPr>
+          <p:spPr>
+            <a:xfrm>
+              <a:off x="5125862" y="2182464"/>
+              <a:ext cx="2268415" cy="468304"/>
+            </a:xfrm>
+            <a:prstGeom prst="roundRect">
+              <a:avLst/>
+            </a:prstGeom>
+          </p:spPr>
+          <p:style>
+            <a:lnRef idx="2">
+              <a:schemeClr val="accent1"/>
+            </a:lnRef>
+            <a:fillRef idx="1">
+              <a:schemeClr val="lt1"/>
+            </a:fillRef>
+            <a:effectRef idx="0">
+              <a:schemeClr val="accent1"/>
+            </a:effectRef>
+            <a:fontRef idx="minor">
+              <a:schemeClr val="dk1"/>
+            </a:fontRef>
+          </p:style>
+          <p:txBody>
+            <a:bodyPr rtlCol="0" anchor="ctr"/>
+            <a:lstStyle/>
+            <a:p>
+              <a:pPr algn="ctr"/>
+              <a:r>
+                <a:rPr lang="en-US" altLang="zh-CN" sz="1600" dirty="0">
+                  <a:latin typeface="Times New Roman" panose="02020603050405020304" pitchFamily="18" charset="0"/>
+                  <a:cs typeface="Times New Roman" panose="02020603050405020304" pitchFamily="18" charset="0"/>
+                </a:rPr>
+                <a:t>Target gene screening</a:t>
+              </a:r>
+            </a:p>
+          </p:txBody>
+        </p:sp>
+        <p:sp>
+          <p:nvSpPr>
+            <p:cNvPr id="30" name="上箭头 29"/>
+            <p:cNvSpPr/>
+            <p:nvPr/>
+          </p:nvSpPr>
+          <p:spPr>
+            <a:xfrm flipV="1">
+              <a:off x="2625719" y="2480696"/>
+              <a:ext cx="161829" cy="309687"/>
+            </a:xfrm>
+            <a:prstGeom prst="upArrow">
+              <a:avLst/>
+            </a:prstGeom>
+          </p:spPr>
+          <p:style>
+            <a:lnRef idx="2">
+              <a:schemeClr val="accent1">
+                <a:shade val="50000"/>
+              </a:schemeClr>
+            </a:lnRef>
+            <a:fillRef idx="1">
+              <a:schemeClr val="accent1"/>
+            </a:fillRef>
+            <a:effectRef idx="0">
+              <a:schemeClr val="accent1"/>
+            </a:effectRef>
+            <a:fontRef idx="minor">
+              <a:schemeClr val="lt1"/>
+            </a:fontRef>
+          </p:style>
+          <p:txBody>
+            <a:bodyPr rtlCol="0" anchor="ctr"/>
+            <a:lstStyle/>
+            <a:p>
+              <a:pPr algn="ctr"/>
+              <a:endParaRPr lang="zh-CN" altLang="en-US"/>
+            </a:p>
+          </p:txBody>
+        </p:sp>
+        <p:sp>
+          <p:nvSpPr>
+            <p:cNvPr id="31" name="上箭头 30"/>
+            <p:cNvSpPr/>
+            <p:nvPr/>
+          </p:nvSpPr>
+          <p:spPr>
+            <a:xfrm flipV="1">
+              <a:off x="3147351" y="2476937"/>
+              <a:ext cx="161829" cy="309687"/>
+            </a:xfrm>
+            <a:prstGeom prst="upArrow">
+              <a:avLst/>
+            </a:prstGeom>
+          </p:spPr>
+          <p:style>
+            <a:lnRef idx="2">
+              <a:schemeClr val="accent1">
+                <a:shade val="50000"/>
+              </a:schemeClr>
+            </a:lnRef>
+            <a:fillRef idx="1">
+              <a:schemeClr val="accent1"/>
+            </a:fillRef>
+            <a:effectRef idx="0">
+              <a:schemeClr val="accent1"/>
+            </a:effectRef>
+            <a:fontRef idx="minor">
+              <a:schemeClr val="lt1"/>
+            </a:fontRef>
+          </p:style>
+          <p:txBody>
+            <a:bodyPr rtlCol="0" anchor="ctr"/>
+            <a:lstStyle/>
+            <a:p>
+              <a:pPr algn="ctr"/>
+              <a:endParaRPr lang="zh-CN" altLang="en-US"/>
+            </a:p>
+          </p:txBody>
+        </p:sp>
+        <p:sp>
+          <p:nvSpPr>
+            <p:cNvPr id="32" name="上箭头 31"/>
+            <p:cNvSpPr/>
+            <p:nvPr/>
+          </p:nvSpPr>
+          <p:spPr>
+            <a:xfrm flipV="1">
+              <a:off x="2100819" y="2480696"/>
+              <a:ext cx="161829" cy="309687"/>
+            </a:xfrm>
+            <a:prstGeom prst="upArrow">
+              <a:avLst/>
+            </a:prstGeom>
+          </p:spPr>
+          <p:style>
+            <a:lnRef idx="2">
+              <a:schemeClr val="accent1">
+                <a:shade val="50000"/>
+              </a:schemeClr>
+            </a:lnRef>
+            <a:fillRef idx="1">
+              <a:schemeClr val="accent1"/>
+            </a:fillRef>
+            <a:effectRef idx="0">
+              <a:schemeClr val="accent1"/>
+            </a:effectRef>
+            <a:fontRef idx="minor">
+              <a:schemeClr val="lt1"/>
+            </a:fontRef>
+          </p:style>
+          <p:txBody>
+            <a:bodyPr rtlCol="0" anchor="ctr"/>
+            <a:lstStyle/>
+            <a:p>
+              <a:pPr algn="ctr"/>
+              <a:endParaRPr lang="zh-CN" altLang="en-US"/>
+            </a:p>
+          </p:txBody>
+        </p:sp>
+        <p:sp>
+          <p:nvSpPr>
+            <p:cNvPr id="33" name="圆角矩形 32"/>
+            <p:cNvSpPr/>
+            <p:nvPr/>
+          </p:nvSpPr>
+          <p:spPr>
+            <a:xfrm>
+              <a:off x="7784955" y="4610294"/>
+              <a:ext cx="1774296" cy="776742"/>
+            </a:xfrm>
+            <a:prstGeom prst="roundRect">
+              <a:avLst/>
+            </a:prstGeom>
+            <a:solidFill>
+              <a:schemeClr val="accent5">
+                <a:lumMod val="60000"/>
+                <a:lumOff val="40000"/>
+              </a:schemeClr>
+            </a:solidFill>
+            <a:ln>
+              <a:solidFill>
+                <a:schemeClr val="tx1"/>
+              </a:solidFill>
+            </a:ln>
+          </p:spPr>
+          <p:style>
+            <a:lnRef idx="2">
+              <a:schemeClr val="accent1">
+                <a:shade val="50000"/>
+              </a:schemeClr>
+            </a:lnRef>
+            <a:fillRef idx="1">
+              <a:schemeClr val="accent1"/>
+            </a:fillRef>
+            <a:effectRef idx="0">
+              <a:schemeClr val="accent1"/>
+            </a:effectRef>
+            <a:fontRef idx="minor">
+              <a:schemeClr val="lt1"/>
+            </a:fontRef>
+          </p:style>
+          <p:txBody>
+            <a:bodyPr rtlCol="0" anchor="ctr"/>
+            <a:lstStyle/>
+            <a:p>
+              <a:endParaRPr lang="en-US" altLang="zh-CN" sz="1400" dirty="0" smtClean="0">
+                <a:solidFill>
+                  <a:schemeClr val="tx1"/>
+                </a:solidFill>
+                <a:latin typeface="Times New Roman" panose="02020603050405020304" pitchFamily="18" charset="0"/>
+                <a:ea typeface="宋体" panose="02010600030101010101" pitchFamily="2" charset="-122"/>
+                <a:cs typeface="Times New Roman" panose="02020603050405020304" pitchFamily="18" charset="0"/>
+              </a:endParaRPr>
+            </a:p>
+            <a:p>
+              <a:r>
+                <a:rPr lang="en-US" altLang="zh-CN" sz="1200" dirty="0">
+                  <a:solidFill>
+                    <a:schemeClr val="tx1"/>
+                  </a:solidFill>
+                  <a:latin typeface="Times New Roman" panose="02020603050405020304" pitchFamily="18" charset="0"/>
+                  <a:ea typeface="宋体" panose="02010600030101010101" pitchFamily="2" charset="-122"/>
+                  <a:cs typeface="Times New Roman" panose="02020603050405020304" pitchFamily="18" charset="0"/>
+                </a:rPr>
+                <a:t>Chinese medicine compound composition, target data, docking result </a:t>
+              </a:r>
+              <a:r>
+                <a:rPr lang="en-US" altLang="zh-CN" sz="1200" dirty="0" smtClean="0">
+                  <a:solidFill>
+                    <a:schemeClr val="tx1"/>
+                  </a:solidFill>
+                  <a:latin typeface="Times New Roman" panose="02020603050405020304" pitchFamily="18" charset="0"/>
+                  <a:ea typeface="宋体" panose="02010600030101010101" pitchFamily="2" charset="-122"/>
+                  <a:cs typeface="Times New Roman" panose="02020603050405020304" pitchFamily="18" charset="0"/>
+                </a:rPr>
+                <a:t>data</a:t>
+              </a:r>
+              <a:endParaRPr lang="en-US" altLang="zh-CN" sz="1400" dirty="0">
+                <a:solidFill>
+                  <a:schemeClr val="tx1"/>
+                </a:solidFill>
+                <a:latin typeface="Times New Roman" panose="02020603050405020304" pitchFamily="18" charset="0"/>
+                <a:ea typeface="宋体" panose="02010600030101010101" pitchFamily="2" charset="-122"/>
+                <a:cs typeface="Times New Roman" panose="02020603050405020304" pitchFamily="18" charset="0"/>
+              </a:endParaRPr>
+            </a:p>
+            <a:p>
+              <a:pPr algn="ctr"/>
+              <a:endParaRPr lang="zh-CN" altLang="en-US" dirty="0"/>
+            </a:p>
+          </p:txBody>
+        </p:sp>
+      </p:grpSp>
+      <p:sp>
+        <p:nvSpPr>
+          <p:cNvPr id="2" name="文本框 1"/>
+          <p:cNvSpPr txBox="1"/>
+          <p:nvPr/>
+        </p:nvSpPr>
+        <p:spPr>
+          <a:xfrm>
+            <a:off x="1238491" y="161840"/>
+            <a:ext cx="9850056" cy="707886"/>
+          </a:xfrm>
+          <a:prstGeom prst="rect">
+            <a:avLst/>
+          </a:prstGeom>
+          <a:noFill/>
+        </p:spPr>
+        <p:txBody>
+          <a:bodyPr wrap="square" rtlCol="0">
+            <a:spAutoFit/>
+          </a:bodyPr>
+          <a:lstStyle/>
+          <a:p>
+            <a:r>
+              <a:rPr lang="en-US" altLang="zh-CN" sz="4000" dirty="0" smtClean="0">
+                <a:latin typeface="Times New Roman" panose="02020603050405020304" pitchFamily="18" charset="0"/>
+                <a:cs typeface="Times New Roman" panose="02020603050405020304" pitchFamily="18" charset="0"/>
+              </a:rPr>
+              <a:t>Traditional Chinese Medicine Analysis System</a:t>
+            </a:r>
+            <a:endParaRPr lang="zh-CN" altLang="en-US" sz="4000" dirty="0">
+              <a:latin typeface="Times New Roman" panose="02020603050405020304" pitchFamily="18" charset="0"/>
+              <a:cs typeface="Times New Roman" panose="02020603050405020304" pitchFamily="18" charset="0"/>
+            </a:endParaRPr>
+          </a:p>
+        </p:txBody>
+      </p:sp>
+    </p:spTree>
+    <p:extLst>
+      <p:ext uri="{BB962C8B-B14F-4D97-AF65-F5344CB8AC3E}">
+        <p14:creationId xmlns:p14="http://schemas.microsoft.com/office/powerpoint/2010/main" val="4190710098"/>
+      </p:ext>
+    </p:extLst>
+  </p:cSld>
+  <p:clrMapOvr>
+    <a:masterClrMapping/>
+  </p:clrMapOvr>
+</p:sld>
+</file>
+
+<file path=ppt/slides/slide3.xml><?xml version="1.0" encoding="utf-8"?>
+<p:sld xmlns:a="http://schemas.openxmlformats.org/drawingml/2006/main" xmlns:r="http://schemas.openxmlformats.org/officeDocument/2006/relationships" xmlns:p="http://schemas.openxmlformats.org/presentationml/2006/main">
+  <p:cSld>
+    <p:spTree>
+      <p:nvGrpSpPr>
+        <p:cNvPr id="1" name=""/>
+        <p:cNvGrpSpPr/>
+        <p:nvPr/>
+      </p:nvGrpSpPr>
+      <p:grpSpPr>
+        <a:xfrm>
+          <a:off x="0" y="0"/>
+          <a:ext cx="0" cy="0"/>
+          <a:chOff x="0" y="0"/>
+          <a:chExt cx="0" cy="0"/>
+        </a:xfrm>
+      </p:grpSpPr>
+      <p:grpSp>
+        <p:nvGrpSpPr>
           <p:cNvPr id="20" name="组合 19"/>
           <p:cNvGrpSpPr/>
           <p:nvPr/>
         </p:nvGrpSpPr>
         <p:grpSpPr>
           <a:xfrm>
-            <a:off x="5002821" y="1913791"/>
+            <a:off x="5583113" y="1984129"/>
             <a:ext cx="1670538" cy="2834056"/>
             <a:chOff x="2303582" y="1869829"/>
             <a:chExt cx="1670538" cy="2834056"/>
@@ -3375,11 +7348,6 @@
                 </a:rPr>
                 <a:t>结构</a:t>
               </a:r>
-              <a:endParaRPr lang="zh-CN" altLang="en-US" sz="1400" dirty="0">
-                <a:latin typeface="Times New Roman" panose="02020603050405020304" pitchFamily="18" charset="0"/>
-                <a:ea typeface="宋体" panose="02010600030101010101" pitchFamily="2" charset="-122"/>
-                <a:cs typeface="Times New Roman" panose="02020603050405020304" pitchFamily="18" charset="0"/>
-              </a:endParaRPr>
             </a:p>
           </p:txBody>
         </p:sp>
@@ -3489,6 +7457,397 @@
     </p:spTree>
     <p:extLst>
       <p:ext uri="{BB962C8B-B14F-4D97-AF65-F5344CB8AC3E}">
+        <p14:creationId xmlns:p14="http://schemas.microsoft.com/office/powerpoint/2010/main" val="2175183596"/>
+      </p:ext>
+    </p:extLst>
+  </p:cSld>
+  <p:clrMapOvr>
+    <a:masterClrMapping/>
+  </p:clrMapOvr>
+  <p:timing>
+    <p:tnLst>
+      <p:par>
+        <p:cTn id="1" dur="indefinite" restart="never" nodeType="tmRoot"/>
+      </p:par>
+    </p:tnLst>
+  </p:timing>
+</p:sld>
+</file>
+
+<file path=ppt/slides/slide4.xml><?xml version="1.0" encoding="utf-8"?>
+<p:sld xmlns:a="http://schemas.openxmlformats.org/drawingml/2006/main" xmlns:r="http://schemas.openxmlformats.org/officeDocument/2006/relationships" xmlns:p="http://schemas.openxmlformats.org/presentationml/2006/main">
+  <p:cSld>
+    <p:spTree>
+      <p:nvGrpSpPr>
+        <p:cNvPr id="1" name=""/>
+        <p:cNvGrpSpPr/>
+        <p:nvPr/>
+      </p:nvGrpSpPr>
+      <p:grpSpPr>
+        <a:xfrm>
+          <a:off x="0" y="0"/>
+          <a:ext cx="0" cy="0"/>
+          <a:chOff x="0" y="0"/>
+          <a:chExt cx="0" cy="0"/>
+        </a:xfrm>
+      </p:grpSpPr>
+      <p:grpSp>
+        <p:nvGrpSpPr>
+          <p:cNvPr id="26" name="组合 25"/>
+          <p:cNvGrpSpPr/>
+          <p:nvPr/>
+        </p:nvGrpSpPr>
+        <p:grpSpPr>
+          <a:xfrm>
+            <a:off x="5002820" y="2468213"/>
+            <a:ext cx="2277655" cy="2207958"/>
+            <a:chOff x="5002820" y="1762157"/>
+            <a:chExt cx="2277655" cy="2207958"/>
+          </a:xfrm>
+        </p:grpSpPr>
+        <p:sp>
+          <p:nvSpPr>
+            <p:cNvPr id="4" name="圆角矩形 3"/>
+            <p:cNvSpPr/>
+            <p:nvPr/>
+          </p:nvSpPr>
+          <p:spPr>
+            <a:xfrm>
+              <a:off x="5002821" y="1762157"/>
+              <a:ext cx="2277654" cy="529704"/>
+            </a:xfrm>
+            <a:prstGeom prst="roundRect">
+              <a:avLst/>
+            </a:prstGeom>
+            <a:ln>
+              <a:headEnd type="none" w="med" len="med"/>
+              <a:tailEnd type="arrow" w="med" len="med"/>
+            </a:ln>
+          </p:spPr>
+          <p:style>
+            <a:lnRef idx="1">
+              <a:schemeClr val="accent6"/>
+            </a:lnRef>
+            <a:fillRef idx="2">
+              <a:schemeClr val="accent6"/>
+            </a:fillRef>
+            <a:effectRef idx="1">
+              <a:schemeClr val="accent6"/>
+            </a:effectRef>
+            <a:fontRef idx="minor">
+              <a:schemeClr val="dk1"/>
+            </a:fontRef>
+          </p:style>
+          <p:txBody>
+            <a:bodyPr rtlCol="0" anchor="ctr"/>
+            <a:lstStyle/>
+            <a:p>
+              <a:pPr algn="ctr"/>
+              <a:r>
+                <a:rPr lang="zh-CN" altLang="en-US" sz="1600" dirty="0" smtClean="0">
+                  <a:latin typeface="Times New Roman" panose="02020603050405020304" pitchFamily="18" charset="0"/>
+                  <a:ea typeface="宋体" panose="02010600030101010101" pitchFamily="2" charset="-122"/>
+                  <a:cs typeface="Times New Roman" panose="02020603050405020304" pitchFamily="18" charset="0"/>
+                </a:rPr>
+                <a:t>获取药品主页面</a:t>
+              </a:r>
+              <a:r>
+                <a:rPr lang="en-US" altLang="zh-CN" sz="1600" dirty="0" err="1" smtClean="0">
+                  <a:latin typeface="Times New Roman" panose="02020603050405020304" pitchFamily="18" charset="0"/>
+                  <a:ea typeface="宋体" panose="02010600030101010101" pitchFamily="2" charset="-122"/>
+                  <a:cs typeface="Times New Roman" panose="02020603050405020304" pitchFamily="18" charset="0"/>
+                </a:rPr>
+                <a:t>url</a:t>
+              </a:r>
+              <a:endParaRPr lang="zh-CN" altLang="en-US" sz="1600" dirty="0">
+                <a:latin typeface="Times New Roman" panose="02020603050405020304" pitchFamily="18" charset="0"/>
+                <a:ea typeface="宋体" panose="02010600030101010101" pitchFamily="2" charset="-122"/>
+                <a:cs typeface="Times New Roman" panose="02020603050405020304" pitchFamily="18" charset="0"/>
+              </a:endParaRPr>
+            </a:p>
+          </p:txBody>
+        </p:sp>
+        <p:sp>
+          <p:nvSpPr>
+            <p:cNvPr id="6" name="圆角矩形 5"/>
+            <p:cNvSpPr/>
+            <p:nvPr/>
+          </p:nvSpPr>
+          <p:spPr>
+            <a:xfrm>
+              <a:off x="5002820" y="3452446"/>
+              <a:ext cx="2277655" cy="517669"/>
+            </a:xfrm>
+            <a:prstGeom prst="roundRect">
+              <a:avLst/>
+            </a:prstGeom>
+            <a:ln>
+              <a:headEnd type="none" w="med" len="med"/>
+              <a:tailEnd type="arrow" w="med" len="med"/>
+            </a:ln>
+          </p:spPr>
+          <p:style>
+            <a:lnRef idx="1">
+              <a:schemeClr val="accent6"/>
+            </a:lnRef>
+            <a:fillRef idx="2">
+              <a:schemeClr val="accent6"/>
+            </a:fillRef>
+            <a:effectRef idx="1">
+              <a:schemeClr val="accent6"/>
+            </a:effectRef>
+            <a:fontRef idx="minor">
+              <a:schemeClr val="dk1"/>
+            </a:fontRef>
+          </p:style>
+          <p:txBody>
+            <a:bodyPr rtlCol="0" anchor="ctr"/>
+            <a:lstStyle/>
+            <a:p>
+              <a:pPr algn="ctr"/>
+              <a:r>
+                <a:rPr lang="zh-CN" altLang="en-US" sz="1600" dirty="0" smtClean="0">
+                  <a:latin typeface="Times New Roman" panose="02020603050405020304" pitchFamily="18" charset="0"/>
+                  <a:ea typeface="宋体" panose="02010600030101010101" pitchFamily="2" charset="-122"/>
+                  <a:cs typeface="Times New Roman" panose="02020603050405020304" pitchFamily="18" charset="0"/>
+                </a:rPr>
+                <a:t>解析成分</a:t>
+              </a:r>
+              <a:endParaRPr lang="en-US" altLang="zh-CN" sz="1600" dirty="0" smtClean="0">
+                <a:latin typeface="Times New Roman" panose="02020603050405020304" pitchFamily="18" charset="0"/>
+                <a:ea typeface="宋体" panose="02010600030101010101" pitchFamily="2" charset="-122"/>
+                <a:cs typeface="Times New Roman" panose="02020603050405020304" pitchFamily="18" charset="0"/>
+              </a:endParaRPr>
+            </a:p>
+            <a:p>
+              <a:pPr algn="ctr"/>
+              <a:r>
+                <a:rPr lang="en-US" altLang="zh-CN" sz="1600" dirty="0" err="1" smtClean="0">
+                  <a:latin typeface="Times New Roman" panose="02020603050405020304" pitchFamily="18" charset="0"/>
+                  <a:ea typeface="宋体" panose="02010600030101010101" pitchFamily="2" charset="-122"/>
+                  <a:cs typeface="Times New Roman" panose="02020603050405020304" pitchFamily="18" charset="0"/>
+                </a:rPr>
+                <a:t>url</a:t>
+              </a:r>
+              <a:r>
+                <a:rPr lang="zh-CN" altLang="en-US" sz="1600" dirty="0" smtClean="0">
+                  <a:latin typeface="Times New Roman" panose="02020603050405020304" pitchFamily="18" charset="0"/>
+                  <a:ea typeface="宋体" panose="02010600030101010101" pitchFamily="2" charset="-122"/>
+                  <a:cs typeface="Times New Roman" panose="02020603050405020304" pitchFamily="18" charset="0"/>
+                </a:rPr>
+                <a:t>获取关键信息</a:t>
+              </a:r>
+              <a:endParaRPr lang="zh-CN" altLang="en-US" sz="1600" dirty="0">
+                <a:latin typeface="Times New Roman" panose="02020603050405020304" pitchFamily="18" charset="0"/>
+                <a:ea typeface="宋体" panose="02010600030101010101" pitchFamily="2" charset="-122"/>
+                <a:cs typeface="Times New Roman" panose="02020603050405020304" pitchFamily="18" charset="0"/>
+              </a:endParaRPr>
+            </a:p>
+          </p:txBody>
+        </p:sp>
+        <p:sp>
+          <p:nvSpPr>
+            <p:cNvPr id="7" name="圆角矩形 6"/>
+            <p:cNvSpPr/>
+            <p:nvPr/>
+          </p:nvSpPr>
+          <p:spPr>
+            <a:xfrm>
+              <a:off x="5002821" y="2683119"/>
+              <a:ext cx="2277654" cy="465195"/>
+            </a:xfrm>
+            <a:prstGeom prst="roundRect">
+              <a:avLst/>
+            </a:prstGeom>
+            <a:ln>
+              <a:headEnd type="none" w="med" len="med"/>
+              <a:tailEnd type="arrow" w="med" len="med"/>
+            </a:ln>
+          </p:spPr>
+          <p:style>
+            <a:lnRef idx="1">
+              <a:schemeClr val="accent6"/>
+            </a:lnRef>
+            <a:fillRef idx="2">
+              <a:schemeClr val="accent6"/>
+            </a:fillRef>
+            <a:effectRef idx="1">
+              <a:schemeClr val="accent6"/>
+            </a:effectRef>
+            <a:fontRef idx="minor">
+              <a:schemeClr val="dk1"/>
+            </a:fontRef>
+          </p:style>
+          <p:txBody>
+            <a:bodyPr rtlCol="0" anchor="ctr"/>
+            <a:lstStyle/>
+            <a:p>
+              <a:pPr algn="ctr"/>
+              <a:r>
+                <a:rPr lang="zh-CN" altLang="en-US" sz="1600" dirty="0" smtClean="0">
+                  <a:latin typeface="Times New Roman" panose="02020603050405020304" pitchFamily="18" charset="0"/>
+                  <a:ea typeface="宋体" panose="02010600030101010101" pitchFamily="2" charset="-122"/>
+                  <a:cs typeface="Times New Roman" panose="02020603050405020304" pitchFamily="18" charset="0"/>
+                </a:rPr>
+                <a:t>获取药品成分</a:t>
+              </a:r>
+              <a:r>
+                <a:rPr lang="en-US" altLang="zh-CN" sz="1600" dirty="0" err="1" smtClean="0">
+                  <a:latin typeface="Times New Roman" panose="02020603050405020304" pitchFamily="18" charset="0"/>
+                  <a:ea typeface="宋体" panose="02010600030101010101" pitchFamily="2" charset="-122"/>
+                  <a:cs typeface="Times New Roman" panose="02020603050405020304" pitchFamily="18" charset="0"/>
+                </a:rPr>
+                <a:t>url</a:t>
+              </a:r>
+              <a:endParaRPr lang="zh-CN" altLang="en-US" sz="1600" dirty="0">
+                <a:latin typeface="Times New Roman" panose="02020603050405020304" pitchFamily="18" charset="0"/>
+                <a:ea typeface="宋体" panose="02010600030101010101" pitchFamily="2" charset="-122"/>
+                <a:cs typeface="Times New Roman" panose="02020603050405020304" pitchFamily="18" charset="0"/>
+              </a:endParaRPr>
+            </a:p>
+          </p:txBody>
+        </p:sp>
+        <p:cxnSp>
+          <p:nvCxnSpPr>
+            <p:cNvPr id="9" name="直接箭头连接符 8"/>
+            <p:cNvCxnSpPr>
+              <a:stCxn id="4" idx="2"/>
+              <a:endCxn id="7" idx="0"/>
+            </p:cNvCxnSpPr>
+            <p:nvPr/>
+          </p:nvCxnSpPr>
+          <p:spPr>
+            <a:xfrm>
+              <a:off x="6141648" y="2291861"/>
+              <a:ext cx="0" cy="391258"/>
+            </a:xfrm>
+            <a:prstGeom prst="straightConnector1">
+              <a:avLst/>
+            </a:prstGeom>
+            <a:ln>
+              <a:headEnd type="none" w="med" len="med"/>
+              <a:tailEnd type="arrow" w="med" len="med"/>
+            </a:ln>
+          </p:spPr>
+          <p:style>
+            <a:lnRef idx="1">
+              <a:schemeClr val="accent6"/>
+            </a:lnRef>
+            <a:fillRef idx="2">
+              <a:schemeClr val="accent6"/>
+            </a:fillRef>
+            <a:effectRef idx="1">
+              <a:schemeClr val="accent6"/>
+            </a:effectRef>
+            <a:fontRef idx="minor">
+              <a:schemeClr val="dk1"/>
+            </a:fontRef>
+          </p:style>
+        </p:cxnSp>
+        <p:cxnSp>
+          <p:nvCxnSpPr>
+            <p:cNvPr id="11" name="直接箭头连接符 10"/>
+            <p:cNvCxnSpPr>
+              <a:stCxn id="7" idx="2"/>
+              <a:endCxn id="6" idx="0"/>
+            </p:cNvCxnSpPr>
+            <p:nvPr/>
+          </p:nvCxnSpPr>
+          <p:spPr>
+            <a:xfrm>
+              <a:off x="6141648" y="3148314"/>
+              <a:ext cx="0" cy="304132"/>
+            </a:xfrm>
+            <a:prstGeom prst="straightConnector1">
+              <a:avLst/>
+            </a:prstGeom>
+            <a:ln>
+              <a:headEnd type="none" w="med" len="med"/>
+              <a:tailEnd type="arrow" w="med" len="med"/>
+            </a:ln>
+          </p:spPr>
+          <p:style>
+            <a:lnRef idx="1">
+              <a:schemeClr val="accent6"/>
+            </a:lnRef>
+            <a:fillRef idx="2">
+              <a:schemeClr val="accent6"/>
+            </a:fillRef>
+            <a:effectRef idx="1">
+              <a:schemeClr val="accent6"/>
+            </a:effectRef>
+            <a:fontRef idx="minor">
+              <a:schemeClr val="dk1"/>
+            </a:fontRef>
+          </p:style>
+        </p:cxnSp>
+      </p:grpSp>
+      <p:sp>
+        <p:nvSpPr>
+          <p:cNvPr id="21" name="文本框 20"/>
+          <p:cNvSpPr txBox="1"/>
+          <p:nvPr/>
+        </p:nvSpPr>
+        <p:spPr>
+          <a:xfrm>
+            <a:off x="2611316" y="650630"/>
+            <a:ext cx="6673362" cy="646331"/>
+          </a:xfrm>
+          <a:prstGeom prst="rect">
+            <a:avLst/>
+          </a:prstGeom>
+          <a:noFill/>
+        </p:spPr>
+        <p:txBody>
+          <a:bodyPr wrap="square" rtlCol="0">
+            <a:spAutoFit/>
+          </a:bodyPr>
+          <a:lstStyle/>
+          <a:p>
+            <a:pPr algn="ctr"/>
+            <a:r>
+              <a:rPr lang="en-US" altLang="zh-CN" sz="3600" dirty="0" smtClean="0">
+                <a:latin typeface="Times New Roman" panose="02020603050405020304" pitchFamily="18" charset="0"/>
+                <a:ea typeface="宋体" panose="02010600030101010101" pitchFamily="2" charset="-122"/>
+                <a:cs typeface="Times New Roman" panose="02020603050405020304" pitchFamily="18" charset="0"/>
+              </a:rPr>
+              <a:t>TCMID</a:t>
+            </a:r>
+            <a:r>
+              <a:rPr lang="zh-CN" altLang="en-US" sz="3600" dirty="0" smtClean="0">
+                <a:latin typeface="Times New Roman" panose="02020603050405020304" pitchFamily="18" charset="0"/>
+                <a:ea typeface="宋体" panose="02010600030101010101" pitchFamily="2" charset="-122"/>
+                <a:cs typeface="Times New Roman" panose="02020603050405020304" pitchFamily="18" charset="0"/>
+              </a:rPr>
+              <a:t>、</a:t>
+            </a:r>
+            <a:r>
+              <a:rPr lang="en-US" altLang="zh-CN" sz="3600" dirty="0" smtClean="0">
+                <a:latin typeface="Times New Roman" panose="02020603050405020304" pitchFamily="18" charset="0"/>
+                <a:ea typeface="宋体" panose="02010600030101010101" pitchFamily="2" charset="-122"/>
+                <a:cs typeface="Times New Roman" panose="02020603050405020304" pitchFamily="18" charset="0"/>
+              </a:rPr>
+              <a:t> TCMSP</a:t>
+            </a:r>
+            <a:r>
+              <a:rPr lang="zh-CN" altLang="en-US" sz="3600" dirty="0" smtClean="0">
+                <a:latin typeface="Times New Roman" panose="02020603050405020304" pitchFamily="18" charset="0"/>
+                <a:ea typeface="宋体" panose="02010600030101010101" pitchFamily="2" charset="-122"/>
+                <a:cs typeface="Times New Roman" panose="02020603050405020304" pitchFamily="18" charset="0"/>
+              </a:rPr>
+              <a:t>成分获取</a:t>
+            </a:r>
+            <a:endParaRPr lang="zh-CN" altLang="en-US" sz="3600" dirty="0">
+              <a:latin typeface="Times New Roman" panose="02020603050405020304" pitchFamily="18" charset="0"/>
+              <a:ea typeface="宋体" panose="02010600030101010101" pitchFamily="2" charset="-122"/>
+              <a:cs typeface="Times New Roman" panose="02020603050405020304" pitchFamily="18" charset="0"/>
+            </a:endParaRPr>
+          </a:p>
+        </p:txBody>
+      </p:sp>
+    </p:spTree>
+    <p:extLst>
+      <p:ext uri="{BB962C8B-B14F-4D97-AF65-F5344CB8AC3E}">
         <p14:creationId xmlns:p14="http://schemas.microsoft.com/office/powerpoint/2010/main" val="718163831"/>
       </p:ext>
     </p:extLst>
@@ -3503,6 +7862,2612 @@
       </p:par>
     </p:tnLst>
   </p:timing>
+</p:sld>
+</file>
+
+<file path=ppt/slides/slide5.xml><?xml version="1.0" encoding="utf-8"?>
+<p:sld xmlns:a="http://schemas.openxmlformats.org/drawingml/2006/main" xmlns:r="http://schemas.openxmlformats.org/officeDocument/2006/relationships" xmlns:p="http://schemas.openxmlformats.org/presentationml/2006/main">
+  <p:cSld>
+    <p:spTree>
+      <p:nvGrpSpPr>
+        <p:cNvPr id="1" name=""/>
+        <p:cNvGrpSpPr/>
+        <p:nvPr/>
+      </p:nvGrpSpPr>
+      <p:grpSpPr>
+        <a:xfrm>
+          <a:off x="0" y="0"/>
+          <a:ext cx="0" cy="0"/>
+          <a:chOff x="0" y="0"/>
+          <a:chExt cx="0" cy="0"/>
+        </a:xfrm>
+      </p:grpSpPr>
+      <p:sp>
+        <p:nvSpPr>
+          <p:cNvPr id="2" name="标题 1"/>
+          <p:cNvSpPr>
+            <a:spLocks noGrp="1"/>
+          </p:cNvSpPr>
+          <p:nvPr>
+            <p:ph type="title"/>
+          </p:nvPr>
+        </p:nvSpPr>
+        <p:spPr/>
+        <p:txBody>
+          <a:bodyPr>
+            <a:normAutofit/>
+          </a:bodyPr>
+          <a:lstStyle/>
+          <a:p>
+            <a:pPr algn="ctr"/>
+            <a:r>
+              <a:rPr lang="en-US" altLang="zh-CN" dirty="0">
+                <a:latin typeface="Times New Roman" panose="02020603050405020304" pitchFamily="18" charset="0"/>
+                <a:ea typeface="宋体" panose="02010600030101010101" pitchFamily="2" charset="-122"/>
+                <a:cs typeface="Times New Roman" panose="02020603050405020304" pitchFamily="18" charset="0"/>
+              </a:rPr>
+              <a:t>TCMID</a:t>
+            </a:r>
+            <a:r>
+              <a:rPr lang="zh-CN" altLang="en-US" dirty="0">
+                <a:latin typeface="Times New Roman" panose="02020603050405020304" pitchFamily="18" charset="0"/>
+                <a:ea typeface="宋体" panose="02010600030101010101" pitchFamily="2" charset="-122"/>
+                <a:cs typeface="Times New Roman" panose="02020603050405020304" pitchFamily="18" charset="0"/>
+              </a:rPr>
+              <a:t>、</a:t>
+            </a:r>
+            <a:r>
+              <a:rPr lang="en-US" altLang="zh-CN" dirty="0">
+                <a:latin typeface="Times New Roman" panose="02020603050405020304" pitchFamily="18" charset="0"/>
+                <a:ea typeface="宋体" panose="02010600030101010101" pitchFamily="2" charset="-122"/>
+                <a:cs typeface="Times New Roman" panose="02020603050405020304" pitchFamily="18" charset="0"/>
+              </a:rPr>
+              <a:t> </a:t>
+            </a:r>
+            <a:r>
+              <a:rPr lang="en-US" altLang="zh-CN" dirty="0" smtClean="0">
+                <a:latin typeface="Times New Roman" panose="02020603050405020304" pitchFamily="18" charset="0"/>
+                <a:ea typeface="宋体" panose="02010600030101010101" pitchFamily="2" charset="-122"/>
+                <a:cs typeface="Times New Roman" panose="02020603050405020304" pitchFamily="18" charset="0"/>
+              </a:rPr>
+              <a:t>TCMSP </a:t>
+            </a:r>
+            <a:r>
+              <a:rPr lang="zh-CN" altLang="en-US" dirty="0" smtClean="0">
+                <a:latin typeface="Times New Roman" panose="02020603050405020304" pitchFamily="18" charset="0"/>
+                <a:ea typeface="宋体" panose="02010600030101010101" pitchFamily="2" charset="-122"/>
+                <a:cs typeface="Times New Roman" panose="02020603050405020304" pitchFamily="18" charset="0"/>
+              </a:rPr>
+              <a:t> </a:t>
+            </a:r>
+            <a:r>
+              <a:rPr lang="en-US" altLang="zh-CN" dirty="0" err="1" smtClean="0">
+                <a:latin typeface="Times New Roman" panose="02020603050405020304" pitchFamily="18" charset="0"/>
+                <a:ea typeface="宋体" panose="02010600030101010101" pitchFamily="2" charset="-122"/>
+                <a:cs typeface="Times New Roman" panose="02020603050405020304" pitchFamily="18" charset="0"/>
+              </a:rPr>
+              <a:t>ingredents</a:t>
+            </a:r>
+            <a:r>
+              <a:rPr lang="en-US" altLang="zh-CN" dirty="0" smtClean="0">
+                <a:latin typeface="Times New Roman" panose="02020603050405020304" pitchFamily="18" charset="0"/>
+                <a:ea typeface="宋体" panose="02010600030101010101" pitchFamily="2" charset="-122"/>
+                <a:cs typeface="Times New Roman" panose="02020603050405020304" pitchFamily="18" charset="0"/>
+              </a:rPr>
+              <a:t> acquisition</a:t>
+            </a:r>
+            <a:endParaRPr lang="zh-CN" altLang="en-US" dirty="0">
+              <a:latin typeface="Times New Roman" panose="02020603050405020304" pitchFamily="18" charset="0"/>
+              <a:cs typeface="Times New Roman" panose="02020603050405020304" pitchFamily="18" charset="0"/>
+            </a:endParaRPr>
+          </a:p>
+        </p:txBody>
+      </p:sp>
+      <p:grpSp>
+        <p:nvGrpSpPr>
+          <p:cNvPr id="4" name="组合 3"/>
+          <p:cNvGrpSpPr/>
+          <p:nvPr/>
+        </p:nvGrpSpPr>
+        <p:grpSpPr>
+          <a:xfrm>
+            <a:off x="4607870" y="2368005"/>
+            <a:ext cx="2976259" cy="2717562"/>
+            <a:chOff x="5002820" y="1762157"/>
+            <a:chExt cx="2277655" cy="2207958"/>
+          </a:xfrm>
+        </p:grpSpPr>
+        <p:sp>
+          <p:nvSpPr>
+            <p:cNvPr id="5" name="圆角矩形 4"/>
+            <p:cNvSpPr/>
+            <p:nvPr/>
+          </p:nvSpPr>
+          <p:spPr>
+            <a:xfrm>
+              <a:off x="5002821" y="1762157"/>
+              <a:ext cx="2277654" cy="529704"/>
+            </a:xfrm>
+            <a:prstGeom prst="roundRect">
+              <a:avLst/>
+            </a:prstGeom>
+            <a:ln>
+              <a:headEnd type="none" w="med" len="med"/>
+              <a:tailEnd type="arrow" w="med" len="med"/>
+            </a:ln>
+          </p:spPr>
+          <p:style>
+            <a:lnRef idx="1">
+              <a:schemeClr val="accent6"/>
+            </a:lnRef>
+            <a:fillRef idx="2">
+              <a:schemeClr val="accent6"/>
+            </a:fillRef>
+            <a:effectRef idx="1">
+              <a:schemeClr val="accent6"/>
+            </a:effectRef>
+            <a:fontRef idx="minor">
+              <a:schemeClr val="dk1"/>
+            </a:fontRef>
+          </p:style>
+          <p:txBody>
+            <a:bodyPr rtlCol="0" anchor="ctr"/>
+            <a:lstStyle/>
+            <a:p>
+              <a:pPr algn="ctr"/>
+              <a:r>
+                <a:rPr lang="en-US" altLang="zh-CN" sz="1600" dirty="0" smtClean="0">
+                  <a:latin typeface="Times New Roman" panose="02020603050405020304" pitchFamily="18" charset="0"/>
+                  <a:ea typeface="宋体" panose="02010600030101010101" pitchFamily="2" charset="-122"/>
+                  <a:cs typeface="Times New Roman" panose="02020603050405020304" pitchFamily="18" charset="0"/>
+                </a:rPr>
+                <a:t>Obtain the drug main page </a:t>
+              </a:r>
+              <a:r>
+                <a:rPr lang="en-US" altLang="zh-CN" sz="1600" dirty="0" err="1" smtClean="0">
+                  <a:latin typeface="Times New Roman" panose="02020603050405020304" pitchFamily="18" charset="0"/>
+                  <a:ea typeface="宋体" panose="02010600030101010101" pitchFamily="2" charset="-122"/>
+                  <a:cs typeface="Times New Roman" panose="02020603050405020304" pitchFamily="18" charset="0"/>
+                </a:rPr>
+                <a:t>url</a:t>
+              </a:r>
+              <a:endParaRPr lang="zh-CN" altLang="en-US" sz="1600" dirty="0">
+                <a:latin typeface="Times New Roman" panose="02020603050405020304" pitchFamily="18" charset="0"/>
+                <a:ea typeface="宋体" panose="02010600030101010101" pitchFamily="2" charset="-122"/>
+                <a:cs typeface="Times New Roman" panose="02020603050405020304" pitchFamily="18" charset="0"/>
+              </a:endParaRPr>
+            </a:p>
+          </p:txBody>
+        </p:sp>
+        <p:sp>
+          <p:nvSpPr>
+            <p:cNvPr id="6" name="圆角矩形 5"/>
+            <p:cNvSpPr/>
+            <p:nvPr/>
+          </p:nvSpPr>
+          <p:spPr>
+            <a:xfrm>
+              <a:off x="5002820" y="3452446"/>
+              <a:ext cx="2277655" cy="517669"/>
+            </a:xfrm>
+            <a:prstGeom prst="roundRect">
+              <a:avLst/>
+            </a:prstGeom>
+            <a:ln>
+              <a:headEnd type="none" w="med" len="med"/>
+              <a:tailEnd type="arrow" w="med" len="med"/>
+            </a:ln>
+          </p:spPr>
+          <p:style>
+            <a:lnRef idx="1">
+              <a:schemeClr val="accent6"/>
+            </a:lnRef>
+            <a:fillRef idx="2">
+              <a:schemeClr val="accent6"/>
+            </a:fillRef>
+            <a:effectRef idx="1">
+              <a:schemeClr val="accent6"/>
+            </a:effectRef>
+            <a:fontRef idx="minor">
+              <a:schemeClr val="dk1"/>
+            </a:fontRef>
+          </p:style>
+          <p:txBody>
+            <a:bodyPr rtlCol="0" anchor="ctr"/>
+            <a:lstStyle/>
+            <a:p>
+              <a:pPr algn="ctr"/>
+              <a:r>
+                <a:rPr lang="en-US" altLang="zh-CN" sz="1600" dirty="0" smtClean="0">
+                  <a:latin typeface="Times New Roman" panose="02020603050405020304" pitchFamily="18" charset="0"/>
+                  <a:ea typeface="宋体" panose="02010600030101010101" pitchFamily="2" charset="-122"/>
+                  <a:cs typeface="Times New Roman" panose="02020603050405020304" pitchFamily="18" charset="0"/>
+                </a:rPr>
+                <a:t>Parsing component </a:t>
+              </a:r>
+              <a:r>
+                <a:rPr lang="en-US" altLang="zh-CN" sz="1600" dirty="0" err="1" smtClean="0">
+                  <a:latin typeface="Times New Roman" panose="02020603050405020304" pitchFamily="18" charset="0"/>
+                  <a:ea typeface="宋体" panose="02010600030101010101" pitchFamily="2" charset="-122"/>
+                  <a:cs typeface="Times New Roman" panose="02020603050405020304" pitchFamily="18" charset="0"/>
+                </a:rPr>
+                <a:t>url</a:t>
+              </a:r>
+              <a:r>
+                <a:rPr lang="en-US" altLang="zh-CN" sz="1600" dirty="0" smtClean="0">
+                  <a:latin typeface="Times New Roman" panose="02020603050405020304" pitchFamily="18" charset="0"/>
+                  <a:ea typeface="宋体" panose="02010600030101010101" pitchFamily="2" charset="-122"/>
+                  <a:cs typeface="Times New Roman" panose="02020603050405020304" pitchFamily="18" charset="0"/>
+                </a:rPr>
+                <a:t> </a:t>
+              </a:r>
+              <a:endParaRPr lang="en-US" altLang="zh-CN" sz="1600" dirty="0">
+                <a:latin typeface="Times New Roman" panose="02020603050405020304" pitchFamily="18" charset="0"/>
+                <a:ea typeface="宋体" panose="02010600030101010101" pitchFamily="2" charset="-122"/>
+                <a:cs typeface="Times New Roman" panose="02020603050405020304" pitchFamily="18" charset="0"/>
+              </a:endParaRPr>
+            </a:p>
+            <a:p>
+              <a:pPr algn="ctr"/>
+              <a:r>
+                <a:rPr lang="en-US" altLang="zh-CN" sz="1600" dirty="0">
+                  <a:latin typeface="Times New Roman" panose="02020603050405020304" pitchFamily="18" charset="0"/>
+                  <a:ea typeface="宋体" panose="02010600030101010101" pitchFamily="2" charset="-122"/>
+                  <a:cs typeface="Times New Roman" panose="02020603050405020304" pitchFamily="18" charset="0"/>
+                </a:rPr>
+                <a:t>Obtain </a:t>
+              </a:r>
+              <a:r>
+                <a:rPr lang="en-US" altLang="zh-CN" sz="1600" dirty="0" smtClean="0">
+                  <a:latin typeface="Times New Roman" panose="02020603050405020304" pitchFamily="18" charset="0"/>
+                  <a:ea typeface="宋体" panose="02010600030101010101" pitchFamily="2" charset="-122"/>
+                  <a:cs typeface="Times New Roman" panose="02020603050405020304" pitchFamily="18" charset="0"/>
+                </a:rPr>
+                <a:t>key information</a:t>
+              </a:r>
+            </a:p>
+          </p:txBody>
+        </p:sp>
+        <p:sp>
+          <p:nvSpPr>
+            <p:cNvPr id="7" name="圆角矩形 6"/>
+            <p:cNvSpPr/>
+            <p:nvPr/>
+          </p:nvSpPr>
+          <p:spPr>
+            <a:xfrm>
+              <a:off x="5002821" y="2683119"/>
+              <a:ext cx="2277654" cy="465195"/>
+            </a:xfrm>
+            <a:prstGeom prst="roundRect">
+              <a:avLst/>
+            </a:prstGeom>
+            <a:ln>
+              <a:headEnd type="none" w="med" len="med"/>
+              <a:tailEnd type="arrow" w="med" len="med"/>
+            </a:ln>
+          </p:spPr>
+          <p:style>
+            <a:lnRef idx="1">
+              <a:schemeClr val="accent6"/>
+            </a:lnRef>
+            <a:fillRef idx="2">
+              <a:schemeClr val="accent6"/>
+            </a:fillRef>
+            <a:effectRef idx="1">
+              <a:schemeClr val="accent6"/>
+            </a:effectRef>
+            <a:fontRef idx="minor">
+              <a:schemeClr val="dk1"/>
+            </a:fontRef>
+          </p:style>
+          <p:txBody>
+            <a:bodyPr rtlCol="0" anchor="ctr"/>
+            <a:lstStyle/>
+            <a:p>
+              <a:pPr algn="ctr"/>
+              <a:r>
+                <a:rPr lang="en-US" altLang="zh-CN" sz="1600" dirty="0">
+                  <a:latin typeface="Times New Roman" panose="02020603050405020304" pitchFamily="18" charset="0"/>
+                  <a:ea typeface="宋体" panose="02010600030101010101" pitchFamily="2" charset="-122"/>
+                  <a:cs typeface="Times New Roman" panose="02020603050405020304" pitchFamily="18" charset="0"/>
+                </a:rPr>
+                <a:t>Obtain </a:t>
+              </a:r>
+              <a:r>
+                <a:rPr lang="en-US" altLang="zh-CN" sz="1600" dirty="0" smtClean="0">
+                  <a:latin typeface="Times New Roman" panose="02020603050405020304" pitchFamily="18" charset="0"/>
+                  <a:ea typeface="宋体" panose="02010600030101010101" pitchFamily="2" charset="-122"/>
+                  <a:cs typeface="Times New Roman" panose="02020603050405020304" pitchFamily="18" charset="0"/>
+                </a:rPr>
+                <a:t>the drug ingredient </a:t>
+              </a:r>
+              <a:r>
+                <a:rPr lang="en-US" altLang="zh-CN" sz="1600" dirty="0" err="1" smtClean="0">
+                  <a:latin typeface="Times New Roman" panose="02020603050405020304" pitchFamily="18" charset="0"/>
+                  <a:ea typeface="宋体" panose="02010600030101010101" pitchFamily="2" charset="-122"/>
+                  <a:cs typeface="Times New Roman" panose="02020603050405020304" pitchFamily="18" charset="0"/>
+                </a:rPr>
+                <a:t>url</a:t>
+              </a:r>
+              <a:endParaRPr lang="zh-CN" altLang="en-US" sz="1600" dirty="0">
+                <a:latin typeface="Times New Roman" panose="02020603050405020304" pitchFamily="18" charset="0"/>
+                <a:ea typeface="宋体" panose="02010600030101010101" pitchFamily="2" charset="-122"/>
+                <a:cs typeface="Times New Roman" panose="02020603050405020304" pitchFamily="18" charset="0"/>
+              </a:endParaRPr>
+            </a:p>
+          </p:txBody>
+        </p:sp>
+        <p:cxnSp>
+          <p:nvCxnSpPr>
+            <p:cNvPr id="8" name="直接箭头连接符 7"/>
+            <p:cNvCxnSpPr>
+              <a:stCxn id="5" idx="2"/>
+              <a:endCxn id="7" idx="0"/>
+            </p:cNvCxnSpPr>
+            <p:nvPr/>
+          </p:nvCxnSpPr>
+          <p:spPr>
+            <a:xfrm>
+              <a:off x="6141648" y="2291861"/>
+              <a:ext cx="0" cy="391258"/>
+            </a:xfrm>
+            <a:prstGeom prst="straightConnector1">
+              <a:avLst/>
+            </a:prstGeom>
+            <a:ln>
+              <a:headEnd type="none" w="med" len="med"/>
+              <a:tailEnd type="arrow" w="med" len="med"/>
+            </a:ln>
+          </p:spPr>
+          <p:style>
+            <a:lnRef idx="1">
+              <a:schemeClr val="accent6"/>
+            </a:lnRef>
+            <a:fillRef idx="2">
+              <a:schemeClr val="accent6"/>
+            </a:fillRef>
+            <a:effectRef idx="1">
+              <a:schemeClr val="accent6"/>
+            </a:effectRef>
+            <a:fontRef idx="minor">
+              <a:schemeClr val="dk1"/>
+            </a:fontRef>
+          </p:style>
+        </p:cxnSp>
+        <p:cxnSp>
+          <p:nvCxnSpPr>
+            <p:cNvPr id="9" name="直接箭头连接符 8"/>
+            <p:cNvCxnSpPr>
+              <a:stCxn id="7" idx="2"/>
+              <a:endCxn id="6" idx="0"/>
+            </p:cNvCxnSpPr>
+            <p:nvPr/>
+          </p:nvCxnSpPr>
+          <p:spPr>
+            <a:xfrm>
+              <a:off x="6141648" y="3148314"/>
+              <a:ext cx="0" cy="304132"/>
+            </a:xfrm>
+            <a:prstGeom prst="straightConnector1">
+              <a:avLst/>
+            </a:prstGeom>
+            <a:ln>
+              <a:headEnd type="none" w="med" len="med"/>
+              <a:tailEnd type="arrow" w="med" len="med"/>
+            </a:ln>
+          </p:spPr>
+          <p:style>
+            <a:lnRef idx="1">
+              <a:schemeClr val="accent6"/>
+            </a:lnRef>
+            <a:fillRef idx="2">
+              <a:schemeClr val="accent6"/>
+            </a:fillRef>
+            <a:effectRef idx="1">
+              <a:schemeClr val="accent6"/>
+            </a:effectRef>
+            <a:fontRef idx="minor">
+              <a:schemeClr val="dk1"/>
+            </a:fontRef>
+          </p:style>
+        </p:cxnSp>
+      </p:grpSp>
+    </p:spTree>
+    <p:extLst>
+      <p:ext uri="{BB962C8B-B14F-4D97-AF65-F5344CB8AC3E}">
+        <p14:creationId xmlns:p14="http://schemas.microsoft.com/office/powerpoint/2010/main" val="413415903"/>
+      </p:ext>
+    </p:extLst>
+  </p:cSld>
+  <p:clrMapOvr>
+    <a:masterClrMapping/>
+  </p:clrMapOvr>
+</p:sld>
+</file>
+
+<file path=ppt/slides/slide6.xml><?xml version="1.0" encoding="utf-8"?>
+<p:sld xmlns:a="http://schemas.openxmlformats.org/drawingml/2006/main" xmlns:r="http://schemas.openxmlformats.org/officeDocument/2006/relationships" xmlns:p="http://schemas.openxmlformats.org/presentationml/2006/main">
+  <p:cSld>
+    <p:spTree>
+      <p:nvGrpSpPr>
+        <p:cNvPr id="1" name=""/>
+        <p:cNvGrpSpPr/>
+        <p:nvPr/>
+      </p:nvGrpSpPr>
+      <p:grpSpPr>
+        <a:xfrm>
+          <a:off x="0" y="0"/>
+          <a:ext cx="0" cy="0"/>
+          <a:chOff x="0" y="0"/>
+          <a:chExt cx="0" cy="0"/>
+        </a:xfrm>
+      </p:grpSpPr>
+      <p:sp>
+        <p:nvSpPr>
+          <p:cNvPr id="2" name="标题 1"/>
+          <p:cNvSpPr>
+            <a:spLocks noGrp="1"/>
+          </p:cNvSpPr>
+          <p:nvPr>
+            <p:ph type="title"/>
+          </p:nvPr>
+        </p:nvSpPr>
+        <p:spPr>
+          <a:xfrm>
+            <a:off x="607941" y="286996"/>
+            <a:ext cx="10515600" cy="1325563"/>
+          </a:xfrm>
+        </p:spPr>
+        <p:txBody>
+          <a:bodyPr/>
+          <a:lstStyle/>
+          <a:p>
+            <a:pPr algn="ctr"/>
+            <a:r>
+              <a:rPr lang="zh-CN" altLang="en-US" dirty="0" smtClean="0">
+                <a:latin typeface="宋体" panose="02010600030101010101" pitchFamily="2" charset="-122"/>
+                <a:ea typeface="宋体" panose="02010600030101010101" pitchFamily="2" charset="-122"/>
+              </a:rPr>
+              <a:t>中药成分获取</a:t>
+            </a:r>
+            <a:endParaRPr lang="zh-CN" altLang="en-US" dirty="0">
+              <a:latin typeface="宋体" panose="02010600030101010101" pitchFamily="2" charset="-122"/>
+              <a:ea typeface="宋体" panose="02010600030101010101" pitchFamily="2" charset="-122"/>
+            </a:endParaRPr>
+          </a:p>
+        </p:txBody>
+      </p:sp>
+      <p:grpSp>
+        <p:nvGrpSpPr>
+          <p:cNvPr id="23" name="组合 22"/>
+          <p:cNvGrpSpPr/>
+          <p:nvPr/>
+        </p:nvGrpSpPr>
+        <p:grpSpPr>
+          <a:xfrm>
+            <a:off x="3476886" y="1919365"/>
+            <a:ext cx="5532076" cy="4275803"/>
+            <a:chOff x="2574059" y="1919365"/>
+            <a:chExt cx="5532076" cy="4275803"/>
+          </a:xfrm>
+        </p:grpSpPr>
+        <p:sp>
+          <p:nvSpPr>
+            <p:cNvPr id="10" name="圆角矩形 9"/>
+            <p:cNvSpPr/>
+            <p:nvPr/>
+          </p:nvSpPr>
+          <p:spPr>
+            <a:xfrm>
+              <a:off x="2574059" y="1919365"/>
+              <a:ext cx="2414016" cy="938784"/>
+            </a:xfrm>
+            <a:prstGeom prst="roundRect">
+              <a:avLst/>
+            </a:prstGeom>
+            <a:ln/>
+          </p:spPr>
+          <p:style>
+            <a:lnRef idx="1">
+              <a:schemeClr val="accent6"/>
+            </a:lnRef>
+            <a:fillRef idx="2">
+              <a:schemeClr val="accent6"/>
+            </a:fillRef>
+            <a:effectRef idx="1">
+              <a:schemeClr val="accent6"/>
+            </a:effectRef>
+            <a:fontRef idx="minor">
+              <a:schemeClr val="dk1"/>
+            </a:fontRef>
+          </p:style>
+          <p:txBody>
+            <a:bodyPr rtlCol="0" anchor="ctr"/>
+            <a:lstStyle/>
+            <a:p>
+              <a:pPr algn="ctr"/>
+              <a:r>
+                <a:rPr lang="zh-CN" altLang="en-US" dirty="0">
+                  <a:solidFill>
+                    <a:schemeClr val="bg2">
+                      <a:lumMod val="10000"/>
+                    </a:schemeClr>
+                  </a:solidFill>
+                  <a:latin typeface="宋体" panose="02010600030101010101" pitchFamily="2" charset="-122"/>
+                  <a:ea typeface="宋体" panose="02010600030101010101" pitchFamily="2" charset="-122"/>
+                  <a:cs typeface="Times New Roman" panose="02020603050405020304" pitchFamily="18" charset="0"/>
+                </a:rPr>
+                <a:t>从</a:t>
+              </a:r>
+              <a:r>
+                <a:rPr lang="en-US" altLang="zh-CN" dirty="0">
+                  <a:solidFill>
+                    <a:schemeClr val="bg2">
+                      <a:lumMod val="10000"/>
+                    </a:schemeClr>
+                  </a:solidFill>
+                  <a:latin typeface="宋体" panose="02010600030101010101" pitchFamily="2" charset="-122"/>
+                  <a:ea typeface="宋体" panose="02010600030101010101" pitchFamily="2" charset="-122"/>
+                  <a:cs typeface="Times New Roman" panose="02020603050405020304" pitchFamily="18" charset="0"/>
+                </a:rPr>
+                <a:t>TCMSP</a:t>
+              </a:r>
+              <a:r>
+                <a:rPr lang="zh-CN" altLang="en-US" dirty="0">
+                  <a:solidFill>
+                    <a:schemeClr val="bg2">
+                      <a:lumMod val="10000"/>
+                    </a:schemeClr>
+                  </a:solidFill>
+                  <a:latin typeface="宋体" panose="02010600030101010101" pitchFamily="2" charset="-122"/>
+                  <a:ea typeface="宋体" panose="02010600030101010101" pitchFamily="2" charset="-122"/>
+                  <a:cs typeface="Times New Roman" panose="02020603050405020304" pitchFamily="18" charset="0"/>
+                </a:rPr>
+                <a:t>中获取成分名称、</a:t>
+              </a:r>
+              <a:r>
+                <a:rPr lang="en-US" altLang="zh-CN" dirty="0">
+                  <a:solidFill>
+                    <a:schemeClr val="bg2">
+                      <a:lumMod val="10000"/>
+                    </a:schemeClr>
+                  </a:solidFill>
+                  <a:latin typeface="宋体" panose="02010600030101010101" pitchFamily="2" charset="-122"/>
+                  <a:ea typeface="宋体" panose="02010600030101010101" pitchFamily="2" charset="-122"/>
+                  <a:cs typeface="Times New Roman" panose="02020603050405020304" pitchFamily="18" charset="0"/>
+                </a:rPr>
+                <a:t>PubChem Cid</a:t>
+              </a:r>
+              <a:endParaRPr lang="zh-CN" altLang="en-US" dirty="0">
+                <a:solidFill>
+                  <a:schemeClr val="bg2">
+                    <a:lumMod val="10000"/>
+                  </a:schemeClr>
+                </a:solidFill>
+                <a:latin typeface="宋体" panose="02010600030101010101" pitchFamily="2" charset="-122"/>
+                <a:ea typeface="宋体" panose="02010600030101010101" pitchFamily="2" charset="-122"/>
+                <a:cs typeface="Times New Roman" panose="02020603050405020304" pitchFamily="18" charset="0"/>
+              </a:endParaRPr>
+            </a:p>
+          </p:txBody>
+        </p:sp>
+        <p:sp>
+          <p:nvSpPr>
+            <p:cNvPr id="11" name="圆角矩形 10"/>
+            <p:cNvSpPr/>
+            <p:nvPr/>
+          </p:nvSpPr>
+          <p:spPr>
+            <a:xfrm>
+              <a:off x="5692119" y="1971722"/>
+              <a:ext cx="2414016" cy="938784"/>
+            </a:xfrm>
+            <a:prstGeom prst="roundRect">
+              <a:avLst/>
+            </a:prstGeom>
+            <a:ln/>
+          </p:spPr>
+          <p:style>
+            <a:lnRef idx="1">
+              <a:schemeClr val="accent6"/>
+            </a:lnRef>
+            <a:fillRef idx="2">
+              <a:schemeClr val="accent6"/>
+            </a:fillRef>
+            <a:effectRef idx="1">
+              <a:schemeClr val="accent6"/>
+            </a:effectRef>
+            <a:fontRef idx="minor">
+              <a:schemeClr val="dk1"/>
+            </a:fontRef>
+          </p:style>
+          <p:txBody>
+            <a:bodyPr rtlCol="0" anchor="ctr"/>
+            <a:lstStyle/>
+            <a:p>
+              <a:pPr algn="ctr"/>
+              <a:r>
+                <a:rPr lang="zh-CN" altLang="en-US" dirty="0">
+                  <a:solidFill>
+                    <a:schemeClr val="bg2">
+                      <a:lumMod val="10000"/>
+                    </a:schemeClr>
+                  </a:solidFill>
+                  <a:latin typeface="宋体" panose="02010600030101010101" pitchFamily="2" charset="-122"/>
+                  <a:ea typeface="宋体" panose="02010600030101010101" pitchFamily="2" charset="-122"/>
+                  <a:cs typeface="Times New Roman" panose="02020603050405020304" pitchFamily="18" charset="0"/>
+                </a:rPr>
+                <a:t>从</a:t>
+              </a:r>
+              <a:r>
+                <a:rPr lang="en-US" altLang="zh-CN" dirty="0" smtClean="0">
+                  <a:solidFill>
+                    <a:schemeClr val="bg2">
+                      <a:lumMod val="10000"/>
+                    </a:schemeClr>
+                  </a:solidFill>
+                  <a:latin typeface="宋体" panose="02010600030101010101" pitchFamily="2" charset="-122"/>
+                  <a:ea typeface="宋体" panose="02010600030101010101" pitchFamily="2" charset="-122"/>
+                  <a:cs typeface="Times New Roman" panose="02020603050405020304" pitchFamily="18" charset="0"/>
+                </a:rPr>
+                <a:t>TCMID</a:t>
+              </a:r>
+              <a:r>
+                <a:rPr lang="zh-CN" altLang="en-US" dirty="0" smtClean="0">
+                  <a:solidFill>
+                    <a:schemeClr val="bg2">
+                      <a:lumMod val="10000"/>
+                    </a:schemeClr>
+                  </a:solidFill>
+                  <a:latin typeface="宋体" panose="02010600030101010101" pitchFamily="2" charset="-122"/>
+                  <a:ea typeface="宋体" panose="02010600030101010101" pitchFamily="2" charset="-122"/>
+                  <a:cs typeface="Times New Roman" panose="02020603050405020304" pitchFamily="18" charset="0"/>
+                </a:rPr>
+                <a:t>中</a:t>
+              </a:r>
+              <a:r>
+                <a:rPr lang="zh-CN" altLang="en-US" dirty="0">
+                  <a:solidFill>
+                    <a:schemeClr val="bg2">
+                      <a:lumMod val="10000"/>
+                    </a:schemeClr>
+                  </a:solidFill>
+                  <a:latin typeface="宋体" panose="02010600030101010101" pitchFamily="2" charset="-122"/>
+                  <a:ea typeface="宋体" panose="02010600030101010101" pitchFamily="2" charset="-122"/>
+                  <a:cs typeface="Times New Roman" panose="02020603050405020304" pitchFamily="18" charset="0"/>
+                </a:rPr>
+                <a:t>获取成分名称、</a:t>
+              </a:r>
+              <a:r>
+                <a:rPr lang="en-US" altLang="zh-CN" dirty="0">
+                  <a:solidFill>
+                    <a:schemeClr val="bg2">
+                      <a:lumMod val="10000"/>
+                    </a:schemeClr>
+                  </a:solidFill>
+                  <a:latin typeface="宋体" panose="02010600030101010101" pitchFamily="2" charset="-122"/>
+                  <a:ea typeface="宋体" panose="02010600030101010101" pitchFamily="2" charset="-122"/>
+                  <a:cs typeface="Times New Roman" panose="02020603050405020304" pitchFamily="18" charset="0"/>
+                </a:rPr>
+                <a:t>PubChem Cid</a:t>
+              </a:r>
+              <a:endParaRPr lang="zh-CN" altLang="en-US" dirty="0">
+                <a:solidFill>
+                  <a:schemeClr val="bg2">
+                    <a:lumMod val="10000"/>
+                  </a:schemeClr>
+                </a:solidFill>
+                <a:latin typeface="宋体" panose="02010600030101010101" pitchFamily="2" charset="-122"/>
+                <a:ea typeface="宋体" panose="02010600030101010101" pitchFamily="2" charset="-122"/>
+                <a:cs typeface="Times New Roman" panose="02020603050405020304" pitchFamily="18" charset="0"/>
+              </a:endParaRPr>
+            </a:p>
+          </p:txBody>
+        </p:sp>
+        <p:sp>
+          <p:nvSpPr>
+            <p:cNvPr id="13" name="圆角矩形 12"/>
+            <p:cNvSpPr/>
+            <p:nvPr/>
+          </p:nvSpPr>
+          <p:spPr>
+            <a:xfrm>
+              <a:off x="3941797" y="3645574"/>
+              <a:ext cx="2414016" cy="938784"/>
+            </a:xfrm>
+            <a:prstGeom prst="roundRect">
+              <a:avLst/>
+            </a:prstGeom>
+            <a:ln/>
+          </p:spPr>
+          <p:style>
+            <a:lnRef idx="1">
+              <a:schemeClr val="accent6"/>
+            </a:lnRef>
+            <a:fillRef idx="2">
+              <a:schemeClr val="accent6"/>
+            </a:fillRef>
+            <a:effectRef idx="1">
+              <a:schemeClr val="accent6"/>
+            </a:effectRef>
+            <a:fontRef idx="minor">
+              <a:schemeClr val="dk1"/>
+            </a:fontRef>
+          </p:style>
+          <p:txBody>
+            <a:bodyPr rtlCol="0" anchor="ctr"/>
+            <a:lstStyle/>
+            <a:p>
+              <a:pPr algn="ctr"/>
+              <a:r>
+                <a:rPr lang="zh-CN" altLang="en-US" dirty="0" smtClean="0">
+                  <a:solidFill>
+                    <a:schemeClr val="bg2">
+                      <a:lumMod val="10000"/>
+                    </a:schemeClr>
+                  </a:solidFill>
+                  <a:latin typeface="宋体" panose="02010600030101010101" pitchFamily="2" charset="-122"/>
+                  <a:ea typeface="宋体" panose="02010600030101010101" pitchFamily="2" charset="-122"/>
+                  <a:cs typeface="Times New Roman" panose="02020603050405020304" pitchFamily="18" charset="0"/>
+                </a:rPr>
+                <a:t>合并两个数据库的中药成分数据</a:t>
+              </a:r>
+              <a:endParaRPr lang="zh-CN" altLang="en-US" dirty="0">
+                <a:solidFill>
+                  <a:schemeClr val="bg2">
+                    <a:lumMod val="10000"/>
+                  </a:schemeClr>
+                </a:solidFill>
+                <a:latin typeface="宋体" panose="02010600030101010101" pitchFamily="2" charset="-122"/>
+                <a:ea typeface="宋体" panose="02010600030101010101" pitchFamily="2" charset="-122"/>
+                <a:cs typeface="Times New Roman" panose="02020603050405020304" pitchFamily="18" charset="0"/>
+              </a:endParaRPr>
+            </a:p>
+          </p:txBody>
+        </p:sp>
+        <p:sp>
+          <p:nvSpPr>
+            <p:cNvPr id="14" name="圆角矩形 13"/>
+            <p:cNvSpPr/>
+            <p:nvPr/>
+          </p:nvSpPr>
+          <p:spPr>
+            <a:xfrm>
+              <a:off x="3941797" y="5256384"/>
+              <a:ext cx="2414016" cy="938784"/>
+            </a:xfrm>
+            <a:prstGeom prst="roundRect">
+              <a:avLst/>
+            </a:prstGeom>
+            <a:ln/>
+          </p:spPr>
+          <p:style>
+            <a:lnRef idx="1">
+              <a:schemeClr val="accent6"/>
+            </a:lnRef>
+            <a:fillRef idx="2">
+              <a:schemeClr val="accent6"/>
+            </a:fillRef>
+            <a:effectRef idx="1">
+              <a:schemeClr val="accent6"/>
+            </a:effectRef>
+            <a:fontRef idx="minor">
+              <a:schemeClr val="dk1"/>
+            </a:fontRef>
+          </p:style>
+          <p:txBody>
+            <a:bodyPr rtlCol="0" anchor="ctr"/>
+            <a:lstStyle/>
+            <a:p>
+              <a:pPr algn="ctr"/>
+              <a:r>
+                <a:rPr lang="zh-CN" altLang="en-US" dirty="0" smtClean="0">
+                  <a:solidFill>
+                    <a:schemeClr val="bg2">
+                      <a:lumMod val="10000"/>
+                    </a:schemeClr>
+                  </a:solidFill>
+                  <a:latin typeface="宋体" panose="02010600030101010101" pitchFamily="2" charset="-122"/>
+                  <a:ea typeface="宋体" panose="02010600030101010101" pitchFamily="2" charset="-122"/>
+                  <a:cs typeface="Times New Roman" panose="02020603050405020304" pitchFamily="18" charset="0"/>
+                </a:rPr>
+                <a:t>从</a:t>
+              </a:r>
+              <a:r>
+                <a:rPr lang="en-US" altLang="zh-CN" dirty="0" smtClean="0">
+                  <a:solidFill>
+                    <a:schemeClr val="bg2">
+                      <a:lumMod val="10000"/>
+                    </a:schemeClr>
+                  </a:solidFill>
+                  <a:latin typeface="宋体" panose="02010600030101010101" pitchFamily="2" charset="-122"/>
+                  <a:ea typeface="宋体" panose="02010600030101010101" pitchFamily="2" charset="-122"/>
+                  <a:cs typeface="Times New Roman" panose="02020603050405020304" pitchFamily="18" charset="0"/>
+                </a:rPr>
+                <a:t>PubChem</a:t>
+              </a:r>
+              <a:r>
+                <a:rPr lang="zh-CN" altLang="en-US" dirty="0" smtClean="0">
+                  <a:solidFill>
+                    <a:schemeClr val="bg2">
+                      <a:lumMod val="10000"/>
+                    </a:schemeClr>
+                  </a:solidFill>
+                  <a:latin typeface="宋体" panose="02010600030101010101" pitchFamily="2" charset="-122"/>
+                  <a:ea typeface="宋体" panose="02010600030101010101" pitchFamily="2" charset="-122"/>
+                  <a:cs typeface="Times New Roman" panose="02020603050405020304" pitchFamily="18" charset="0"/>
+                </a:rPr>
+                <a:t>数据库中获取化合物</a:t>
+              </a:r>
+              <a:r>
+                <a:rPr lang="en-US" altLang="zh-CN" dirty="0" smtClean="0">
+                  <a:solidFill>
+                    <a:schemeClr val="bg2">
+                      <a:lumMod val="10000"/>
+                    </a:schemeClr>
+                  </a:solidFill>
+                  <a:latin typeface="宋体" panose="02010600030101010101" pitchFamily="2" charset="-122"/>
+                  <a:ea typeface="宋体" panose="02010600030101010101" pitchFamily="2" charset="-122"/>
+                  <a:cs typeface="Times New Roman" panose="02020603050405020304" pitchFamily="18" charset="0"/>
+                </a:rPr>
+                <a:t>3D</a:t>
+              </a:r>
+              <a:r>
+                <a:rPr lang="zh-CN" altLang="en-US" dirty="0" smtClean="0">
+                  <a:solidFill>
+                    <a:schemeClr val="bg2">
+                      <a:lumMod val="10000"/>
+                    </a:schemeClr>
+                  </a:solidFill>
+                  <a:latin typeface="宋体" panose="02010600030101010101" pitchFamily="2" charset="-122"/>
+                  <a:ea typeface="宋体" panose="02010600030101010101" pitchFamily="2" charset="-122"/>
+                  <a:cs typeface="Times New Roman" panose="02020603050405020304" pitchFamily="18" charset="0"/>
+                </a:rPr>
+                <a:t>结构</a:t>
+              </a:r>
+              <a:endParaRPr lang="zh-CN" altLang="en-US" dirty="0">
+                <a:solidFill>
+                  <a:schemeClr val="bg2">
+                    <a:lumMod val="10000"/>
+                  </a:schemeClr>
+                </a:solidFill>
+                <a:latin typeface="宋体" panose="02010600030101010101" pitchFamily="2" charset="-122"/>
+                <a:ea typeface="宋体" panose="02010600030101010101" pitchFamily="2" charset="-122"/>
+                <a:cs typeface="Times New Roman" panose="02020603050405020304" pitchFamily="18" charset="0"/>
+              </a:endParaRPr>
+            </a:p>
+          </p:txBody>
+        </p:sp>
+        <p:cxnSp>
+          <p:nvCxnSpPr>
+            <p:cNvPr id="18" name="直接箭头连接符 17"/>
+            <p:cNvCxnSpPr>
+              <a:stCxn id="10" idx="2"/>
+              <a:endCxn id="13" idx="0"/>
+            </p:cNvCxnSpPr>
+            <p:nvPr/>
+          </p:nvCxnSpPr>
+          <p:spPr>
+            <a:xfrm>
+              <a:off x="3781067" y="2858149"/>
+              <a:ext cx="1367738" cy="787425"/>
+            </a:xfrm>
+            <a:prstGeom prst="straightConnector1">
+              <a:avLst/>
+            </a:prstGeom>
+            <a:ln>
+              <a:tailEnd type="triangle"/>
+            </a:ln>
+          </p:spPr>
+          <p:style>
+            <a:lnRef idx="1">
+              <a:schemeClr val="accent6"/>
+            </a:lnRef>
+            <a:fillRef idx="2">
+              <a:schemeClr val="accent6"/>
+            </a:fillRef>
+            <a:effectRef idx="1">
+              <a:schemeClr val="accent6"/>
+            </a:effectRef>
+            <a:fontRef idx="minor">
+              <a:schemeClr val="dk1"/>
+            </a:fontRef>
+          </p:style>
+        </p:cxnSp>
+        <p:cxnSp>
+          <p:nvCxnSpPr>
+            <p:cNvPr id="20" name="直接箭头连接符 19"/>
+            <p:cNvCxnSpPr>
+              <a:stCxn id="11" idx="2"/>
+              <a:endCxn id="13" idx="0"/>
+            </p:cNvCxnSpPr>
+            <p:nvPr/>
+          </p:nvCxnSpPr>
+          <p:spPr>
+            <a:xfrm flipH="1">
+              <a:off x="5148805" y="2910506"/>
+              <a:ext cx="1750322" cy="735068"/>
+            </a:xfrm>
+            <a:prstGeom prst="straightConnector1">
+              <a:avLst/>
+            </a:prstGeom>
+            <a:ln>
+              <a:tailEnd type="triangle"/>
+            </a:ln>
+          </p:spPr>
+          <p:style>
+            <a:lnRef idx="1">
+              <a:schemeClr val="accent6"/>
+            </a:lnRef>
+            <a:fillRef idx="2">
+              <a:schemeClr val="accent6"/>
+            </a:fillRef>
+            <a:effectRef idx="1">
+              <a:schemeClr val="accent6"/>
+            </a:effectRef>
+            <a:fontRef idx="minor">
+              <a:schemeClr val="dk1"/>
+            </a:fontRef>
+          </p:style>
+        </p:cxnSp>
+        <p:cxnSp>
+          <p:nvCxnSpPr>
+            <p:cNvPr id="22" name="直接箭头连接符 21"/>
+            <p:cNvCxnSpPr>
+              <a:stCxn id="13" idx="2"/>
+              <a:endCxn id="14" idx="0"/>
+            </p:cNvCxnSpPr>
+            <p:nvPr/>
+          </p:nvCxnSpPr>
+          <p:spPr>
+            <a:xfrm>
+              <a:off x="5148805" y="4584358"/>
+              <a:ext cx="0" cy="672026"/>
+            </a:xfrm>
+            <a:prstGeom prst="straightConnector1">
+              <a:avLst/>
+            </a:prstGeom>
+            <a:ln>
+              <a:tailEnd type="triangle"/>
+            </a:ln>
+          </p:spPr>
+          <p:style>
+            <a:lnRef idx="1">
+              <a:schemeClr val="accent6"/>
+            </a:lnRef>
+            <a:fillRef idx="2">
+              <a:schemeClr val="accent6"/>
+            </a:fillRef>
+            <a:effectRef idx="1">
+              <a:schemeClr val="accent6"/>
+            </a:effectRef>
+            <a:fontRef idx="minor">
+              <a:schemeClr val="dk1"/>
+            </a:fontRef>
+          </p:style>
+        </p:cxnSp>
+      </p:grpSp>
+    </p:spTree>
+    <p:extLst>
+      <p:ext uri="{BB962C8B-B14F-4D97-AF65-F5344CB8AC3E}">
+        <p14:creationId xmlns:p14="http://schemas.microsoft.com/office/powerpoint/2010/main" val="753957679"/>
+      </p:ext>
+    </p:extLst>
+  </p:cSld>
+  <p:clrMapOvr>
+    <a:masterClrMapping/>
+  </p:clrMapOvr>
+</p:sld>
+</file>
+
+<file path=ppt/slides/slide7.xml><?xml version="1.0" encoding="utf-8"?>
+<p:sld xmlns:a="http://schemas.openxmlformats.org/drawingml/2006/main" xmlns:r="http://schemas.openxmlformats.org/officeDocument/2006/relationships" xmlns:p="http://schemas.openxmlformats.org/presentationml/2006/main">
+  <p:cSld>
+    <p:spTree>
+      <p:nvGrpSpPr>
+        <p:cNvPr id="1" name=""/>
+        <p:cNvGrpSpPr/>
+        <p:nvPr/>
+      </p:nvGrpSpPr>
+      <p:grpSpPr>
+        <a:xfrm>
+          <a:off x="0" y="0"/>
+          <a:ext cx="0" cy="0"/>
+          <a:chOff x="0" y="0"/>
+          <a:chExt cx="0" cy="0"/>
+        </a:xfrm>
+      </p:grpSpPr>
+      <p:sp>
+        <p:nvSpPr>
+          <p:cNvPr id="2" name="标题 1"/>
+          <p:cNvSpPr>
+            <a:spLocks noGrp="1"/>
+          </p:cNvSpPr>
+          <p:nvPr>
+            <p:ph type="title"/>
+          </p:nvPr>
+        </p:nvSpPr>
+        <p:spPr/>
+        <p:txBody>
+          <a:bodyPr/>
+          <a:lstStyle/>
+          <a:p>
+            <a:r>
+              <a:rPr lang="en-US" altLang="zh-CN" dirty="0" smtClean="0">
+                <a:latin typeface="Times New Roman" panose="02020603050405020304" pitchFamily="18" charset="0"/>
+                <a:cs typeface="Times New Roman" panose="02020603050405020304" pitchFamily="18" charset="0"/>
+              </a:rPr>
+              <a:t> Chinese Medicine ingredients  acquisition </a:t>
+            </a:r>
+            <a:endParaRPr lang="zh-CN" altLang="en-US" dirty="0">
+              <a:latin typeface="Times New Roman" panose="02020603050405020304" pitchFamily="18" charset="0"/>
+              <a:cs typeface="Times New Roman" panose="02020603050405020304" pitchFamily="18" charset="0"/>
+            </a:endParaRPr>
+          </a:p>
+        </p:txBody>
+      </p:sp>
+      <p:grpSp>
+        <p:nvGrpSpPr>
+          <p:cNvPr id="5" name="组合 4"/>
+          <p:cNvGrpSpPr/>
+          <p:nvPr/>
+        </p:nvGrpSpPr>
+        <p:grpSpPr>
+          <a:xfrm>
+            <a:off x="3476886" y="1919365"/>
+            <a:ext cx="5473683" cy="4076989"/>
+            <a:chOff x="2574059" y="1919365"/>
+            <a:chExt cx="5473683" cy="4076989"/>
+          </a:xfrm>
+        </p:grpSpPr>
+        <p:sp>
+          <p:nvSpPr>
+            <p:cNvPr id="6" name="圆角矩形 5"/>
+            <p:cNvSpPr/>
+            <p:nvPr/>
+          </p:nvSpPr>
+          <p:spPr>
+            <a:xfrm>
+              <a:off x="2574059" y="1919365"/>
+              <a:ext cx="2352414" cy="815043"/>
+            </a:xfrm>
+            <a:prstGeom prst="roundRect">
+              <a:avLst/>
+            </a:prstGeom>
+            <a:ln/>
+          </p:spPr>
+          <p:style>
+            <a:lnRef idx="1">
+              <a:schemeClr val="accent6"/>
+            </a:lnRef>
+            <a:fillRef idx="2">
+              <a:schemeClr val="accent6"/>
+            </a:fillRef>
+            <a:effectRef idx="1">
+              <a:schemeClr val="accent6"/>
+            </a:effectRef>
+            <a:fontRef idx="minor">
+              <a:schemeClr val="dk1"/>
+            </a:fontRef>
+          </p:style>
+          <p:txBody>
+            <a:bodyPr rtlCol="0" anchor="ctr"/>
+            <a:lstStyle/>
+            <a:p>
+              <a:pPr algn="ctr"/>
+              <a:r>
+                <a:rPr lang="en-US" altLang="zh-CN" dirty="0" smtClean="0">
+                  <a:solidFill>
+                    <a:schemeClr val="bg2">
+                      <a:lumMod val="10000"/>
+                    </a:schemeClr>
+                  </a:solidFill>
+                  <a:latin typeface="Times New Roman" panose="02020603050405020304" pitchFamily="18" charset="0"/>
+                  <a:ea typeface="宋体" panose="02010600030101010101" pitchFamily="2" charset="-122"/>
+                  <a:cs typeface="Times New Roman" panose="02020603050405020304" pitchFamily="18" charset="0"/>
+                </a:rPr>
+                <a:t>Obtain ingredients </a:t>
+              </a:r>
+              <a:r>
+                <a:rPr lang="en-US" altLang="zh-CN" dirty="0" err="1" smtClean="0">
+                  <a:solidFill>
+                    <a:schemeClr val="bg2">
+                      <a:lumMod val="10000"/>
+                    </a:schemeClr>
+                  </a:solidFill>
+                  <a:latin typeface="Times New Roman" panose="02020603050405020304" pitchFamily="18" charset="0"/>
+                  <a:ea typeface="宋体" panose="02010600030101010101" pitchFamily="2" charset="-122"/>
+                  <a:cs typeface="Times New Roman" panose="02020603050405020304" pitchFamily="18" charset="0"/>
+                </a:rPr>
+                <a:t>name</a:t>
+              </a:r>
+              <a:r>
+                <a:rPr lang="en-US" altLang="zh-CN" dirty="0" err="1">
+                  <a:solidFill>
+                    <a:schemeClr val="bg2">
+                      <a:lumMod val="10000"/>
+                    </a:schemeClr>
+                  </a:solidFill>
+                  <a:latin typeface="Times New Roman" panose="02020603050405020304" pitchFamily="18" charset="0"/>
+                  <a:ea typeface="宋体" panose="02010600030101010101" pitchFamily="2" charset="-122"/>
+                  <a:cs typeface="Times New Roman" panose="02020603050405020304" pitchFamily="18" charset="0"/>
+                </a:rPr>
+                <a:t>,</a:t>
+              </a:r>
+              <a:r>
+                <a:rPr lang="en-US" altLang="zh-CN" dirty="0" err="1" smtClean="0">
+                  <a:solidFill>
+                    <a:schemeClr val="bg2">
+                      <a:lumMod val="10000"/>
+                    </a:schemeClr>
+                  </a:solidFill>
+                  <a:latin typeface="Times New Roman" panose="02020603050405020304" pitchFamily="18" charset="0"/>
+                  <a:ea typeface="宋体" panose="02010600030101010101" pitchFamily="2" charset="-122"/>
+                  <a:cs typeface="Times New Roman" panose="02020603050405020304" pitchFamily="18" charset="0"/>
+                </a:rPr>
+                <a:t>PubChem</a:t>
+              </a:r>
+              <a:r>
+                <a:rPr lang="en-US" altLang="zh-CN" dirty="0" smtClean="0">
+                  <a:solidFill>
+                    <a:schemeClr val="bg2">
+                      <a:lumMod val="10000"/>
+                    </a:schemeClr>
+                  </a:solidFill>
+                  <a:latin typeface="Times New Roman" panose="02020603050405020304" pitchFamily="18" charset="0"/>
+                  <a:ea typeface="宋体" panose="02010600030101010101" pitchFamily="2" charset="-122"/>
+                  <a:cs typeface="Times New Roman" panose="02020603050405020304" pitchFamily="18" charset="0"/>
+                </a:rPr>
+                <a:t> Cid</a:t>
+              </a:r>
+            </a:p>
+            <a:p>
+              <a:pPr algn="ctr"/>
+              <a:r>
+                <a:rPr lang="en-US" altLang="zh-CN" dirty="0" smtClean="0">
+                  <a:solidFill>
+                    <a:schemeClr val="bg2">
+                      <a:lumMod val="10000"/>
+                    </a:schemeClr>
+                  </a:solidFill>
+                  <a:latin typeface="Times New Roman" panose="02020603050405020304" pitchFamily="18" charset="0"/>
+                  <a:ea typeface="宋体" panose="02010600030101010101" pitchFamily="2" charset="-122"/>
+                  <a:cs typeface="Times New Roman" panose="02020603050405020304" pitchFamily="18" charset="0"/>
+                </a:rPr>
+                <a:t>from TCMSP</a:t>
+              </a:r>
+              <a:endParaRPr lang="zh-CN" altLang="en-US" dirty="0">
+                <a:solidFill>
+                  <a:schemeClr val="bg2">
+                    <a:lumMod val="10000"/>
+                  </a:schemeClr>
+                </a:solidFill>
+                <a:latin typeface="Times New Roman" panose="02020603050405020304" pitchFamily="18" charset="0"/>
+                <a:ea typeface="宋体" panose="02010600030101010101" pitchFamily="2" charset="-122"/>
+                <a:cs typeface="Times New Roman" panose="02020603050405020304" pitchFamily="18" charset="0"/>
+              </a:endParaRPr>
+            </a:p>
+          </p:txBody>
+        </p:sp>
+        <p:sp>
+          <p:nvSpPr>
+            <p:cNvPr id="7" name="圆角矩形 6"/>
+            <p:cNvSpPr/>
+            <p:nvPr/>
+          </p:nvSpPr>
+          <p:spPr>
+            <a:xfrm>
+              <a:off x="5692119" y="1971722"/>
+              <a:ext cx="2355623" cy="762686"/>
+            </a:xfrm>
+            <a:prstGeom prst="roundRect">
+              <a:avLst/>
+            </a:prstGeom>
+            <a:ln/>
+          </p:spPr>
+          <p:style>
+            <a:lnRef idx="1">
+              <a:schemeClr val="accent6"/>
+            </a:lnRef>
+            <a:fillRef idx="2">
+              <a:schemeClr val="accent6"/>
+            </a:fillRef>
+            <a:effectRef idx="1">
+              <a:schemeClr val="accent6"/>
+            </a:effectRef>
+            <a:fontRef idx="minor">
+              <a:schemeClr val="dk1"/>
+            </a:fontRef>
+          </p:style>
+          <p:txBody>
+            <a:bodyPr rtlCol="0" anchor="ctr"/>
+            <a:lstStyle/>
+            <a:p>
+              <a:pPr algn="ctr"/>
+              <a:r>
+                <a:rPr lang="en-US" altLang="zh-CN" dirty="0">
+                  <a:solidFill>
+                    <a:schemeClr val="bg2">
+                      <a:lumMod val="10000"/>
+                    </a:schemeClr>
+                  </a:solidFill>
+                  <a:latin typeface="Times New Roman" panose="02020603050405020304" pitchFamily="18" charset="0"/>
+                  <a:ea typeface="宋体" panose="02010600030101010101" pitchFamily="2" charset="-122"/>
+                  <a:cs typeface="Times New Roman" panose="02020603050405020304" pitchFamily="18" charset="0"/>
+                </a:rPr>
+                <a:t>Obtain ingredients </a:t>
+              </a:r>
+              <a:r>
+                <a:rPr lang="en-US" altLang="zh-CN" dirty="0" err="1" smtClean="0">
+                  <a:solidFill>
+                    <a:schemeClr val="bg2">
+                      <a:lumMod val="10000"/>
+                    </a:schemeClr>
+                  </a:solidFill>
+                  <a:latin typeface="Times New Roman" panose="02020603050405020304" pitchFamily="18" charset="0"/>
+                  <a:ea typeface="宋体" panose="02010600030101010101" pitchFamily="2" charset="-122"/>
+                  <a:cs typeface="Times New Roman" panose="02020603050405020304" pitchFamily="18" charset="0"/>
+                </a:rPr>
+                <a:t>name</a:t>
+              </a:r>
+              <a:r>
+                <a:rPr lang="en-US" altLang="zh-CN" dirty="0" err="1">
+                  <a:solidFill>
+                    <a:schemeClr val="bg2">
+                      <a:lumMod val="10000"/>
+                    </a:schemeClr>
+                  </a:solidFill>
+                  <a:latin typeface="Times New Roman" panose="02020603050405020304" pitchFamily="18" charset="0"/>
+                  <a:ea typeface="宋体" panose="02010600030101010101" pitchFamily="2" charset="-122"/>
+                  <a:cs typeface="Times New Roman" panose="02020603050405020304" pitchFamily="18" charset="0"/>
+                </a:rPr>
+                <a:t>,</a:t>
+              </a:r>
+              <a:r>
+                <a:rPr lang="en-US" altLang="zh-CN" dirty="0" err="1" smtClean="0">
+                  <a:solidFill>
+                    <a:schemeClr val="bg2">
+                      <a:lumMod val="10000"/>
+                    </a:schemeClr>
+                  </a:solidFill>
+                  <a:latin typeface="Times New Roman" panose="02020603050405020304" pitchFamily="18" charset="0"/>
+                  <a:ea typeface="宋体" panose="02010600030101010101" pitchFamily="2" charset="-122"/>
+                  <a:cs typeface="Times New Roman" panose="02020603050405020304" pitchFamily="18" charset="0"/>
+                </a:rPr>
+                <a:t>PubChem</a:t>
+              </a:r>
+              <a:r>
+                <a:rPr lang="en-US" altLang="zh-CN" dirty="0" smtClean="0">
+                  <a:solidFill>
+                    <a:schemeClr val="bg2">
+                      <a:lumMod val="10000"/>
+                    </a:schemeClr>
+                  </a:solidFill>
+                  <a:latin typeface="Times New Roman" panose="02020603050405020304" pitchFamily="18" charset="0"/>
+                  <a:ea typeface="宋体" panose="02010600030101010101" pitchFamily="2" charset="-122"/>
+                  <a:cs typeface="Times New Roman" panose="02020603050405020304" pitchFamily="18" charset="0"/>
+                </a:rPr>
+                <a:t> </a:t>
+              </a:r>
+              <a:r>
+                <a:rPr lang="en-US" altLang="zh-CN" dirty="0">
+                  <a:solidFill>
+                    <a:schemeClr val="bg2">
+                      <a:lumMod val="10000"/>
+                    </a:schemeClr>
+                  </a:solidFill>
+                  <a:latin typeface="Times New Roman" panose="02020603050405020304" pitchFamily="18" charset="0"/>
+                  <a:ea typeface="宋体" panose="02010600030101010101" pitchFamily="2" charset="-122"/>
+                  <a:cs typeface="Times New Roman" panose="02020603050405020304" pitchFamily="18" charset="0"/>
+                </a:rPr>
+                <a:t>Cid</a:t>
+              </a:r>
+            </a:p>
+            <a:p>
+              <a:pPr algn="ctr"/>
+              <a:r>
+                <a:rPr lang="en-US" altLang="zh-CN" dirty="0">
+                  <a:solidFill>
+                    <a:schemeClr val="bg2">
+                      <a:lumMod val="10000"/>
+                    </a:schemeClr>
+                  </a:solidFill>
+                  <a:latin typeface="Times New Roman" panose="02020603050405020304" pitchFamily="18" charset="0"/>
+                  <a:ea typeface="宋体" panose="02010600030101010101" pitchFamily="2" charset="-122"/>
+                  <a:cs typeface="Times New Roman" panose="02020603050405020304" pitchFamily="18" charset="0"/>
+                </a:rPr>
+                <a:t>from </a:t>
+              </a:r>
+              <a:r>
+                <a:rPr lang="en-US" altLang="zh-CN" dirty="0" smtClean="0">
+                  <a:solidFill>
+                    <a:schemeClr val="bg2">
+                      <a:lumMod val="10000"/>
+                    </a:schemeClr>
+                  </a:solidFill>
+                  <a:latin typeface="Times New Roman" panose="02020603050405020304" pitchFamily="18" charset="0"/>
+                  <a:ea typeface="宋体" panose="02010600030101010101" pitchFamily="2" charset="-122"/>
+                  <a:cs typeface="Times New Roman" panose="02020603050405020304" pitchFamily="18" charset="0"/>
+                </a:rPr>
+                <a:t>TCMID</a:t>
+              </a:r>
+              <a:endParaRPr lang="zh-CN" altLang="en-US" dirty="0">
+                <a:solidFill>
+                  <a:schemeClr val="bg2">
+                    <a:lumMod val="10000"/>
+                  </a:schemeClr>
+                </a:solidFill>
+                <a:latin typeface="Times New Roman" panose="02020603050405020304" pitchFamily="18" charset="0"/>
+                <a:ea typeface="宋体" panose="02010600030101010101" pitchFamily="2" charset="-122"/>
+                <a:cs typeface="Times New Roman" panose="02020603050405020304" pitchFamily="18" charset="0"/>
+              </a:endParaRPr>
+            </a:p>
+          </p:txBody>
+        </p:sp>
+        <p:sp>
+          <p:nvSpPr>
+            <p:cNvPr id="8" name="圆角矩形 7"/>
+            <p:cNvSpPr/>
+            <p:nvPr/>
+          </p:nvSpPr>
+          <p:spPr>
+            <a:xfrm>
+              <a:off x="3159219" y="3780739"/>
+              <a:ext cx="3938953" cy="756091"/>
+            </a:xfrm>
+            <a:prstGeom prst="roundRect">
+              <a:avLst/>
+            </a:prstGeom>
+            <a:ln/>
+          </p:spPr>
+          <p:style>
+            <a:lnRef idx="1">
+              <a:schemeClr val="accent6"/>
+            </a:lnRef>
+            <a:fillRef idx="2">
+              <a:schemeClr val="accent6"/>
+            </a:fillRef>
+            <a:effectRef idx="1">
+              <a:schemeClr val="accent6"/>
+            </a:effectRef>
+            <a:fontRef idx="minor">
+              <a:schemeClr val="dk1"/>
+            </a:fontRef>
+          </p:style>
+          <p:txBody>
+            <a:bodyPr rtlCol="0" anchor="ctr"/>
+            <a:lstStyle/>
+            <a:p>
+              <a:pPr algn="ctr"/>
+              <a:r>
+                <a:rPr lang="en-US" altLang="zh-CN" dirty="0" smtClean="0">
+                  <a:solidFill>
+                    <a:schemeClr val="bg2">
+                      <a:lumMod val="10000"/>
+                    </a:schemeClr>
+                  </a:solidFill>
+                  <a:latin typeface="Times New Roman" panose="02020603050405020304" pitchFamily="18" charset="0"/>
+                  <a:ea typeface="宋体" panose="02010600030101010101" pitchFamily="2" charset="-122"/>
+                  <a:cs typeface="Times New Roman" panose="02020603050405020304" pitchFamily="18" charset="0"/>
+                </a:rPr>
+                <a:t>Combine the data of Chinese  medicine ingredients in the two databases</a:t>
+              </a:r>
+              <a:endParaRPr lang="zh-CN" altLang="en-US" dirty="0">
+                <a:solidFill>
+                  <a:schemeClr val="bg2">
+                    <a:lumMod val="10000"/>
+                  </a:schemeClr>
+                </a:solidFill>
+                <a:latin typeface="Times New Roman" panose="02020603050405020304" pitchFamily="18" charset="0"/>
+                <a:ea typeface="宋体" panose="02010600030101010101" pitchFamily="2" charset="-122"/>
+                <a:cs typeface="Times New Roman" panose="02020603050405020304" pitchFamily="18" charset="0"/>
+              </a:endParaRPr>
+            </a:p>
+          </p:txBody>
+        </p:sp>
+        <p:sp>
+          <p:nvSpPr>
+            <p:cNvPr id="9" name="圆角矩形 8"/>
+            <p:cNvSpPr/>
+            <p:nvPr/>
+          </p:nvSpPr>
+          <p:spPr>
+            <a:xfrm>
+              <a:off x="3176803" y="5249008"/>
+              <a:ext cx="3938953" cy="747346"/>
+            </a:xfrm>
+            <a:prstGeom prst="roundRect">
+              <a:avLst/>
+            </a:prstGeom>
+            <a:ln/>
+          </p:spPr>
+          <p:style>
+            <a:lnRef idx="1">
+              <a:schemeClr val="accent6"/>
+            </a:lnRef>
+            <a:fillRef idx="2">
+              <a:schemeClr val="accent6"/>
+            </a:fillRef>
+            <a:effectRef idx="1">
+              <a:schemeClr val="accent6"/>
+            </a:effectRef>
+            <a:fontRef idx="minor">
+              <a:schemeClr val="dk1"/>
+            </a:fontRef>
+          </p:style>
+          <p:txBody>
+            <a:bodyPr rtlCol="0" anchor="ctr"/>
+            <a:lstStyle/>
+            <a:p>
+              <a:pPr algn="ctr"/>
+              <a:r>
+                <a:rPr lang="en-US" altLang="zh-CN" dirty="0" smtClean="0">
+                  <a:solidFill>
+                    <a:schemeClr val="bg2">
+                      <a:lumMod val="10000"/>
+                    </a:schemeClr>
+                  </a:solidFill>
+                  <a:latin typeface="Times New Roman" panose="02020603050405020304" pitchFamily="18" charset="0"/>
+                  <a:ea typeface="宋体" panose="02010600030101010101" pitchFamily="2" charset="-122"/>
+                  <a:cs typeface="Times New Roman" panose="02020603050405020304" pitchFamily="18" charset="0"/>
+                </a:rPr>
+                <a:t>Obtain 3D structure of the</a:t>
+              </a:r>
+            </a:p>
+            <a:p>
+              <a:pPr algn="ctr"/>
+              <a:r>
+                <a:rPr lang="en-US" altLang="zh-CN" dirty="0" smtClean="0">
+                  <a:solidFill>
+                    <a:schemeClr val="bg2">
+                      <a:lumMod val="10000"/>
+                    </a:schemeClr>
+                  </a:solidFill>
+                  <a:latin typeface="Times New Roman" panose="02020603050405020304" pitchFamily="18" charset="0"/>
+                  <a:ea typeface="宋体" panose="02010600030101010101" pitchFamily="2" charset="-122"/>
+                  <a:cs typeface="Times New Roman" panose="02020603050405020304" pitchFamily="18" charset="0"/>
+                </a:rPr>
+                <a:t> compound from PubChem </a:t>
+              </a:r>
+            </a:p>
+          </p:txBody>
+        </p:sp>
+        <p:cxnSp>
+          <p:nvCxnSpPr>
+            <p:cNvPr id="10" name="直接箭头连接符 9"/>
+            <p:cNvCxnSpPr>
+              <a:stCxn id="6" idx="2"/>
+              <a:endCxn id="8" idx="0"/>
+            </p:cNvCxnSpPr>
+            <p:nvPr/>
+          </p:nvCxnSpPr>
+          <p:spPr>
+            <a:xfrm>
+              <a:off x="3750266" y="2734408"/>
+              <a:ext cx="1378430" cy="1046331"/>
+            </a:xfrm>
+            <a:prstGeom prst="straightConnector1">
+              <a:avLst/>
+            </a:prstGeom>
+            <a:ln>
+              <a:tailEnd type="triangle"/>
+            </a:ln>
+          </p:spPr>
+          <p:style>
+            <a:lnRef idx="1">
+              <a:schemeClr val="accent6"/>
+            </a:lnRef>
+            <a:fillRef idx="2">
+              <a:schemeClr val="accent6"/>
+            </a:fillRef>
+            <a:effectRef idx="1">
+              <a:schemeClr val="accent6"/>
+            </a:effectRef>
+            <a:fontRef idx="minor">
+              <a:schemeClr val="dk1"/>
+            </a:fontRef>
+          </p:style>
+        </p:cxnSp>
+        <p:cxnSp>
+          <p:nvCxnSpPr>
+            <p:cNvPr id="11" name="直接箭头连接符 10"/>
+            <p:cNvCxnSpPr>
+              <a:stCxn id="7" idx="2"/>
+              <a:endCxn id="8" idx="0"/>
+            </p:cNvCxnSpPr>
+            <p:nvPr/>
+          </p:nvCxnSpPr>
+          <p:spPr>
+            <a:xfrm flipH="1">
+              <a:off x="5128696" y="2734408"/>
+              <a:ext cx="1741235" cy="1046331"/>
+            </a:xfrm>
+            <a:prstGeom prst="straightConnector1">
+              <a:avLst/>
+            </a:prstGeom>
+            <a:ln>
+              <a:tailEnd type="triangle"/>
+            </a:ln>
+          </p:spPr>
+          <p:style>
+            <a:lnRef idx="1">
+              <a:schemeClr val="accent6"/>
+            </a:lnRef>
+            <a:fillRef idx="2">
+              <a:schemeClr val="accent6"/>
+            </a:fillRef>
+            <a:effectRef idx="1">
+              <a:schemeClr val="accent6"/>
+            </a:effectRef>
+            <a:fontRef idx="minor">
+              <a:schemeClr val="dk1"/>
+            </a:fontRef>
+          </p:style>
+        </p:cxnSp>
+        <p:cxnSp>
+          <p:nvCxnSpPr>
+            <p:cNvPr id="12" name="直接箭头连接符 11"/>
+            <p:cNvCxnSpPr>
+              <a:stCxn id="8" idx="2"/>
+              <a:endCxn id="9" idx="0"/>
+            </p:cNvCxnSpPr>
+            <p:nvPr/>
+          </p:nvCxnSpPr>
+          <p:spPr>
+            <a:xfrm>
+              <a:off x="5128696" y="4536830"/>
+              <a:ext cx="17584" cy="712178"/>
+            </a:xfrm>
+            <a:prstGeom prst="straightConnector1">
+              <a:avLst/>
+            </a:prstGeom>
+            <a:ln>
+              <a:tailEnd type="triangle"/>
+            </a:ln>
+          </p:spPr>
+          <p:style>
+            <a:lnRef idx="1">
+              <a:schemeClr val="accent6"/>
+            </a:lnRef>
+            <a:fillRef idx="2">
+              <a:schemeClr val="accent6"/>
+            </a:fillRef>
+            <a:effectRef idx="1">
+              <a:schemeClr val="accent6"/>
+            </a:effectRef>
+            <a:fontRef idx="minor">
+              <a:schemeClr val="dk1"/>
+            </a:fontRef>
+          </p:style>
+        </p:cxnSp>
+      </p:grpSp>
+    </p:spTree>
+    <p:extLst>
+      <p:ext uri="{BB962C8B-B14F-4D97-AF65-F5344CB8AC3E}">
+        <p14:creationId xmlns:p14="http://schemas.microsoft.com/office/powerpoint/2010/main" val="594442855"/>
+      </p:ext>
+    </p:extLst>
+  </p:cSld>
+  <p:clrMapOvr>
+    <a:masterClrMapping/>
+  </p:clrMapOvr>
+</p:sld>
+</file>
+
+<file path=ppt/slides/slide8.xml><?xml version="1.0" encoding="utf-8"?>
+<p:sld xmlns:a="http://schemas.openxmlformats.org/drawingml/2006/main" xmlns:r="http://schemas.openxmlformats.org/officeDocument/2006/relationships" xmlns:p="http://schemas.openxmlformats.org/presentationml/2006/main">
+  <p:cSld>
+    <p:spTree>
+      <p:nvGrpSpPr>
+        <p:cNvPr id="1" name=""/>
+        <p:cNvGrpSpPr/>
+        <p:nvPr/>
+      </p:nvGrpSpPr>
+      <p:grpSpPr>
+        <a:xfrm>
+          <a:off x="0" y="0"/>
+          <a:ext cx="0" cy="0"/>
+          <a:chOff x="0" y="0"/>
+          <a:chExt cx="0" cy="0"/>
+        </a:xfrm>
+      </p:grpSpPr>
+      <p:sp>
+        <p:nvSpPr>
+          <p:cNvPr id="2" name="标题 1"/>
+          <p:cNvSpPr>
+            <a:spLocks noGrp="1"/>
+          </p:cNvSpPr>
+          <p:nvPr>
+            <p:ph type="title"/>
+          </p:nvPr>
+        </p:nvSpPr>
+        <p:spPr>
+          <a:xfrm>
+            <a:off x="826625" y="185587"/>
+            <a:ext cx="10515600" cy="1325563"/>
+          </a:xfrm>
+        </p:spPr>
+        <p:txBody>
+          <a:bodyPr>
+            <a:normAutofit/>
+          </a:bodyPr>
+          <a:lstStyle/>
+          <a:p>
+            <a:pPr algn="ctr"/>
+            <a:r>
+              <a:rPr lang="zh-CN" altLang="en-US" dirty="0" smtClean="0">
+                <a:latin typeface="Times New Roman" panose="02020603050405020304" pitchFamily="18" charset="0"/>
+                <a:ea typeface="宋体" panose="02010600030101010101" pitchFamily="2" charset="-122"/>
+                <a:cs typeface="Times New Roman" panose="02020603050405020304" pitchFamily="18" charset="0"/>
+              </a:rPr>
+              <a:t>疾病靶点获取</a:t>
+            </a:r>
+            <a:endParaRPr lang="zh-CN" altLang="en-US" dirty="0">
+              <a:latin typeface="Times New Roman" panose="02020603050405020304" pitchFamily="18" charset="0"/>
+              <a:ea typeface="宋体" panose="02010600030101010101" pitchFamily="2" charset="-122"/>
+              <a:cs typeface="Times New Roman" panose="02020603050405020304" pitchFamily="18" charset="0"/>
+            </a:endParaRPr>
+          </a:p>
+        </p:txBody>
+      </p:sp>
+      <p:grpSp>
+        <p:nvGrpSpPr>
+          <p:cNvPr id="33" name="组合 32"/>
+          <p:cNvGrpSpPr/>
+          <p:nvPr/>
+        </p:nvGrpSpPr>
+        <p:grpSpPr>
+          <a:xfrm>
+            <a:off x="3631828" y="1625105"/>
+            <a:ext cx="5391331" cy="4337746"/>
+            <a:chOff x="2154744" y="1937622"/>
+            <a:chExt cx="5391331" cy="4337746"/>
+          </a:xfrm>
+        </p:grpSpPr>
+        <p:sp>
+          <p:nvSpPr>
+            <p:cNvPr id="4" name="圆角矩形 3"/>
+            <p:cNvSpPr/>
+            <p:nvPr/>
+          </p:nvSpPr>
+          <p:spPr>
+            <a:xfrm>
+              <a:off x="2154744" y="1949199"/>
+              <a:ext cx="2414016" cy="938784"/>
+            </a:xfrm>
+            <a:prstGeom prst="roundRect">
+              <a:avLst/>
+            </a:prstGeom>
+            <a:ln/>
+          </p:spPr>
+          <p:style>
+            <a:lnRef idx="1">
+              <a:schemeClr val="accent5"/>
+            </a:lnRef>
+            <a:fillRef idx="2">
+              <a:schemeClr val="accent5"/>
+            </a:fillRef>
+            <a:effectRef idx="1">
+              <a:schemeClr val="accent5"/>
+            </a:effectRef>
+            <a:fontRef idx="minor">
+              <a:schemeClr val="dk1"/>
+            </a:fontRef>
+          </p:style>
+          <p:txBody>
+            <a:bodyPr rtlCol="0" anchor="ctr"/>
+            <a:lstStyle/>
+            <a:p>
+              <a:pPr algn="ctr"/>
+              <a:r>
+                <a:rPr lang="zh-CN" altLang="en-US" dirty="0" smtClean="0">
+                  <a:solidFill>
+                    <a:schemeClr val="bg2">
+                      <a:lumMod val="10000"/>
+                    </a:schemeClr>
+                  </a:solidFill>
+                  <a:latin typeface="宋体" panose="02010600030101010101" pitchFamily="2" charset="-122"/>
+                  <a:ea typeface="宋体" panose="02010600030101010101" pitchFamily="2" charset="-122"/>
+                  <a:cs typeface="Times New Roman" panose="02020603050405020304" pitchFamily="18" charset="0"/>
+                </a:rPr>
+                <a:t>从</a:t>
+              </a:r>
+              <a:r>
+                <a:rPr lang="en-US" altLang="zh-CN" dirty="0" smtClean="0">
+                  <a:solidFill>
+                    <a:schemeClr val="bg2">
+                      <a:lumMod val="10000"/>
+                    </a:schemeClr>
+                  </a:solidFill>
+                  <a:latin typeface="宋体" panose="02010600030101010101" pitchFamily="2" charset="-122"/>
+                  <a:ea typeface="宋体" panose="02010600030101010101" pitchFamily="2" charset="-122"/>
+                  <a:cs typeface="Times New Roman" panose="02020603050405020304" pitchFamily="18" charset="0"/>
+                </a:rPr>
+                <a:t>NCBI-Gene</a:t>
+              </a:r>
+              <a:r>
+                <a:rPr lang="zh-CN" altLang="en-US" dirty="0" smtClean="0">
+                  <a:solidFill>
+                    <a:schemeClr val="bg2">
+                      <a:lumMod val="10000"/>
+                    </a:schemeClr>
+                  </a:solidFill>
+                  <a:latin typeface="宋体" panose="02010600030101010101" pitchFamily="2" charset="-122"/>
+                  <a:ea typeface="宋体" panose="02010600030101010101" pitchFamily="2" charset="-122"/>
+                  <a:cs typeface="Times New Roman" panose="02020603050405020304" pitchFamily="18" charset="0"/>
+                </a:rPr>
+                <a:t>中获取疾病靶点名称</a:t>
+              </a:r>
+              <a:endParaRPr lang="zh-CN" altLang="en-US" dirty="0">
+                <a:solidFill>
+                  <a:schemeClr val="bg2">
+                    <a:lumMod val="10000"/>
+                  </a:schemeClr>
+                </a:solidFill>
+                <a:latin typeface="宋体" panose="02010600030101010101" pitchFamily="2" charset="-122"/>
+                <a:ea typeface="宋体" panose="02010600030101010101" pitchFamily="2" charset="-122"/>
+                <a:cs typeface="Times New Roman" panose="02020603050405020304" pitchFamily="18" charset="0"/>
+              </a:endParaRPr>
+            </a:p>
+          </p:txBody>
+        </p:sp>
+        <p:sp>
+          <p:nvSpPr>
+            <p:cNvPr id="10" name="圆角矩形 9"/>
+            <p:cNvSpPr/>
+            <p:nvPr/>
+          </p:nvSpPr>
+          <p:spPr>
+            <a:xfrm>
+              <a:off x="3486830" y="5336584"/>
+              <a:ext cx="2414016" cy="938784"/>
+            </a:xfrm>
+            <a:prstGeom prst="roundRect">
+              <a:avLst/>
+            </a:prstGeom>
+            <a:ln/>
+          </p:spPr>
+          <p:style>
+            <a:lnRef idx="1">
+              <a:schemeClr val="accent5"/>
+            </a:lnRef>
+            <a:fillRef idx="2">
+              <a:schemeClr val="accent5"/>
+            </a:fillRef>
+            <a:effectRef idx="1">
+              <a:schemeClr val="accent5"/>
+            </a:effectRef>
+            <a:fontRef idx="minor">
+              <a:schemeClr val="dk1"/>
+            </a:fontRef>
+          </p:style>
+          <p:txBody>
+            <a:bodyPr rtlCol="0" anchor="ctr"/>
+            <a:lstStyle/>
+            <a:p>
+              <a:pPr algn="ctr"/>
+              <a:r>
+                <a:rPr lang="zh-CN" altLang="en-US" dirty="0" smtClean="0">
+                  <a:solidFill>
+                    <a:schemeClr val="bg2">
+                      <a:lumMod val="10000"/>
+                    </a:schemeClr>
+                  </a:solidFill>
+                  <a:latin typeface="宋体" panose="02010600030101010101" pitchFamily="2" charset="-122"/>
+                  <a:ea typeface="宋体" panose="02010600030101010101" pitchFamily="2" charset="-122"/>
+                  <a:cs typeface="Times New Roman" panose="02020603050405020304" pitchFamily="18" charset="0"/>
+                </a:rPr>
+                <a:t>从</a:t>
+              </a:r>
+              <a:r>
+                <a:rPr lang="en-US" altLang="zh-CN" dirty="0" err="1">
+                  <a:latin typeface="Times New Roman" panose="02020603050405020304" pitchFamily="18" charset="0"/>
+                  <a:ea typeface="宋体" panose="02010600030101010101" pitchFamily="2" charset="-122"/>
+                  <a:cs typeface="Times New Roman" panose="02020603050405020304" pitchFamily="18" charset="0"/>
+                </a:rPr>
+                <a:t>UniProtKB</a:t>
+              </a:r>
+              <a:r>
+                <a:rPr lang="zh-CN" altLang="en-US" dirty="0" smtClean="0">
+                  <a:solidFill>
+                    <a:schemeClr val="bg2">
+                      <a:lumMod val="10000"/>
+                    </a:schemeClr>
+                  </a:solidFill>
+                  <a:latin typeface="宋体" panose="02010600030101010101" pitchFamily="2" charset="-122"/>
+                  <a:ea typeface="宋体" panose="02010600030101010101" pitchFamily="2" charset="-122"/>
+                  <a:cs typeface="Times New Roman" panose="02020603050405020304" pitchFamily="18" charset="0"/>
+                </a:rPr>
+                <a:t>数据库</a:t>
+              </a:r>
+              <a:r>
+                <a:rPr lang="zh-CN" altLang="en-US" dirty="0">
+                  <a:solidFill>
+                    <a:schemeClr val="bg2">
+                      <a:lumMod val="10000"/>
+                    </a:schemeClr>
+                  </a:solidFill>
+                  <a:latin typeface="宋体" panose="02010600030101010101" pitchFamily="2" charset="-122"/>
+                  <a:ea typeface="宋体" panose="02010600030101010101" pitchFamily="2" charset="-122"/>
+                  <a:cs typeface="Times New Roman" panose="02020603050405020304" pitchFamily="18" charset="0"/>
+                </a:rPr>
+                <a:t>获取</a:t>
+              </a:r>
+              <a:r>
+                <a:rPr lang="zh-CN" altLang="en-US" dirty="0" smtClean="0">
+                  <a:solidFill>
+                    <a:schemeClr val="bg2">
+                      <a:lumMod val="10000"/>
+                    </a:schemeClr>
+                  </a:solidFill>
+                  <a:latin typeface="宋体" panose="02010600030101010101" pitchFamily="2" charset="-122"/>
+                  <a:ea typeface="宋体" panose="02010600030101010101" pitchFamily="2" charset="-122"/>
+                  <a:cs typeface="Times New Roman" panose="02020603050405020304" pitchFamily="18" charset="0"/>
+                </a:rPr>
+                <a:t>靶点蛋白</a:t>
+              </a:r>
+              <a:r>
+                <a:rPr lang="en-US" altLang="zh-CN" dirty="0" smtClean="0">
+                  <a:solidFill>
+                    <a:schemeClr val="bg2">
+                      <a:lumMod val="10000"/>
+                    </a:schemeClr>
+                  </a:solidFill>
+                  <a:latin typeface="宋体" panose="02010600030101010101" pitchFamily="2" charset="-122"/>
+                  <a:ea typeface="宋体" panose="02010600030101010101" pitchFamily="2" charset="-122"/>
+                  <a:cs typeface="Times New Roman" panose="02020603050405020304" pitchFamily="18" charset="0"/>
+                </a:rPr>
+                <a:t>PDB ID</a:t>
+              </a:r>
+              <a:endParaRPr lang="zh-CN" altLang="en-US" dirty="0">
+                <a:solidFill>
+                  <a:schemeClr val="bg2">
+                    <a:lumMod val="10000"/>
+                  </a:schemeClr>
+                </a:solidFill>
+                <a:latin typeface="宋体" panose="02010600030101010101" pitchFamily="2" charset="-122"/>
+                <a:ea typeface="宋体" panose="02010600030101010101" pitchFamily="2" charset="-122"/>
+                <a:cs typeface="Times New Roman" panose="02020603050405020304" pitchFamily="18" charset="0"/>
+              </a:endParaRPr>
+            </a:p>
+          </p:txBody>
+        </p:sp>
+        <p:sp>
+          <p:nvSpPr>
+            <p:cNvPr id="17" name="圆角矩形 16"/>
+            <p:cNvSpPr/>
+            <p:nvPr/>
+          </p:nvSpPr>
+          <p:spPr>
+            <a:xfrm>
+              <a:off x="5132059" y="1937622"/>
+              <a:ext cx="2414016" cy="938784"/>
+            </a:xfrm>
+            <a:prstGeom prst="roundRect">
+              <a:avLst/>
+            </a:prstGeom>
+            <a:ln/>
+          </p:spPr>
+          <p:style>
+            <a:lnRef idx="1">
+              <a:schemeClr val="accent5"/>
+            </a:lnRef>
+            <a:fillRef idx="2">
+              <a:schemeClr val="accent5"/>
+            </a:fillRef>
+            <a:effectRef idx="1">
+              <a:schemeClr val="accent5"/>
+            </a:effectRef>
+            <a:fontRef idx="minor">
+              <a:schemeClr val="dk1"/>
+            </a:fontRef>
+          </p:style>
+          <p:txBody>
+            <a:bodyPr rtlCol="0" anchor="ctr"/>
+            <a:lstStyle/>
+            <a:p>
+              <a:pPr algn="ctr"/>
+              <a:r>
+                <a:rPr lang="zh-CN" altLang="en-US" dirty="0" smtClean="0">
+                  <a:solidFill>
+                    <a:schemeClr val="bg2">
+                      <a:lumMod val="10000"/>
+                    </a:schemeClr>
+                  </a:solidFill>
+                  <a:latin typeface="宋体" panose="02010600030101010101" pitchFamily="2" charset="-122"/>
+                  <a:ea typeface="宋体" panose="02010600030101010101" pitchFamily="2" charset="-122"/>
+                  <a:cs typeface="Times New Roman" panose="02020603050405020304" pitchFamily="18" charset="0"/>
+                </a:rPr>
+                <a:t>从</a:t>
+              </a:r>
+              <a:r>
+                <a:rPr lang="en-US" altLang="zh-CN" dirty="0" err="1" smtClean="0">
+                  <a:solidFill>
+                    <a:schemeClr val="bg2">
+                      <a:lumMod val="10000"/>
+                    </a:schemeClr>
+                  </a:solidFill>
+                  <a:latin typeface="宋体" panose="02010600030101010101" pitchFamily="2" charset="-122"/>
+                  <a:ea typeface="宋体" panose="02010600030101010101" pitchFamily="2" charset="-122"/>
+                  <a:cs typeface="Times New Roman" panose="02020603050405020304" pitchFamily="18" charset="0"/>
+                </a:rPr>
+                <a:t>DisGeNET</a:t>
+              </a:r>
+              <a:r>
+                <a:rPr lang="zh-CN" altLang="en-US" dirty="0" smtClean="0">
+                  <a:solidFill>
+                    <a:schemeClr val="bg2">
+                      <a:lumMod val="10000"/>
+                    </a:schemeClr>
+                  </a:solidFill>
+                  <a:latin typeface="宋体" panose="02010600030101010101" pitchFamily="2" charset="-122"/>
+                  <a:ea typeface="宋体" panose="02010600030101010101" pitchFamily="2" charset="-122"/>
+                  <a:cs typeface="Times New Roman" panose="02020603050405020304" pitchFamily="18" charset="0"/>
+                </a:rPr>
+                <a:t>数据库疾病靶点名称并筛选</a:t>
+              </a:r>
+              <a:endParaRPr lang="zh-CN" altLang="en-US" dirty="0">
+                <a:solidFill>
+                  <a:schemeClr val="bg2">
+                    <a:lumMod val="10000"/>
+                  </a:schemeClr>
+                </a:solidFill>
+                <a:latin typeface="宋体" panose="02010600030101010101" pitchFamily="2" charset="-122"/>
+                <a:ea typeface="宋体" panose="02010600030101010101" pitchFamily="2" charset="-122"/>
+                <a:cs typeface="Times New Roman" panose="02020603050405020304" pitchFamily="18" charset="0"/>
+              </a:endParaRPr>
+            </a:p>
+          </p:txBody>
+        </p:sp>
+        <p:sp>
+          <p:nvSpPr>
+            <p:cNvPr id="18" name="圆角矩形 17"/>
+            <p:cNvSpPr/>
+            <p:nvPr/>
+          </p:nvSpPr>
+          <p:spPr>
+            <a:xfrm>
+              <a:off x="3486830" y="3742432"/>
+              <a:ext cx="2414016" cy="938784"/>
+            </a:xfrm>
+            <a:prstGeom prst="roundRect">
+              <a:avLst/>
+            </a:prstGeom>
+            <a:ln/>
+          </p:spPr>
+          <p:style>
+            <a:lnRef idx="1">
+              <a:schemeClr val="accent5"/>
+            </a:lnRef>
+            <a:fillRef idx="2">
+              <a:schemeClr val="accent5"/>
+            </a:fillRef>
+            <a:effectRef idx="1">
+              <a:schemeClr val="accent5"/>
+            </a:effectRef>
+            <a:fontRef idx="minor">
+              <a:schemeClr val="dk1"/>
+            </a:fontRef>
+          </p:style>
+          <p:txBody>
+            <a:bodyPr rtlCol="0" anchor="ctr"/>
+            <a:lstStyle/>
+            <a:p>
+              <a:pPr algn="ctr"/>
+              <a:r>
+                <a:rPr lang="zh-CN" altLang="en-US" dirty="0" smtClean="0">
+                  <a:solidFill>
+                    <a:schemeClr val="bg2">
+                      <a:lumMod val="10000"/>
+                    </a:schemeClr>
+                  </a:solidFill>
+                  <a:latin typeface="宋体" panose="02010600030101010101" pitchFamily="2" charset="-122"/>
+                  <a:ea typeface="宋体" panose="02010600030101010101" pitchFamily="2" charset="-122"/>
+                  <a:cs typeface="Times New Roman" panose="02020603050405020304" pitchFamily="18" charset="0"/>
+                </a:rPr>
+                <a:t>靶点名称合并</a:t>
+              </a:r>
+              <a:endParaRPr lang="zh-CN" altLang="en-US" dirty="0">
+                <a:solidFill>
+                  <a:schemeClr val="bg2">
+                    <a:lumMod val="10000"/>
+                  </a:schemeClr>
+                </a:solidFill>
+                <a:latin typeface="宋体" panose="02010600030101010101" pitchFamily="2" charset="-122"/>
+                <a:ea typeface="宋体" panose="02010600030101010101" pitchFamily="2" charset="-122"/>
+                <a:cs typeface="Times New Roman" panose="02020603050405020304" pitchFamily="18" charset="0"/>
+              </a:endParaRPr>
+            </a:p>
+          </p:txBody>
+        </p:sp>
+        <p:cxnSp>
+          <p:nvCxnSpPr>
+            <p:cNvPr id="20" name="直接箭头连接符 19"/>
+            <p:cNvCxnSpPr>
+              <a:stCxn id="4" idx="2"/>
+              <a:endCxn id="18" idx="0"/>
+            </p:cNvCxnSpPr>
+            <p:nvPr/>
+          </p:nvCxnSpPr>
+          <p:spPr>
+            <a:xfrm>
+              <a:off x="3361752" y="2887983"/>
+              <a:ext cx="1332086" cy="854449"/>
+            </a:xfrm>
+            <a:prstGeom prst="straightConnector1">
+              <a:avLst/>
+            </a:prstGeom>
+            <a:ln>
+              <a:tailEnd type="triangle"/>
+            </a:ln>
+          </p:spPr>
+          <p:style>
+            <a:lnRef idx="1">
+              <a:schemeClr val="accent5"/>
+            </a:lnRef>
+            <a:fillRef idx="2">
+              <a:schemeClr val="accent5"/>
+            </a:fillRef>
+            <a:effectRef idx="1">
+              <a:schemeClr val="accent5"/>
+            </a:effectRef>
+            <a:fontRef idx="minor">
+              <a:schemeClr val="dk1"/>
+            </a:fontRef>
+          </p:style>
+        </p:cxnSp>
+        <p:cxnSp>
+          <p:nvCxnSpPr>
+            <p:cNvPr id="22" name="直接箭头连接符 21"/>
+            <p:cNvCxnSpPr>
+              <a:stCxn id="17" idx="2"/>
+              <a:endCxn id="18" idx="0"/>
+            </p:cNvCxnSpPr>
+            <p:nvPr/>
+          </p:nvCxnSpPr>
+          <p:spPr>
+            <a:xfrm flipH="1">
+              <a:off x="4693838" y="2876406"/>
+              <a:ext cx="1645229" cy="866026"/>
+            </a:xfrm>
+            <a:prstGeom prst="straightConnector1">
+              <a:avLst/>
+            </a:prstGeom>
+            <a:ln>
+              <a:tailEnd type="triangle"/>
+            </a:ln>
+          </p:spPr>
+          <p:style>
+            <a:lnRef idx="1">
+              <a:schemeClr val="accent5"/>
+            </a:lnRef>
+            <a:fillRef idx="2">
+              <a:schemeClr val="accent5"/>
+            </a:fillRef>
+            <a:effectRef idx="1">
+              <a:schemeClr val="accent5"/>
+            </a:effectRef>
+            <a:fontRef idx="minor">
+              <a:schemeClr val="dk1"/>
+            </a:fontRef>
+          </p:style>
+        </p:cxnSp>
+        <p:cxnSp>
+          <p:nvCxnSpPr>
+            <p:cNvPr id="24" name="直接箭头连接符 23"/>
+            <p:cNvCxnSpPr>
+              <a:stCxn id="18" idx="2"/>
+              <a:endCxn id="10" idx="0"/>
+            </p:cNvCxnSpPr>
+            <p:nvPr/>
+          </p:nvCxnSpPr>
+          <p:spPr>
+            <a:xfrm>
+              <a:off x="4693838" y="4681216"/>
+              <a:ext cx="0" cy="655368"/>
+            </a:xfrm>
+            <a:prstGeom prst="straightConnector1">
+              <a:avLst/>
+            </a:prstGeom>
+            <a:ln>
+              <a:tailEnd type="triangle"/>
+            </a:ln>
+          </p:spPr>
+          <p:style>
+            <a:lnRef idx="1">
+              <a:schemeClr val="accent5"/>
+            </a:lnRef>
+            <a:fillRef idx="2">
+              <a:schemeClr val="accent5"/>
+            </a:fillRef>
+            <a:effectRef idx="1">
+              <a:schemeClr val="accent5"/>
+            </a:effectRef>
+            <a:fontRef idx="minor">
+              <a:schemeClr val="dk1"/>
+            </a:fontRef>
+          </p:style>
+        </p:cxnSp>
+      </p:grpSp>
+    </p:spTree>
+    <p:extLst>
+      <p:ext uri="{BB962C8B-B14F-4D97-AF65-F5344CB8AC3E}">
+        <p14:creationId xmlns:p14="http://schemas.microsoft.com/office/powerpoint/2010/main" val="3439837377"/>
+      </p:ext>
+    </p:extLst>
+  </p:cSld>
+  <p:clrMapOvr>
+    <a:masterClrMapping/>
+  </p:clrMapOvr>
+</p:sld>
+</file>
+
+<file path=ppt/slides/slide9.xml><?xml version="1.0" encoding="utf-8"?>
+<p:sld xmlns:a="http://schemas.openxmlformats.org/drawingml/2006/main" xmlns:r="http://schemas.openxmlformats.org/officeDocument/2006/relationships" xmlns:p="http://schemas.openxmlformats.org/presentationml/2006/main">
+  <p:cSld>
+    <p:spTree>
+      <p:nvGrpSpPr>
+        <p:cNvPr id="1" name=""/>
+        <p:cNvGrpSpPr/>
+        <p:nvPr/>
+      </p:nvGrpSpPr>
+      <p:grpSpPr>
+        <a:xfrm>
+          <a:off x="0" y="0"/>
+          <a:ext cx="0" cy="0"/>
+          <a:chOff x="0" y="0"/>
+          <a:chExt cx="0" cy="0"/>
+        </a:xfrm>
+      </p:grpSpPr>
+      <p:sp>
+        <p:nvSpPr>
+          <p:cNvPr id="2" name="标题 1"/>
+          <p:cNvSpPr>
+            <a:spLocks noGrp="1"/>
+          </p:cNvSpPr>
+          <p:nvPr>
+            <p:ph type="title"/>
+          </p:nvPr>
+        </p:nvSpPr>
+        <p:spPr>
+          <a:xfrm>
+            <a:off x="838200" y="365125"/>
+            <a:ext cx="10515600" cy="935179"/>
+          </a:xfrm>
+        </p:spPr>
+        <p:txBody>
+          <a:bodyPr>
+            <a:normAutofit/>
+          </a:bodyPr>
+          <a:lstStyle/>
+          <a:p>
+            <a:pPr algn="ctr"/>
+            <a:r>
+              <a:rPr lang="en-US" altLang="zh-CN" sz="4000" dirty="0" smtClean="0">
+                <a:latin typeface="Times New Roman" panose="02020603050405020304" pitchFamily="18" charset="0"/>
+                <a:cs typeface="Times New Roman" panose="02020603050405020304" pitchFamily="18" charset="0"/>
+              </a:rPr>
+              <a:t>Disease protein target acquisition</a:t>
+            </a:r>
+            <a:endParaRPr lang="zh-CN" altLang="en-US" sz="4000" dirty="0">
+              <a:latin typeface="Times New Roman" panose="02020603050405020304" pitchFamily="18" charset="0"/>
+              <a:cs typeface="Times New Roman" panose="02020603050405020304" pitchFamily="18" charset="0"/>
+            </a:endParaRPr>
+          </a:p>
+        </p:txBody>
+      </p:sp>
+      <p:grpSp>
+        <p:nvGrpSpPr>
+          <p:cNvPr id="13" name="组合 12"/>
+          <p:cNvGrpSpPr/>
+          <p:nvPr/>
+        </p:nvGrpSpPr>
+        <p:grpSpPr>
+          <a:xfrm>
+            <a:off x="3405638" y="1891792"/>
+            <a:ext cx="4647876" cy="3633010"/>
+            <a:chOff x="2154744" y="1937622"/>
+            <a:chExt cx="5391331" cy="4337746"/>
+          </a:xfrm>
+        </p:grpSpPr>
+        <p:sp>
+          <p:nvSpPr>
+            <p:cNvPr id="14" name="圆角矩形 13"/>
+            <p:cNvSpPr/>
+            <p:nvPr/>
+          </p:nvSpPr>
+          <p:spPr>
+            <a:xfrm>
+              <a:off x="2154744" y="1949199"/>
+              <a:ext cx="2414016" cy="938784"/>
+            </a:xfrm>
+            <a:prstGeom prst="roundRect">
+              <a:avLst/>
+            </a:prstGeom>
+            <a:ln/>
+          </p:spPr>
+          <p:style>
+            <a:lnRef idx="1">
+              <a:schemeClr val="accent5"/>
+            </a:lnRef>
+            <a:fillRef idx="2">
+              <a:schemeClr val="accent5"/>
+            </a:fillRef>
+            <a:effectRef idx="1">
+              <a:schemeClr val="accent5"/>
+            </a:effectRef>
+            <a:fontRef idx="minor">
+              <a:schemeClr val="dk1"/>
+            </a:fontRef>
+          </p:style>
+          <p:txBody>
+            <a:bodyPr rtlCol="0" anchor="ctr"/>
+            <a:lstStyle/>
+            <a:p>
+              <a:pPr algn="ctr"/>
+              <a:r>
+                <a:rPr lang="en-US" altLang="zh-CN" sz="1600" dirty="0" smtClean="0">
+                  <a:solidFill>
+                    <a:schemeClr val="bg2">
+                      <a:lumMod val="10000"/>
+                    </a:schemeClr>
+                  </a:solidFill>
+                  <a:latin typeface="Times New Roman" panose="02020603050405020304" pitchFamily="18" charset="0"/>
+                  <a:ea typeface="宋体" panose="02010600030101010101" pitchFamily="2" charset="-122"/>
+                  <a:cs typeface="Times New Roman" panose="02020603050405020304" pitchFamily="18" charset="0"/>
+                </a:rPr>
+                <a:t>Obtain target name from NCBI-Gene</a:t>
+              </a:r>
+              <a:endParaRPr lang="zh-CN" altLang="en-US" sz="1600" dirty="0">
+                <a:solidFill>
+                  <a:schemeClr val="bg2">
+                    <a:lumMod val="10000"/>
+                  </a:schemeClr>
+                </a:solidFill>
+                <a:latin typeface="Times New Roman" panose="02020603050405020304" pitchFamily="18" charset="0"/>
+                <a:ea typeface="宋体" panose="02010600030101010101" pitchFamily="2" charset="-122"/>
+                <a:cs typeface="Times New Roman" panose="02020603050405020304" pitchFamily="18" charset="0"/>
+              </a:endParaRPr>
+            </a:p>
+          </p:txBody>
+        </p:sp>
+        <p:sp>
+          <p:nvSpPr>
+            <p:cNvPr id="15" name="圆角矩形 14"/>
+            <p:cNvSpPr/>
+            <p:nvPr/>
+          </p:nvSpPr>
+          <p:spPr>
+            <a:xfrm>
+              <a:off x="3345098" y="5336583"/>
+              <a:ext cx="2740002" cy="938785"/>
+            </a:xfrm>
+            <a:prstGeom prst="roundRect">
+              <a:avLst/>
+            </a:prstGeom>
+            <a:ln/>
+          </p:spPr>
+          <p:style>
+            <a:lnRef idx="1">
+              <a:schemeClr val="accent5"/>
+            </a:lnRef>
+            <a:fillRef idx="2">
+              <a:schemeClr val="accent5"/>
+            </a:fillRef>
+            <a:effectRef idx="1">
+              <a:schemeClr val="accent5"/>
+            </a:effectRef>
+            <a:fontRef idx="minor">
+              <a:schemeClr val="dk1"/>
+            </a:fontRef>
+          </p:style>
+          <p:txBody>
+            <a:bodyPr rtlCol="0" anchor="ctr"/>
+            <a:lstStyle/>
+            <a:p>
+              <a:pPr algn="ctr"/>
+              <a:r>
+                <a:rPr lang="en-US" altLang="zh-CN" sz="1600" dirty="0" smtClean="0">
+                  <a:solidFill>
+                    <a:schemeClr val="bg2">
+                      <a:lumMod val="10000"/>
+                    </a:schemeClr>
+                  </a:solidFill>
+                  <a:latin typeface="Times New Roman" panose="02020603050405020304" pitchFamily="18" charset="0"/>
+                  <a:ea typeface="宋体" panose="02010600030101010101" pitchFamily="2" charset="-122"/>
+                  <a:cs typeface="Times New Roman" panose="02020603050405020304" pitchFamily="18" charset="0"/>
+                </a:rPr>
+                <a:t>Obtain target Protein PDB ID from </a:t>
+              </a:r>
+              <a:r>
+                <a:rPr lang="en-US" altLang="zh-CN" sz="1600" dirty="0" err="1" smtClean="0">
+                  <a:latin typeface="Times New Roman" panose="02020603050405020304" pitchFamily="18" charset="0"/>
+                  <a:ea typeface="宋体" panose="02010600030101010101" pitchFamily="2" charset="-122"/>
+                  <a:cs typeface="Times New Roman" panose="02020603050405020304" pitchFamily="18" charset="0"/>
+                </a:rPr>
+                <a:t>UniProtKB</a:t>
+              </a:r>
+              <a:endParaRPr lang="zh-CN" altLang="en-US" sz="1600" dirty="0">
+                <a:solidFill>
+                  <a:schemeClr val="bg2">
+                    <a:lumMod val="10000"/>
+                  </a:schemeClr>
+                </a:solidFill>
+                <a:latin typeface="Times New Roman" panose="02020603050405020304" pitchFamily="18" charset="0"/>
+                <a:ea typeface="宋体" panose="02010600030101010101" pitchFamily="2" charset="-122"/>
+                <a:cs typeface="Times New Roman" panose="02020603050405020304" pitchFamily="18" charset="0"/>
+              </a:endParaRPr>
+            </a:p>
+          </p:txBody>
+        </p:sp>
+        <p:sp>
+          <p:nvSpPr>
+            <p:cNvPr id="16" name="圆角矩形 15"/>
+            <p:cNvSpPr/>
+            <p:nvPr/>
+          </p:nvSpPr>
+          <p:spPr>
+            <a:xfrm>
+              <a:off x="5132059" y="1937622"/>
+              <a:ext cx="2414016" cy="938784"/>
+            </a:xfrm>
+            <a:prstGeom prst="roundRect">
+              <a:avLst/>
+            </a:prstGeom>
+            <a:ln/>
+          </p:spPr>
+          <p:style>
+            <a:lnRef idx="1">
+              <a:schemeClr val="accent5"/>
+            </a:lnRef>
+            <a:fillRef idx="2">
+              <a:schemeClr val="accent5"/>
+            </a:fillRef>
+            <a:effectRef idx="1">
+              <a:schemeClr val="accent5"/>
+            </a:effectRef>
+            <a:fontRef idx="minor">
+              <a:schemeClr val="dk1"/>
+            </a:fontRef>
+          </p:style>
+          <p:txBody>
+            <a:bodyPr rtlCol="0" anchor="ctr"/>
+            <a:lstStyle/>
+            <a:p>
+              <a:pPr algn="ctr"/>
+              <a:r>
+                <a:rPr lang="en-US" altLang="zh-CN" sz="1600" dirty="0" err="1" smtClean="0">
+                  <a:solidFill>
+                    <a:schemeClr val="bg2">
+                      <a:lumMod val="10000"/>
+                    </a:schemeClr>
+                  </a:solidFill>
+                  <a:latin typeface="Times New Roman" panose="02020603050405020304" pitchFamily="18" charset="0"/>
+                  <a:ea typeface="宋体" panose="02010600030101010101" pitchFamily="2" charset="-122"/>
+                  <a:cs typeface="Times New Roman" panose="02020603050405020304" pitchFamily="18" charset="0"/>
+                </a:rPr>
+                <a:t>Obtaion</a:t>
+              </a:r>
+              <a:r>
+                <a:rPr lang="en-US" altLang="zh-CN" sz="1600" dirty="0" smtClean="0">
+                  <a:solidFill>
+                    <a:schemeClr val="bg2">
+                      <a:lumMod val="10000"/>
+                    </a:schemeClr>
+                  </a:solidFill>
+                  <a:latin typeface="Times New Roman" panose="02020603050405020304" pitchFamily="18" charset="0"/>
+                  <a:ea typeface="宋体" panose="02010600030101010101" pitchFamily="2" charset="-122"/>
+                  <a:cs typeface="Times New Roman" panose="02020603050405020304" pitchFamily="18" charset="0"/>
+                </a:rPr>
+                <a:t> target name from </a:t>
+              </a:r>
+              <a:r>
+                <a:rPr lang="en-US" altLang="zh-CN" sz="1600" dirty="0" err="1" smtClean="0">
+                  <a:solidFill>
+                    <a:schemeClr val="bg2">
+                      <a:lumMod val="10000"/>
+                    </a:schemeClr>
+                  </a:solidFill>
+                  <a:latin typeface="Times New Roman" panose="02020603050405020304" pitchFamily="18" charset="0"/>
+                  <a:ea typeface="宋体" panose="02010600030101010101" pitchFamily="2" charset="-122"/>
+                  <a:cs typeface="Times New Roman" panose="02020603050405020304" pitchFamily="18" charset="0"/>
+                </a:rPr>
+                <a:t>DisGeNET</a:t>
+              </a:r>
+              <a:endParaRPr lang="zh-CN" altLang="en-US" sz="1600" dirty="0">
+                <a:solidFill>
+                  <a:schemeClr val="bg2">
+                    <a:lumMod val="10000"/>
+                  </a:schemeClr>
+                </a:solidFill>
+                <a:latin typeface="Times New Roman" panose="02020603050405020304" pitchFamily="18" charset="0"/>
+                <a:ea typeface="宋体" panose="02010600030101010101" pitchFamily="2" charset="-122"/>
+                <a:cs typeface="Times New Roman" panose="02020603050405020304" pitchFamily="18" charset="0"/>
+              </a:endParaRPr>
+            </a:p>
+          </p:txBody>
+        </p:sp>
+        <p:sp>
+          <p:nvSpPr>
+            <p:cNvPr id="17" name="圆角矩形 16"/>
+            <p:cNvSpPr/>
+            <p:nvPr/>
+          </p:nvSpPr>
+          <p:spPr>
+            <a:xfrm>
+              <a:off x="3486830" y="3742431"/>
+              <a:ext cx="2414015" cy="876350"/>
+            </a:xfrm>
+            <a:prstGeom prst="roundRect">
+              <a:avLst/>
+            </a:prstGeom>
+            <a:ln/>
+          </p:spPr>
+          <p:style>
+            <a:lnRef idx="1">
+              <a:schemeClr val="accent5"/>
+            </a:lnRef>
+            <a:fillRef idx="2">
+              <a:schemeClr val="accent5"/>
+            </a:fillRef>
+            <a:effectRef idx="1">
+              <a:schemeClr val="accent5"/>
+            </a:effectRef>
+            <a:fontRef idx="minor">
+              <a:schemeClr val="dk1"/>
+            </a:fontRef>
+          </p:style>
+          <p:txBody>
+            <a:bodyPr rtlCol="0" anchor="ctr"/>
+            <a:lstStyle/>
+            <a:p>
+              <a:pPr algn="ctr"/>
+              <a:r>
+                <a:rPr lang="en-US" altLang="zh-CN" sz="1600" dirty="0" smtClean="0">
+                  <a:solidFill>
+                    <a:schemeClr val="bg2">
+                      <a:lumMod val="10000"/>
+                    </a:schemeClr>
+                  </a:solidFill>
+                  <a:latin typeface="Times New Roman" panose="02020603050405020304" pitchFamily="18" charset="0"/>
+                  <a:ea typeface="宋体" panose="02010600030101010101" pitchFamily="2" charset="-122"/>
+                  <a:cs typeface="Times New Roman" panose="02020603050405020304" pitchFamily="18" charset="0"/>
+                </a:rPr>
+                <a:t>Combine target name</a:t>
+              </a:r>
+              <a:endParaRPr lang="zh-CN" altLang="en-US" sz="1600" dirty="0">
+                <a:solidFill>
+                  <a:schemeClr val="bg2">
+                    <a:lumMod val="10000"/>
+                  </a:schemeClr>
+                </a:solidFill>
+                <a:latin typeface="Times New Roman" panose="02020603050405020304" pitchFamily="18" charset="0"/>
+                <a:ea typeface="宋体" panose="02010600030101010101" pitchFamily="2" charset="-122"/>
+                <a:cs typeface="Times New Roman" panose="02020603050405020304" pitchFamily="18" charset="0"/>
+              </a:endParaRPr>
+            </a:p>
+          </p:txBody>
+        </p:sp>
+        <p:cxnSp>
+          <p:nvCxnSpPr>
+            <p:cNvPr id="18" name="直接箭头连接符 17"/>
+            <p:cNvCxnSpPr>
+              <a:stCxn id="14" idx="2"/>
+              <a:endCxn id="17" idx="0"/>
+            </p:cNvCxnSpPr>
+            <p:nvPr/>
+          </p:nvCxnSpPr>
+          <p:spPr>
+            <a:xfrm>
+              <a:off x="3361752" y="2887983"/>
+              <a:ext cx="1332086" cy="854448"/>
+            </a:xfrm>
+            <a:prstGeom prst="straightConnector1">
+              <a:avLst/>
+            </a:prstGeom>
+            <a:ln>
+              <a:tailEnd type="triangle"/>
+            </a:ln>
+          </p:spPr>
+          <p:style>
+            <a:lnRef idx="1">
+              <a:schemeClr val="accent5"/>
+            </a:lnRef>
+            <a:fillRef idx="2">
+              <a:schemeClr val="accent5"/>
+            </a:fillRef>
+            <a:effectRef idx="1">
+              <a:schemeClr val="accent5"/>
+            </a:effectRef>
+            <a:fontRef idx="minor">
+              <a:schemeClr val="dk1"/>
+            </a:fontRef>
+          </p:style>
+        </p:cxnSp>
+        <p:cxnSp>
+          <p:nvCxnSpPr>
+            <p:cNvPr id="19" name="直接箭头连接符 18"/>
+            <p:cNvCxnSpPr>
+              <a:stCxn id="16" idx="2"/>
+              <a:endCxn id="17" idx="0"/>
+            </p:cNvCxnSpPr>
+            <p:nvPr/>
+          </p:nvCxnSpPr>
+          <p:spPr>
+            <a:xfrm flipH="1">
+              <a:off x="4693839" y="2876407"/>
+              <a:ext cx="1645229" cy="866024"/>
+            </a:xfrm>
+            <a:prstGeom prst="straightConnector1">
+              <a:avLst/>
+            </a:prstGeom>
+            <a:ln>
+              <a:tailEnd type="triangle"/>
+            </a:ln>
+          </p:spPr>
+          <p:style>
+            <a:lnRef idx="1">
+              <a:schemeClr val="accent5"/>
+            </a:lnRef>
+            <a:fillRef idx="2">
+              <a:schemeClr val="accent5"/>
+            </a:fillRef>
+            <a:effectRef idx="1">
+              <a:schemeClr val="accent5"/>
+            </a:effectRef>
+            <a:fontRef idx="minor">
+              <a:schemeClr val="dk1"/>
+            </a:fontRef>
+          </p:style>
+        </p:cxnSp>
+        <p:cxnSp>
+          <p:nvCxnSpPr>
+            <p:cNvPr id="20" name="直接箭头连接符 19"/>
+            <p:cNvCxnSpPr>
+              <a:stCxn id="17" idx="2"/>
+              <a:endCxn id="15" idx="0"/>
+            </p:cNvCxnSpPr>
+            <p:nvPr/>
+          </p:nvCxnSpPr>
+          <p:spPr>
+            <a:xfrm>
+              <a:off x="4693839" y="4618781"/>
+              <a:ext cx="21261" cy="717802"/>
+            </a:xfrm>
+            <a:prstGeom prst="straightConnector1">
+              <a:avLst/>
+            </a:prstGeom>
+            <a:ln>
+              <a:tailEnd type="triangle"/>
+            </a:ln>
+          </p:spPr>
+          <p:style>
+            <a:lnRef idx="1">
+              <a:schemeClr val="accent5"/>
+            </a:lnRef>
+            <a:fillRef idx="2">
+              <a:schemeClr val="accent5"/>
+            </a:fillRef>
+            <a:effectRef idx="1">
+              <a:schemeClr val="accent5"/>
+            </a:effectRef>
+            <a:fontRef idx="minor">
+              <a:schemeClr val="dk1"/>
+            </a:fontRef>
+          </p:style>
+        </p:cxnSp>
+      </p:grpSp>
+    </p:spTree>
+    <p:extLst>
+      <p:ext uri="{BB962C8B-B14F-4D97-AF65-F5344CB8AC3E}">
+        <p14:creationId xmlns:p14="http://schemas.microsoft.com/office/powerpoint/2010/main" val="241881970"/>
+      </p:ext>
+    </p:extLst>
+  </p:cSld>
+  <p:clrMapOvr>
+    <a:masterClrMapping/>
+  </p:clrMapOvr>
 </p:sld>
 </file>
 
@@ -3765,4 +10730,265 @@
     </a:ext>
   </a:extLst>
 </a:theme>
+</file>
+
+<file path=ppt/theme/theme2.xml><?xml version="1.0" encoding="utf-8"?>
+<a:theme xmlns:a="http://schemas.openxmlformats.org/drawingml/2006/main" name="Office 主题​​">
+  <a:themeElements>
+    <a:clrScheme name="Office">
+      <a:dk1>
+        <a:sysClr val="windowText" lastClr="000000"/>
+      </a:dk1>
+      <a:lt1>
+        <a:sysClr val="window" lastClr="FFFFFF"/>
+      </a:lt1>
+      <a:dk2>
+        <a:srgbClr val="44546A"/>
+      </a:dk2>
+      <a:lt2>
+        <a:srgbClr val="E7E6E6"/>
+      </a:lt2>
+      <a:accent1>
+        <a:srgbClr val="5B9BD5"/>
+      </a:accent1>
+      <a:accent2>
+        <a:srgbClr val="ED7D31"/>
+      </a:accent2>
+      <a:accent3>
+        <a:srgbClr val="A5A5A5"/>
+      </a:accent3>
+      <a:accent4>
+        <a:srgbClr val="FFC000"/>
+      </a:accent4>
+      <a:accent5>
+        <a:srgbClr val="4472C4"/>
+      </a:accent5>
+      <a:accent6>
+        <a:srgbClr val="70AD47"/>
+      </a:accent6>
+      <a:hlink>
+        <a:srgbClr val="0563C1"/>
+      </a:hlink>
+      <a:folHlink>
+        <a:srgbClr val="954F72"/>
+      </a:folHlink>
+    </a:clrScheme>
+    <a:fontScheme name="Office">
+      <a:majorFont>
+        <a:latin typeface="等线 Light" panose="020F0302020204030204"/>
+        <a:ea typeface=""/>
+        <a:cs typeface=""/>
+        <a:font script="Jpan" typeface="游ゴシック Light"/>
+        <a:font script="Hang" typeface="맑은 고딕"/>
+        <a:font script="Hans" typeface="等线 Light"/>
+        <a:font script="Hant" typeface="新細明體"/>
+        <a:font script="Arab" typeface="Times New Roman"/>
+        <a:font script="Hebr" typeface="Times New Roman"/>
+        <a:font script="Thai" typeface="Angsana New"/>
+        <a:font script="Ethi" typeface="Nyala"/>
+        <a:font script="Beng" typeface="Vrinda"/>
+        <a:font script="Gujr" typeface="Shruti"/>
+        <a:font script="Khmr" typeface="MoolBoran"/>
+        <a:font script="Knda" typeface="Tunga"/>
+        <a:font script="Guru" typeface="Raavi"/>
+        <a:font script="Cans" typeface="Euphemia"/>
+        <a:font script="Cher" typeface="Plantagenet Cherokee"/>
+        <a:font script="Yiii" typeface="Microsoft Yi Baiti"/>
+        <a:font script="Tibt" typeface="Microsoft Himalaya"/>
+        <a:font script="Thaa" typeface="MV Boli"/>
+        <a:font script="Deva" typeface="Mangal"/>
+        <a:font script="Telu" typeface="Gautami"/>
+        <a:font script="Taml" typeface="Latha"/>
+        <a:font script="Syrc" typeface="Estrangelo Edessa"/>
+        <a:font script="Orya" typeface="Kalinga"/>
+        <a:font script="Mlym" typeface="Kartika"/>
+        <a:font script="Laoo" typeface="DokChampa"/>
+        <a:font script="Sinh" typeface="Iskoola Pota"/>
+        <a:font script="Mong" typeface="Mongolian Baiti"/>
+        <a:font script="Viet" typeface="Times New Roman"/>
+        <a:font script="Uigh" typeface="Microsoft Uighur"/>
+        <a:font script="Geor" typeface="Sylfaen"/>
+      </a:majorFont>
+      <a:minorFont>
+        <a:latin typeface="等线" panose="020F0502020204030204"/>
+        <a:ea typeface=""/>
+        <a:cs typeface=""/>
+        <a:font script="Jpan" typeface="游ゴシック"/>
+        <a:font script="Hang" typeface="맑은 고딕"/>
+        <a:font script="Hans" typeface="等线"/>
+        <a:font script="Hant" typeface="新細明體"/>
+        <a:font script="Arab" typeface="Arial"/>
+        <a:font script="Hebr" typeface="Arial"/>
+        <a:font script="Thai" typeface="Cordia New"/>
+        <a:font script="Ethi" typeface="Nyala"/>
+        <a:font script="Beng" typeface="Vrinda"/>
+        <a:font script="Gujr" typeface="Shruti"/>
+        <a:font script="Khmr" typeface="DaunPenh"/>
+        <a:font script="Knda" typeface="Tunga"/>
+        <a:font script="Guru" typeface="Raavi"/>
+        <a:font script="Cans" typeface="Euphemia"/>
+        <a:font script="Cher" typeface="Plantagenet Cherokee"/>
+        <a:font script="Yiii" typeface="Microsoft Yi Baiti"/>
+        <a:font script="Tibt" typeface="Microsoft Himalaya"/>
+        <a:font script="Thaa" typeface="MV Boli"/>
+        <a:font script="Deva" typeface="Mangal"/>
+        <a:font script="Telu" typeface="Gautami"/>
+        <a:font script="Taml" typeface="Latha"/>
+        <a:font script="Syrc" typeface="Estrangelo Edessa"/>
+        <a:font script="Orya" typeface="Kalinga"/>
+        <a:font script="Mlym" typeface="Kartika"/>
+        <a:font script="Laoo" typeface="DokChampa"/>
+        <a:font script="Sinh" typeface="Iskoola Pota"/>
+        <a:font script="Mong" typeface="Mongolian Baiti"/>
+        <a:font script="Viet" typeface="Arial"/>
+        <a:font script="Uigh" typeface="Microsoft Uighur"/>
+        <a:font script="Geor" typeface="Sylfaen"/>
+      </a:minorFont>
+    </a:fontScheme>
+    <a:fmtScheme name="Office">
+      <a:fillStyleLst>
+        <a:solidFill>
+          <a:schemeClr val="phClr"/>
+        </a:solidFill>
+        <a:gradFill rotWithShape="1">
+          <a:gsLst>
+            <a:gs pos="0">
+              <a:schemeClr val="phClr">
+                <a:lumMod val="110000"/>
+                <a:satMod val="105000"/>
+                <a:tint val="67000"/>
+              </a:schemeClr>
+            </a:gs>
+            <a:gs pos="50000">
+              <a:schemeClr val="phClr">
+                <a:lumMod val="105000"/>
+                <a:satMod val="103000"/>
+                <a:tint val="73000"/>
+              </a:schemeClr>
+            </a:gs>
+            <a:gs pos="100000">
+              <a:schemeClr val="phClr">
+                <a:lumMod val="105000"/>
+                <a:satMod val="109000"/>
+                <a:tint val="81000"/>
+              </a:schemeClr>
+            </a:gs>
+          </a:gsLst>
+          <a:lin ang="5400000" scaled="0"/>
+        </a:gradFill>
+        <a:gradFill rotWithShape="1">
+          <a:gsLst>
+            <a:gs pos="0">
+              <a:schemeClr val="phClr">
+                <a:satMod val="103000"/>
+                <a:lumMod val="102000"/>
+                <a:tint val="94000"/>
+              </a:schemeClr>
+            </a:gs>
+            <a:gs pos="50000">
+              <a:schemeClr val="phClr">
+                <a:satMod val="110000"/>
+                <a:lumMod val="100000"/>
+                <a:shade val="100000"/>
+              </a:schemeClr>
+            </a:gs>
+            <a:gs pos="100000">
+              <a:schemeClr val="phClr">
+                <a:lumMod val="99000"/>
+                <a:satMod val="120000"/>
+                <a:shade val="78000"/>
+              </a:schemeClr>
+            </a:gs>
+          </a:gsLst>
+          <a:lin ang="5400000" scaled="0"/>
+        </a:gradFill>
+      </a:fillStyleLst>
+      <a:lnStyleLst>
+        <a:ln w="6350" cap="flat" cmpd="sng" algn="ctr">
+          <a:solidFill>
+            <a:schemeClr val="phClr"/>
+          </a:solidFill>
+          <a:prstDash val="solid"/>
+          <a:miter lim="800000"/>
+        </a:ln>
+        <a:ln w="12700" cap="flat" cmpd="sng" algn="ctr">
+          <a:solidFill>
+            <a:schemeClr val="phClr"/>
+          </a:solidFill>
+          <a:prstDash val="solid"/>
+          <a:miter lim="800000"/>
+        </a:ln>
+        <a:ln w="19050" cap="flat" cmpd="sng" algn="ctr">
+          <a:solidFill>
+            <a:schemeClr val="phClr"/>
+          </a:solidFill>
+          <a:prstDash val="solid"/>
+          <a:miter lim="800000"/>
+        </a:ln>
+      </a:lnStyleLst>
+      <a:effectStyleLst>
+        <a:effectStyle>
+          <a:effectLst/>
+        </a:effectStyle>
+        <a:effectStyle>
+          <a:effectLst/>
+        </a:effectStyle>
+        <a:effectStyle>
+          <a:effectLst>
+            <a:outerShdw blurRad="57150" dist="19050" dir="5400000" algn="ctr" rotWithShape="0">
+              <a:srgbClr val="000000">
+                <a:alpha val="63000"/>
+              </a:srgbClr>
+            </a:outerShdw>
+          </a:effectLst>
+        </a:effectStyle>
+      </a:effectStyleLst>
+      <a:bgFillStyleLst>
+        <a:solidFill>
+          <a:schemeClr val="phClr"/>
+        </a:solidFill>
+        <a:solidFill>
+          <a:schemeClr val="phClr">
+            <a:tint val="95000"/>
+            <a:satMod val="170000"/>
+          </a:schemeClr>
+        </a:solidFill>
+        <a:gradFill rotWithShape="1">
+          <a:gsLst>
+            <a:gs pos="0">
+              <a:schemeClr val="phClr">
+                <a:tint val="93000"/>
+                <a:satMod val="150000"/>
+                <a:shade val="98000"/>
+                <a:lumMod val="102000"/>
+              </a:schemeClr>
+            </a:gs>
+            <a:gs pos="50000">
+              <a:schemeClr val="phClr">
+                <a:tint val="98000"/>
+                <a:satMod val="130000"/>
+                <a:shade val="90000"/>
+                <a:lumMod val="103000"/>
+              </a:schemeClr>
+            </a:gs>
+            <a:gs pos="100000">
+              <a:schemeClr val="phClr">
+                <a:shade val="63000"/>
+                <a:satMod val="120000"/>
+              </a:schemeClr>
+            </a:gs>
+          </a:gsLst>
+          <a:lin ang="5400000" scaled="0"/>
+        </a:gradFill>
+      </a:bgFillStyleLst>
+    </a:fmtScheme>
+  </a:themeElements>
+  <a:objectDefaults/>
+  <a:extraClrSchemeLst/>
+  <a:extLst>
+    <a:ext uri="{05A4C25C-085E-4340-85A3-A5531E510DB2}">
+      <thm15:themeFamily xmlns:thm15="http://schemas.microsoft.com/office/thememl/2012/main" name="Office Theme" id="{62F939B6-93AF-4DB8-9C6B-D6C7DFDC589F}" vid="{4A3C46E8-61CC-4603-A589-7422A47A8E4A}"/>
+    </a:ext>
+  </a:extLst>
+</a:theme>
 </file>